--- a/Presentación Proyecto.pptx
+++ b/Presentación Proyecto.pptx
@@ -154,11 +154,11 @@
 </file>
 
 <file path=ppt/diagrams/colors1.xml><?xml version="1.0" encoding="utf-8"?>
-<dgm:colorsDef xmlns:dgm="http://schemas.openxmlformats.org/drawingml/2006/diagram" xmlns:a="http://schemas.openxmlformats.org/drawingml/2006/main" uniqueId="urn:microsoft.com/office/officeart/2005/8/colors/colorful1">
+<dgm:colorsDef xmlns:dgm="http://schemas.openxmlformats.org/drawingml/2006/diagram" xmlns:a="http://schemas.openxmlformats.org/drawingml/2006/main" uniqueId="urn:microsoft.com/office/officeart/2005/8/colors/accent1_2">
   <dgm:title val=""/>
   <dgm:desc val=""/>
   <dgm:catLst>
-    <dgm:cat type="colorful" pri="10100"/>
+    <dgm:cat type="accent1" pri="11200"/>
   </dgm:catLst>
   <dgm:styleLbl name="node0">
     <dgm:fillClrLst meth="repeat">
@@ -172,13 +172,21 @@
     <dgm:txFillClrLst/>
     <dgm:txEffectClrLst/>
   </dgm:styleLbl>
+  <dgm:styleLbl name="alignNode1">
+    <dgm:fillClrLst meth="repeat">
+      <a:schemeClr val="accent1"/>
+    </dgm:fillClrLst>
+    <dgm:linClrLst meth="repeat">
+      <a:schemeClr val="accent1"/>
+    </dgm:linClrLst>
+    <dgm:effectClrLst/>
+    <dgm:txLinClrLst/>
+    <dgm:txFillClrLst/>
+    <dgm:txEffectClrLst/>
+  </dgm:styleLbl>
   <dgm:styleLbl name="node1">
     <dgm:fillClrLst meth="repeat">
-      <a:schemeClr val="accent2"/>
-      <a:schemeClr val="accent3"/>
-      <a:schemeClr val="accent4"/>
-      <a:schemeClr val="accent5"/>
-      <a:schemeClr val="accent6"/>
+      <a:schemeClr val="accent1"/>
     </dgm:fillClrLst>
     <dgm:linClrLst meth="repeat">
       <a:schemeClr val="lt1"/>
@@ -188,33 +196,9 @@
     <dgm:txFillClrLst/>
     <dgm:txEffectClrLst/>
   </dgm:styleLbl>
-  <dgm:styleLbl name="alignNode1">
-    <dgm:fillClrLst meth="repeat">
-      <a:schemeClr val="accent2"/>
-      <a:schemeClr val="accent3"/>
-      <a:schemeClr val="accent4"/>
-      <a:schemeClr val="accent5"/>
-      <a:schemeClr val="accent6"/>
-    </dgm:fillClrLst>
-    <dgm:linClrLst meth="repeat">
-      <a:schemeClr val="accent2"/>
-      <a:schemeClr val="accent3"/>
-      <a:schemeClr val="accent4"/>
-      <a:schemeClr val="accent5"/>
-      <a:schemeClr val="accent6"/>
-    </dgm:linClrLst>
-    <dgm:effectClrLst/>
-    <dgm:txLinClrLst/>
-    <dgm:txFillClrLst/>
-    <dgm:txEffectClrLst/>
-  </dgm:styleLbl>
   <dgm:styleLbl name="lnNode1">
     <dgm:fillClrLst meth="repeat">
-      <a:schemeClr val="accent2"/>
-      <a:schemeClr val="accent3"/>
-      <a:schemeClr val="accent4"/>
-      <a:schemeClr val="accent5"/>
-      <a:schemeClr val="accent6"/>
+      <a:schemeClr val="accent1"/>
     </dgm:fillClrLst>
     <dgm:linClrLst meth="repeat">
       <a:schemeClr val="lt1"/>
@@ -226,19 +210,7 @@
   </dgm:styleLbl>
   <dgm:styleLbl name="vennNode1">
     <dgm:fillClrLst meth="repeat">
-      <a:schemeClr val="accent2">
-        <a:alpha val="50000"/>
-      </a:schemeClr>
-      <a:schemeClr val="accent3">
-        <a:alpha val="50000"/>
-      </a:schemeClr>
-      <a:schemeClr val="accent4">
-        <a:alpha val="50000"/>
-      </a:schemeClr>
-      <a:schemeClr val="accent5">
-        <a:alpha val="50000"/>
-      </a:schemeClr>
-      <a:schemeClr val="accent6">
+      <a:schemeClr val="accent1">
         <a:alpha val="50000"/>
       </a:schemeClr>
     </dgm:fillClrLst>
@@ -251,8 +223,8 @@
     <dgm:txEffectClrLst/>
   </dgm:styleLbl>
   <dgm:styleLbl name="node2">
-    <dgm:fillClrLst>
-      <a:schemeClr val="accent2"/>
+    <dgm:fillClrLst meth="repeat">
+      <a:schemeClr val="accent1"/>
     </dgm:fillClrLst>
     <dgm:linClrLst meth="repeat">
       <a:schemeClr val="lt1"/>
@@ -263,8 +235,8 @@
     <dgm:txEffectClrLst/>
   </dgm:styleLbl>
   <dgm:styleLbl name="node3">
-    <dgm:fillClrLst>
-      <a:schemeClr val="accent3"/>
+    <dgm:fillClrLst meth="repeat">
+      <a:schemeClr val="accent1"/>
     </dgm:fillClrLst>
     <dgm:linClrLst meth="repeat">
       <a:schemeClr val="lt1"/>
@@ -275,8 +247,8 @@
     <dgm:txEffectClrLst/>
   </dgm:styleLbl>
   <dgm:styleLbl name="node4">
-    <dgm:fillClrLst>
-      <a:schemeClr val="accent4"/>
+    <dgm:fillClrLst meth="repeat">
+      <a:schemeClr val="accent1"/>
     </dgm:fillClrLst>
     <dgm:linClrLst meth="repeat">
       <a:schemeClr val="lt1"/>
@@ -288,19 +260,7 @@
   </dgm:styleLbl>
   <dgm:styleLbl name="fgImgPlace1">
     <dgm:fillClrLst meth="repeat">
-      <a:schemeClr val="accent2">
-        <a:tint val="50000"/>
-      </a:schemeClr>
-      <a:schemeClr val="accent3">
-        <a:tint val="50000"/>
-      </a:schemeClr>
-      <a:schemeClr val="accent4">
-        <a:tint val="50000"/>
-      </a:schemeClr>
-      <a:schemeClr val="accent5">
-        <a:tint val="50000"/>
-      </a:schemeClr>
-      <a:schemeClr val="accent6">
+      <a:schemeClr val="accent1">
         <a:tint val="50000"/>
       </a:schemeClr>
     </dgm:fillClrLst>
@@ -315,12 +275,9 @@
     <dgm:txEffectClrLst/>
   </dgm:styleLbl>
   <dgm:styleLbl name="alignImgPlace1">
-    <dgm:fillClrLst>
+    <dgm:fillClrLst meth="repeat">
       <a:schemeClr val="accent1">
         <a:tint val="50000"/>
-      </a:schemeClr>
-      <a:schemeClr val="accent2">
-        <a:tint val="20000"/>
       </a:schemeClr>
     </dgm:fillClrLst>
     <dgm:linClrLst meth="repeat">
@@ -334,12 +291,9 @@
     <dgm:txEffectClrLst/>
   </dgm:styleLbl>
   <dgm:styleLbl name="bgImgPlace1">
-    <dgm:fillClrLst>
+    <dgm:fillClrLst meth="repeat">
       <a:schemeClr val="accent1">
         <a:tint val="50000"/>
-      </a:schemeClr>
-      <a:schemeClr val="accent2">
-        <a:tint val="20000"/>
       </a:schemeClr>
     </dgm:fillClrLst>
     <dgm:linClrLst meth="repeat">
@@ -354,14 +308,14 @@
   </dgm:styleLbl>
   <dgm:styleLbl name="sibTrans2D1">
     <dgm:fillClrLst meth="repeat">
-      <a:schemeClr val="accent2"/>
-      <a:schemeClr val="accent3"/>
-      <a:schemeClr val="accent4"/>
-      <a:schemeClr val="accent5"/>
-      <a:schemeClr val="accent6"/>
+      <a:schemeClr val="accent1">
+        <a:tint val="60000"/>
+      </a:schemeClr>
     </dgm:fillClrLst>
-    <dgm:linClrLst meth="cycle">
-      <a:schemeClr val="lt1"/>
+    <dgm:linClrLst meth="repeat">
+      <a:schemeClr val="accent1">
+        <a:tint val="60000"/>
+      </a:schemeClr>
     </dgm:linClrLst>
     <dgm:effectClrLst/>
     <dgm:txLinClrLst/>
@@ -370,54 +324,42 @@
   </dgm:styleLbl>
   <dgm:styleLbl name="fgSibTrans2D1">
     <dgm:fillClrLst meth="repeat">
-      <a:schemeClr val="accent2"/>
-      <a:schemeClr val="accent3"/>
-      <a:schemeClr val="accent4"/>
-      <a:schemeClr val="accent5"/>
-      <a:schemeClr val="accent6"/>
+      <a:schemeClr val="accent1">
+        <a:tint val="60000"/>
+      </a:schemeClr>
     </dgm:fillClrLst>
-    <dgm:linClrLst meth="cycle">
-      <a:schemeClr val="lt1"/>
+    <dgm:linClrLst meth="repeat">
+      <a:schemeClr val="accent1">
+        <a:tint val="60000"/>
+      </a:schemeClr>
     </dgm:linClrLst>
     <dgm:effectClrLst/>
     <dgm:txLinClrLst/>
-    <dgm:txFillClrLst meth="repeat">
-      <a:schemeClr val="lt1"/>
-    </dgm:txFillClrLst>
+    <dgm:txFillClrLst/>
     <dgm:txEffectClrLst/>
   </dgm:styleLbl>
   <dgm:styleLbl name="bgSibTrans2D1">
     <dgm:fillClrLst meth="repeat">
-      <a:schemeClr val="accent2"/>
-      <a:schemeClr val="accent3"/>
-      <a:schemeClr val="accent4"/>
-      <a:schemeClr val="accent5"/>
-      <a:schemeClr val="accent6"/>
+      <a:schemeClr val="accent1">
+        <a:tint val="60000"/>
+      </a:schemeClr>
     </dgm:fillClrLst>
-    <dgm:linClrLst meth="cycle">
-      <a:schemeClr val="lt1"/>
+    <dgm:linClrLst meth="repeat">
+      <a:schemeClr val="accent1">
+        <a:tint val="60000"/>
+      </a:schemeClr>
     </dgm:linClrLst>
     <dgm:effectClrLst/>
     <dgm:txLinClrLst/>
-    <dgm:txFillClrLst meth="repeat">
-      <a:schemeClr val="lt1"/>
-    </dgm:txFillClrLst>
+    <dgm:txFillClrLst/>
     <dgm:txEffectClrLst/>
   </dgm:styleLbl>
   <dgm:styleLbl name="sibTrans1D1">
     <dgm:fillClrLst meth="repeat">
-      <a:schemeClr val="accent2"/>
-      <a:schemeClr val="accent3"/>
-      <a:schemeClr val="accent4"/>
-      <a:schemeClr val="accent5"/>
-      <a:schemeClr val="accent6"/>
+      <a:schemeClr val="accent1"/>
     </dgm:fillClrLst>
     <dgm:linClrLst meth="repeat">
-      <a:schemeClr val="accent2"/>
-      <a:schemeClr val="accent3"/>
-      <a:schemeClr val="accent4"/>
-      <a:schemeClr val="accent5"/>
-      <a:schemeClr val="accent6"/>
+      <a:schemeClr val="accent1"/>
     </dgm:linClrLst>
     <dgm:effectClrLst/>
     <dgm:txLinClrLst/>
@@ -428,10 +370,10 @@
   </dgm:styleLbl>
   <dgm:styleLbl name="callout">
     <dgm:fillClrLst meth="repeat">
-      <a:schemeClr val="accent2"/>
+      <a:schemeClr val="accent1"/>
     </dgm:fillClrLst>
     <dgm:linClrLst meth="repeat">
-      <a:schemeClr val="accent2">
+      <a:schemeClr val="accent1">
         <a:tint val="50000"/>
       </a:schemeClr>
     </dgm:linClrLst>
@@ -456,7 +398,7 @@
   </dgm:styleLbl>
   <dgm:styleLbl name="asst1">
     <dgm:fillClrLst meth="repeat">
-      <a:schemeClr val="accent2"/>
+      <a:schemeClr val="accent1"/>
     </dgm:fillClrLst>
     <dgm:linClrLst meth="repeat">
       <a:schemeClr val="lt1"/>
@@ -467,8 +409,8 @@
     <dgm:txEffectClrLst/>
   </dgm:styleLbl>
   <dgm:styleLbl name="asst2">
-    <dgm:fillClrLst>
-      <a:schemeClr val="accent3"/>
+    <dgm:fillClrLst meth="repeat">
+      <a:schemeClr val="accent1"/>
     </dgm:fillClrLst>
     <dgm:linClrLst meth="repeat">
       <a:schemeClr val="lt1"/>
@@ -479,8 +421,8 @@
     <dgm:txEffectClrLst/>
   </dgm:styleLbl>
   <dgm:styleLbl name="asst3">
-    <dgm:fillClrLst>
-      <a:schemeClr val="accent4"/>
+    <dgm:fillClrLst meth="repeat">
+      <a:schemeClr val="accent1"/>
     </dgm:fillClrLst>
     <dgm:linClrLst meth="repeat">
       <a:schemeClr val="lt1"/>
@@ -491,8 +433,8 @@
     <dgm:txEffectClrLst/>
   </dgm:styleLbl>
   <dgm:styleLbl name="asst4">
-    <dgm:fillClrLst>
-      <a:schemeClr val="accent5"/>
+    <dgm:fillClrLst meth="repeat">
+      <a:schemeClr val="accent1"/>
     </dgm:fillClrLst>
     <dgm:linClrLst meth="repeat">
       <a:schemeClr val="lt1"/>
@@ -504,10 +446,14 @@
   </dgm:styleLbl>
   <dgm:styleLbl name="parChTrans2D1">
     <dgm:fillClrLst meth="repeat">
-      <a:schemeClr val="accent2"/>
+      <a:schemeClr val="accent1">
+        <a:tint val="60000"/>
+      </a:schemeClr>
     </dgm:fillClrLst>
     <dgm:linClrLst meth="repeat">
-      <a:schemeClr val="lt1"/>
+      <a:schemeClr val="accent1">
+        <a:tint val="60000"/>
+      </a:schemeClr>
     </dgm:linClrLst>
     <dgm:effectClrLst/>
     <dgm:txLinClrLst/>
@@ -518,34 +464,38 @@
   </dgm:styleLbl>
   <dgm:styleLbl name="parChTrans2D2">
     <dgm:fillClrLst meth="repeat">
-      <a:schemeClr val="accent3"/>
+      <a:schemeClr val="accent1"/>
     </dgm:fillClrLst>
     <dgm:linClrLst meth="repeat">
-      <a:schemeClr val="lt1"/>
+      <a:schemeClr val="accent1"/>
     </dgm:linClrLst>
     <dgm:effectClrLst/>
     <dgm:txLinClrLst/>
-    <dgm:txFillClrLst/>
+    <dgm:txFillClrLst meth="repeat">
+      <a:schemeClr val="lt1"/>
+    </dgm:txFillClrLst>
     <dgm:txEffectClrLst/>
   </dgm:styleLbl>
   <dgm:styleLbl name="parChTrans2D3">
     <dgm:fillClrLst meth="repeat">
-      <a:schemeClr val="accent4"/>
+      <a:schemeClr val="accent1"/>
     </dgm:fillClrLst>
     <dgm:linClrLst meth="repeat">
-      <a:schemeClr val="lt1"/>
+      <a:schemeClr val="accent1"/>
     </dgm:linClrLst>
     <dgm:effectClrLst/>
     <dgm:txLinClrLst/>
-    <dgm:txFillClrLst/>
+    <dgm:txFillClrLst meth="repeat">
+      <a:schemeClr val="lt1"/>
+    </dgm:txFillClrLst>
     <dgm:txEffectClrLst/>
   </dgm:styleLbl>
   <dgm:styleLbl name="parChTrans2D4">
     <dgm:fillClrLst meth="repeat">
-      <a:schemeClr val="accent5"/>
+      <a:schemeClr val="accent1"/>
     </dgm:fillClrLst>
     <dgm:linClrLst meth="repeat">
-      <a:schemeClr val="lt1"/>
+      <a:schemeClr val="accent1"/>
     </dgm:linClrLst>
     <dgm:effectClrLst/>
     <dgm:txLinClrLst/>
@@ -556,10 +506,12 @@
   </dgm:styleLbl>
   <dgm:styleLbl name="parChTrans1D1">
     <dgm:fillClrLst meth="repeat">
-      <a:schemeClr val="accent2"/>
+      <a:schemeClr val="accent1"/>
     </dgm:fillClrLst>
     <dgm:linClrLst meth="repeat">
-      <a:schemeClr val="accent1"/>
+      <a:schemeClr val="accent1">
+        <a:shade val="60000"/>
+      </a:schemeClr>
     </dgm:linClrLst>
     <dgm:effectClrLst/>
     <dgm:txLinClrLst/>
@@ -570,12 +522,12 @@
   </dgm:styleLbl>
   <dgm:styleLbl name="parChTrans1D2">
     <dgm:fillClrLst meth="repeat">
-      <a:schemeClr val="accent3">
-        <a:tint val="90000"/>
-      </a:schemeClr>
+      <a:schemeClr val="accent1"/>
     </dgm:fillClrLst>
     <dgm:linClrLst meth="repeat">
-      <a:schemeClr val="accent2"/>
+      <a:schemeClr val="accent1">
+        <a:shade val="60000"/>
+      </a:schemeClr>
     </dgm:linClrLst>
     <dgm:effectClrLst/>
     <dgm:txLinClrLst/>
@@ -586,12 +538,12 @@
   </dgm:styleLbl>
   <dgm:styleLbl name="parChTrans1D3">
     <dgm:fillClrLst meth="repeat">
-      <a:schemeClr val="accent4">
-        <a:tint val="70000"/>
-      </a:schemeClr>
+      <a:schemeClr val="accent1"/>
     </dgm:fillClrLst>
     <dgm:linClrLst meth="repeat">
-      <a:schemeClr val="accent3"/>
+      <a:schemeClr val="accent1">
+        <a:shade val="80000"/>
+      </a:schemeClr>
     </dgm:linClrLst>
     <dgm:effectClrLst/>
     <dgm:txLinClrLst/>
@@ -602,12 +554,12 @@
   </dgm:styleLbl>
   <dgm:styleLbl name="parChTrans1D4">
     <dgm:fillClrLst meth="repeat">
-      <a:schemeClr val="accent5">
-        <a:tint val="50000"/>
-      </a:schemeClr>
+      <a:schemeClr val="accent1"/>
     </dgm:fillClrLst>
     <dgm:linClrLst meth="repeat">
-      <a:schemeClr val="accent4"/>
+      <a:schemeClr val="accent1">
+        <a:shade val="80000"/>
+      </a:schemeClr>
     </dgm:linClrLst>
     <dgm:effectClrLst/>
     <dgm:txLinClrLst/>
@@ -623,11 +575,7 @@
       </a:schemeClr>
     </dgm:fillClrLst>
     <dgm:linClrLst meth="repeat">
-      <a:schemeClr val="accent2"/>
-      <a:schemeClr val="accent3"/>
-      <a:schemeClr val="accent4"/>
-      <a:schemeClr val="accent5"/>
-      <a:schemeClr val="accent6"/>
+      <a:schemeClr val="accent1"/>
     </dgm:linClrLst>
     <dgm:effectClrLst/>
     <dgm:txLinClrLst/>
@@ -643,11 +591,7 @@
       </a:schemeClr>
     </dgm:fillClrLst>
     <dgm:linClrLst meth="repeat">
-      <a:schemeClr val="accent2"/>
-      <a:schemeClr val="accent3"/>
-      <a:schemeClr val="accent4"/>
-      <a:schemeClr val="accent5"/>
-      <a:schemeClr val="accent6"/>
+      <a:schemeClr val="accent1"/>
     </dgm:linClrLst>
     <dgm:effectClrLst/>
     <dgm:txLinClrLst/>
@@ -663,11 +607,7 @@
       </a:schemeClr>
     </dgm:fillClrLst>
     <dgm:linClrLst meth="repeat">
-      <a:schemeClr val="accent2"/>
-      <a:schemeClr val="accent3"/>
-      <a:schemeClr val="accent4"/>
-      <a:schemeClr val="accent5"/>
-      <a:schemeClr val="accent6"/>
+      <a:schemeClr val="accent1"/>
     </dgm:linClrLst>
     <dgm:effectClrLst/>
     <dgm:txLinClrLst/>
@@ -699,11 +639,7 @@
       </a:schemeClr>
     </dgm:fillClrLst>
     <dgm:linClrLst meth="repeat">
-      <a:schemeClr val="accent2"/>
-      <a:schemeClr val="accent3"/>
-      <a:schemeClr val="accent4"/>
-      <a:schemeClr val="accent5"/>
-      <a:schemeClr val="accent6"/>
+      <a:schemeClr val="accent1"/>
     </dgm:linClrLst>
     <dgm:effectClrLst/>
     <dgm:txLinClrLst/>
@@ -717,11 +653,7 @@
       <a:schemeClr val="lt1"/>
     </dgm:fillClrLst>
     <dgm:linClrLst meth="repeat">
-      <a:schemeClr val="accent2"/>
-      <a:schemeClr val="accent3"/>
-      <a:schemeClr val="accent4"/>
-      <a:schemeClr val="accent5"/>
-      <a:schemeClr val="accent6"/>
+      <a:schemeClr val="accent1"/>
     </dgm:linClrLst>
     <dgm:effectClrLst/>
     <dgm:txLinClrLst/>
@@ -735,11 +667,7 @@
       <a:schemeClr val="lt1"/>
     </dgm:fillClrLst>
     <dgm:linClrLst meth="repeat">
-      <a:schemeClr val="accent2"/>
-      <a:schemeClr val="accent3"/>
-      <a:schemeClr val="accent4"/>
-      <a:schemeClr val="accent5"/>
-      <a:schemeClr val="accent6"/>
+      <a:schemeClr val="accent1"/>
     </dgm:linClrLst>
     <dgm:effectClrLst/>
     <dgm:txLinClrLst/>
@@ -753,11 +681,7 @@
       <a:schemeClr val="lt1"/>
     </dgm:fillClrLst>
     <dgm:linClrLst meth="repeat">
-      <a:schemeClr val="accent2"/>
-      <a:schemeClr val="accent3"/>
-      <a:schemeClr val="accent4"/>
-      <a:schemeClr val="accent5"/>
-      <a:schemeClr val="accent6"/>
+      <a:schemeClr val="accent1"/>
     </dgm:linClrLst>
     <dgm:effectClrLst/>
     <dgm:txLinClrLst/>
@@ -768,47 +692,15 @@
   </dgm:styleLbl>
   <dgm:styleLbl name="fgAccFollowNode1">
     <dgm:fillClrLst meth="repeat">
-      <a:schemeClr val="accent2">
+      <a:schemeClr val="accent1">
+        <a:alpha val="90000"/>
         <a:tint val="40000"/>
-        <a:alpha val="90000"/>
-      </a:schemeClr>
-      <a:schemeClr val="accent3">
-        <a:tint val="40000"/>
-        <a:alpha val="90000"/>
-      </a:schemeClr>
-      <a:schemeClr val="accent4">
-        <a:tint val="40000"/>
-        <a:alpha val="90000"/>
-      </a:schemeClr>
-      <a:schemeClr val="accent5">
-        <a:tint val="40000"/>
-        <a:alpha val="90000"/>
-      </a:schemeClr>
-      <a:schemeClr val="accent6">
-        <a:tint val="40000"/>
-        <a:alpha val="90000"/>
       </a:schemeClr>
     </dgm:fillClrLst>
     <dgm:linClrLst meth="repeat">
-      <a:schemeClr val="accent2">
+      <a:schemeClr val="accent1">
+        <a:alpha val="90000"/>
         <a:tint val="40000"/>
-        <a:alpha val="90000"/>
-      </a:schemeClr>
-      <a:schemeClr val="accent3">
-        <a:tint val="40000"/>
-        <a:alpha val="90000"/>
-      </a:schemeClr>
-      <a:schemeClr val="accent4">
-        <a:tint val="40000"/>
-        <a:alpha val="90000"/>
-      </a:schemeClr>
-      <a:schemeClr val="accent5">
-        <a:tint val="40000"/>
-        <a:alpha val="90000"/>
-      </a:schemeClr>
-      <a:schemeClr val="accent6">
-        <a:tint val="40000"/>
-        <a:alpha val="90000"/>
       </a:schemeClr>
     </dgm:linClrLst>
     <dgm:effectClrLst/>
@@ -820,47 +712,15 @@
   </dgm:styleLbl>
   <dgm:styleLbl name="alignAccFollowNode1">
     <dgm:fillClrLst meth="repeat">
-      <a:schemeClr val="accent2">
+      <a:schemeClr val="accent1">
+        <a:alpha val="90000"/>
         <a:tint val="40000"/>
-        <a:alpha val="90000"/>
-      </a:schemeClr>
-      <a:schemeClr val="accent3">
-        <a:tint val="40000"/>
-        <a:alpha val="90000"/>
-      </a:schemeClr>
-      <a:schemeClr val="accent4">
-        <a:tint val="40000"/>
-        <a:alpha val="90000"/>
-      </a:schemeClr>
-      <a:schemeClr val="accent5">
-        <a:tint val="40000"/>
-        <a:alpha val="90000"/>
-      </a:schemeClr>
-      <a:schemeClr val="accent6">
-        <a:tint val="40000"/>
-        <a:alpha val="90000"/>
       </a:schemeClr>
     </dgm:fillClrLst>
     <dgm:linClrLst meth="repeat">
-      <a:schemeClr val="accent2">
+      <a:schemeClr val="accent1">
+        <a:alpha val="90000"/>
         <a:tint val="40000"/>
-        <a:alpha val="90000"/>
-      </a:schemeClr>
-      <a:schemeClr val="accent3">
-        <a:tint val="40000"/>
-        <a:alpha val="90000"/>
-      </a:schemeClr>
-      <a:schemeClr val="accent4">
-        <a:tint val="40000"/>
-        <a:alpha val="90000"/>
-      </a:schemeClr>
-      <a:schemeClr val="accent5">
-        <a:tint val="40000"/>
-        <a:alpha val="90000"/>
-      </a:schemeClr>
-      <a:schemeClr val="accent6">
-        <a:tint val="40000"/>
-        <a:alpha val="90000"/>
       </a:schemeClr>
     </dgm:linClrLst>
     <dgm:effectClrLst/>
@@ -872,47 +732,15 @@
   </dgm:styleLbl>
   <dgm:styleLbl name="bgAccFollowNode1">
     <dgm:fillClrLst meth="repeat">
-      <a:schemeClr val="accent2">
+      <a:schemeClr val="accent1">
+        <a:alpha val="90000"/>
         <a:tint val="40000"/>
-        <a:alpha val="90000"/>
-      </a:schemeClr>
-      <a:schemeClr val="accent3">
-        <a:tint val="40000"/>
-        <a:alpha val="90000"/>
-      </a:schemeClr>
-      <a:schemeClr val="accent4">
-        <a:tint val="40000"/>
-        <a:alpha val="90000"/>
-      </a:schemeClr>
-      <a:schemeClr val="accent5">
-        <a:tint val="40000"/>
-        <a:alpha val="90000"/>
-      </a:schemeClr>
-      <a:schemeClr val="accent6">
-        <a:tint val="40000"/>
-        <a:alpha val="90000"/>
       </a:schemeClr>
     </dgm:fillClrLst>
     <dgm:linClrLst meth="repeat">
-      <a:schemeClr val="accent2">
+      <a:schemeClr val="accent1">
+        <a:alpha val="90000"/>
         <a:tint val="40000"/>
-        <a:alpha val="90000"/>
-      </a:schemeClr>
-      <a:schemeClr val="accent3">
-        <a:tint val="40000"/>
-        <a:alpha val="90000"/>
-      </a:schemeClr>
-      <a:schemeClr val="accent4">
-        <a:tint val="40000"/>
-        <a:alpha val="90000"/>
-      </a:schemeClr>
-      <a:schemeClr val="accent5">
-        <a:tint val="40000"/>
-        <a:alpha val="90000"/>
-      </a:schemeClr>
-      <a:schemeClr val="accent6">
-        <a:tint val="40000"/>
-        <a:alpha val="90000"/>
       </a:schemeClr>
     </dgm:linClrLst>
     <dgm:effectClrLst/>
@@ -928,7 +756,7 @@
         <a:alpha val="90000"/>
       </a:schemeClr>
     </dgm:fillClrLst>
-    <dgm:linClrLst>
+    <dgm:linClrLst meth="repeat">
       <a:schemeClr val="accent1"/>
     </dgm:linClrLst>
     <dgm:effectClrLst/>
@@ -944,8 +772,8 @@
         <a:alpha val="90000"/>
       </a:schemeClr>
     </dgm:fillClrLst>
-    <dgm:linClrLst>
-      <a:schemeClr val="accent2"/>
+    <dgm:linClrLst meth="repeat">
+      <a:schemeClr val="accent1"/>
     </dgm:linClrLst>
     <dgm:effectClrLst/>
     <dgm:txLinClrLst/>
@@ -960,8 +788,8 @@
         <a:alpha val="90000"/>
       </a:schemeClr>
     </dgm:fillClrLst>
-    <dgm:linClrLst>
-      <a:schemeClr val="accent3"/>
+    <dgm:linClrLst meth="repeat">
+      <a:schemeClr val="accent1"/>
     </dgm:linClrLst>
     <dgm:effectClrLst/>
     <dgm:txLinClrLst/>
@@ -976,8 +804,8 @@
         <a:alpha val="90000"/>
       </a:schemeClr>
     </dgm:fillClrLst>
-    <dgm:linClrLst>
-      <a:schemeClr val="accent4"/>
+    <dgm:linClrLst meth="repeat">
+      <a:schemeClr val="accent1"/>
     </dgm:linClrLst>
     <dgm:effectClrLst/>
     <dgm:txLinClrLst/>
@@ -988,12 +816,12 @@
   </dgm:styleLbl>
   <dgm:styleLbl name="bgShp">
     <dgm:fillClrLst meth="repeat">
-      <a:schemeClr val="accent2">
+      <a:schemeClr val="accent1">
         <a:tint val="40000"/>
       </a:schemeClr>
     </dgm:fillClrLst>
     <dgm:linClrLst meth="repeat">
-      <a:schemeClr val="dk1"/>
+      <a:schemeClr val="accent1"/>
     </dgm:linClrLst>
     <dgm:effectClrLst/>
     <dgm:txLinClrLst/>
@@ -1004,12 +832,12 @@
   </dgm:styleLbl>
   <dgm:styleLbl name="dkBgShp">
     <dgm:fillClrLst meth="repeat">
-      <a:schemeClr val="accent2">
-        <a:shade val="90000"/>
+      <a:schemeClr val="accent1">
+        <a:shade val="80000"/>
       </a:schemeClr>
     </dgm:fillClrLst>
     <dgm:linClrLst meth="repeat">
-      <a:schemeClr val="dk1"/>
+      <a:schemeClr val="accent1"/>
     </dgm:linClrLst>
     <dgm:effectClrLst/>
     <dgm:txLinClrLst/>
@@ -1026,7 +854,7 @@
       </a:schemeClr>
     </dgm:fillClrLst>
     <dgm:linClrLst meth="repeat">
-      <a:schemeClr val="accent2"/>
+      <a:schemeClr val="accent1"/>
     </dgm:linClrLst>
     <dgm:effectClrLst/>
     <dgm:txLinClrLst/>
@@ -1037,8 +865,8 @@
   </dgm:styleLbl>
   <dgm:styleLbl name="fgShp">
     <dgm:fillClrLst meth="repeat">
-      <a:schemeClr val="accent2">
-        <a:tint val="40000"/>
+      <a:schemeClr val="accent1">
+        <a:tint val="60000"/>
       </a:schemeClr>
     </dgm:fillClrLst>
     <dgm:linClrLst meth="repeat">
@@ -1073,15 +901,15 @@
 </file>
 
 <file path=ppt/diagrams/colors2.xml><?xml version="1.0" encoding="utf-8"?>
-<dgm:colorsDef xmlns:dgm="http://schemas.openxmlformats.org/drawingml/2006/diagram" xmlns:a="http://schemas.openxmlformats.org/drawingml/2006/main" uniqueId="urn:microsoft.com/office/officeart/2005/8/colors/colorful1">
+<dgm:colorsDef xmlns:dgm="http://schemas.openxmlformats.org/drawingml/2006/diagram" xmlns:a="http://schemas.openxmlformats.org/drawingml/2006/main" uniqueId="urn:microsoft.com/office/officeart/2005/8/colors/accent4_2">
   <dgm:title val=""/>
   <dgm:desc val=""/>
   <dgm:catLst>
-    <dgm:cat type="colorful" pri="10100"/>
+    <dgm:cat type="accent4" pri="11200"/>
   </dgm:catLst>
   <dgm:styleLbl name="node0">
     <dgm:fillClrLst meth="repeat">
-      <a:schemeClr val="accent1"/>
+      <a:schemeClr val="accent4"/>
     </dgm:fillClrLst>
     <dgm:linClrLst meth="repeat">
       <a:schemeClr val="lt1"/>
@@ -1093,11 +921,7 @@
   </dgm:styleLbl>
   <dgm:styleLbl name="node1">
     <dgm:fillClrLst meth="repeat">
-      <a:schemeClr val="accent2"/>
-      <a:schemeClr val="accent3"/>
       <a:schemeClr val="accent4"/>
-      <a:schemeClr val="accent5"/>
-      <a:schemeClr val="accent6"/>
     </dgm:fillClrLst>
     <dgm:linClrLst meth="repeat">
       <a:schemeClr val="lt1"/>
@@ -1109,18 +933,10 @@
   </dgm:styleLbl>
   <dgm:styleLbl name="alignNode1">
     <dgm:fillClrLst meth="repeat">
-      <a:schemeClr val="accent2"/>
-      <a:schemeClr val="accent3"/>
       <a:schemeClr val="accent4"/>
-      <a:schemeClr val="accent5"/>
-      <a:schemeClr val="accent6"/>
     </dgm:fillClrLst>
     <dgm:linClrLst meth="repeat">
-      <a:schemeClr val="accent2"/>
-      <a:schemeClr val="accent3"/>
       <a:schemeClr val="accent4"/>
-      <a:schemeClr val="accent5"/>
-      <a:schemeClr val="accent6"/>
     </dgm:linClrLst>
     <dgm:effectClrLst/>
     <dgm:txLinClrLst/>
@@ -1129,11 +945,7 @@
   </dgm:styleLbl>
   <dgm:styleLbl name="lnNode1">
     <dgm:fillClrLst meth="repeat">
-      <a:schemeClr val="accent2"/>
-      <a:schemeClr val="accent3"/>
       <a:schemeClr val="accent4"/>
-      <a:schemeClr val="accent5"/>
-      <a:schemeClr val="accent6"/>
     </dgm:fillClrLst>
     <dgm:linClrLst meth="repeat">
       <a:schemeClr val="lt1"/>
@@ -1145,19 +957,7 @@
   </dgm:styleLbl>
   <dgm:styleLbl name="vennNode1">
     <dgm:fillClrLst meth="repeat">
-      <a:schemeClr val="accent2">
-        <a:alpha val="50000"/>
-      </a:schemeClr>
-      <a:schemeClr val="accent3">
-        <a:alpha val="50000"/>
-      </a:schemeClr>
       <a:schemeClr val="accent4">
-        <a:alpha val="50000"/>
-      </a:schemeClr>
-      <a:schemeClr val="accent5">
-        <a:alpha val="50000"/>
-      </a:schemeClr>
-      <a:schemeClr val="accent6">
         <a:alpha val="50000"/>
       </a:schemeClr>
     </dgm:fillClrLst>
@@ -1170,8 +970,8 @@
     <dgm:txEffectClrLst/>
   </dgm:styleLbl>
   <dgm:styleLbl name="node2">
-    <dgm:fillClrLst>
-      <a:schemeClr val="accent2"/>
+    <dgm:fillClrLst meth="repeat">
+      <a:schemeClr val="accent4"/>
     </dgm:fillClrLst>
     <dgm:linClrLst meth="repeat">
       <a:schemeClr val="lt1"/>
@@ -1182,8 +982,8 @@
     <dgm:txEffectClrLst/>
   </dgm:styleLbl>
   <dgm:styleLbl name="node3">
-    <dgm:fillClrLst>
-      <a:schemeClr val="accent3"/>
+    <dgm:fillClrLst meth="repeat">
+      <a:schemeClr val="accent4"/>
     </dgm:fillClrLst>
     <dgm:linClrLst meth="repeat">
       <a:schemeClr val="lt1"/>
@@ -1194,7 +994,7 @@
     <dgm:txEffectClrLst/>
   </dgm:styleLbl>
   <dgm:styleLbl name="node4">
-    <dgm:fillClrLst>
+    <dgm:fillClrLst meth="repeat">
       <a:schemeClr val="accent4"/>
     </dgm:fillClrLst>
     <dgm:linClrLst meth="repeat">
@@ -1207,19 +1007,7 @@
   </dgm:styleLbl>
   <dgm:styleLbl name="fgImgPlace1">
     <dgm:fillClrLst meth="repeat">
-      <a:schemeClr val="accent2">
-        <a:tint val="50000"/>
-      </a:schemeClr>
-      <a:schemeClr val="accent3">
-        <a:tint val="50000"/>
-      </a:schemeClr>
       <a:schemeClr val="accent4">
-        <a:tint val="50000"/>
-      </a:schemeClr>
-      <a:schemeClr val="accent5">
-        <a:tint val="50000"/>
-      </a:schemeClr>
-      <a:schemeClr val="accent6">
         <a:tint val="50000"/>
       </a:schemeClr>
     </dgm:fillClrLst>
@@ -1234,12 +1022,9 @@
     <dgm:txEffectClrLst/>
   </dgm:styleLbl>
   <dgm:styleLbl name="alignImgPlace1">
-    <dgm:fillClrLst>
-      <a:schemeClr val="accent1">
+    <dgm:fillClrLst meth="repeat">
+      <a:schemeClr val="accent4">
         <a:tint val="50000"/>
-      </a:schemeClr>
-      <a:schemeClr val="accent2">
-        <a:tint val="20000"/>
       </a:schemeClr>
     </dgm:fillClrLst>
     <dgm:linClrLst meth="repeat">
@@ -1253,12 +1038,9 @@
     <dgm:txEffectClrLst/>
   </dgm:styleLbl>
   <dgm:styleLbl name="bgImgPlace1">
-    <dgm:fillClrLst>
-      <a:schemeClr val="accent1">
+    <dgm:fillClrLst meth="repeat">
+      <a:schemeClr val="accent4">
         <a:tint val="50000"/>
-      </a:schemeClr>
-      <a:schemeClr val="accent2">
-        <a:tint val="20000"/>
       </a:schemeClr>
     </dgm:fillClrLst>
     <dgm:linClrLst meth="repeat">
@@ -1273,14 +1055,14 @@
   </dgm:styleLbl>
   <dgm:styleLbl name="sibTrans2D1">
     <dgm:fillClrLst meth="repeat">
-      <a:schemeClr val="accent2"/>
-      <a:schemeClr val="accent3"/>
-      <a:schemeClr val="accent4"/>
-      <a:schemeClr val="accent5"/>
-      <a:schemeClr val="accent6"/>
+      <a:schemeClr val="accent4">
+        <a:tint val="60000"/>
+      </a:schemeClr>
     </dgm:fillClrLst>
-    <dgm:linClrLst meth="cycle">
-      <a:schemeClr val="lt1"/>
+    <dgm:linClrLst meth="repeat">
+      <a:schemeClr val="accent4">
+        <a:tint val="60000"/>
+      </a:schemeClr>
     </dgm:linClrLst>
     <dgm:effectClrLst/>
     <dgm:txLinClrLst/>
@@ -1289,54 +1071,42 @@
   </dgm:styleLbl>
   <dgm:styleLbl name="fgSibTrans2D1">
     <dgm:fillClrLst meth="repeat">
-      <a:schemeClr val="accent2"/>
-      <a:schemeClr val="accent3"/>
-      <a:schemeClr val="accent4"/>
-      <a:schemeClr val="accent5"/>
-      <a:schemeClr val="accent6"/>
+      <a:schemeClr val="accent4">
+        <a:tint val="60000"/>
+      </a:schemeClr>
     </dgm:fillClrLst>
-    <dgm:linClrLst meth="cycle">
-      <a:schemeClr val="lt1"/>
+    <dgm:linClrLst meth="repeat">
+      <a:schemeClr val="accent4">
+        <a:tint val="60000"/>
+      </a:schemeClr>
     </dgm:linClrLst>
     <dgm:effectClrLst/>
     <dgm:txLinClrLst/>
-    <dgm:txFillClrLst meth="repeat">
-      <a:schemeClr val="lt1"/>
-    </dgm:txFillClrLst>
+    <dgm:txFillClrLst/>
     <dgm:txEffectClrLst/>
   </dgm:styleLbl>
   <dgm:styleLbl name="bgSibTrans2D1">
     <dgm:fillClrLst meth="repeat">
-      <a:schemeClr val="accent2"/>
-      <a:schemeClr val="accent3"/>
-      <a:schemeClr val="accent4"/>
-      <a:schemeClr val="accent5"/>
-      <a:schemeClr val="accent6"/>
+      <a:schemeClr val="accent4">
+        <a:tint val="60000"/>
+      </a:schemeClr>
     </dgm:fillClrLst>
-    <dgm:linClrLst meth="cycle">
-      <a:schemeClr val="lt1"/>
+    <dgm:linClrLst meth="repeat">
+      <a:schemeClr val="accent4">
+        <a:tint val="60000"/>
+      </a:schemeClr>
     </dgm:linClrLst>
     <dgm:effectClrLst/>
     <dgm:txLinClrLst/>
-    <dgm:txFillClrLst meth="repeat">
-      <a:schemeClr val="lt1"/>
-    </dgm:txFillClrLst>
+    <dgm:txFillClrLst/>
     <dgm:txEffectClrLst/>
   </dgm:styleLbl>
   <dgm:styleLbl name="sibTrans1D1">
     <dgm:fillClrLst meth="repeat">
-      <a:schemeClr val="accent2"/>
-      <a:schemeClr val="accent3"/>
       <a:schemeClr val="accent4"/>
-      <a:schemeClr val="accent5"/>
-      <a:schemeClr val="accent6"/>
     </dgm:fillClrLst>
     <dgm:linClrLst meth="repeat">
-      <a:schemeClr val="accent2"/>
-      <a:schemeClr val="accent3"/>
       <a:schemeClr val="accent4"/>
-      <a:schemeClr val="accent5"/>
-      <a:schemeClr val="accent6"/>
     </dgm:linClrLst>
     <dgm:effectClrLst/>
     <dgm:txLinClrLst/>
@@ -1347,10 +1117,10 @@
   </dgm:styleLbl>
   <dgm:styleLbl name="callout">
     <dgm:fillClrLst meth="repeat">
-      <a:schemeClr val="accent2"/>
+      <a:schemeClr val="accent4"/>
     </dgm:fillClrLst>
     <dgm:linClrLst meth="repeat">
-      <a:schemeClr val="accent2">
+      <a:schemeClr val="accent4">
         <a:tint val="50000"/>
       </a:schemeClr>
     </dgm:linClrLst>
@@ -1363,7 +1133,7 @@
   </dgm:styleLbl>
   <dgm:styleLbl name="asst0">
     <dgm:fillClrLst meth="repeat">
-      <a:schemeClr val="accent1"/>
+      <a:schemeClr val="accent4"/>
     </dgm:fillClrLst>
     <dgm:linClrLst meth="repeat">
       <a:schemeClr val="lt1"/>
@@ -1375,7 +1145,7 @@
   </dgm:styleLbl>
   <dgm:styleLbl name="asst1">
     <dgm:fillClrLst meth="repeat">
-      <a:schemeClr val="accent2"/>
+      <a:schemeClr val="accent4"/>
     </dgm:fillClrLst>
     <dgm:linClrLst meth="repeat">
       <a:schemeClr val="lt1"/>
@@ -1386,8 +1156,8 @@
     <dgm:txEffectClrLst/>
   </dgm:styleLbl>
   <dgm:styleLbl name="asst2">
-    <dgm:fillClrLst>
-      <a:schemeClr val="accent3"/>
+    <dgm:fillClrLst meth="repeat">
+      <a:schemeClr val="accent4"/>
     </dgm:fillClrLst>
     <dgm:linClrLst meth="repeat">
       <a:schemeClr val="lt1"/>
@@ -1398,7 +1168,7 @@
     <dgm:txEffectClrLst/>
   </dgm:styleLbl>
   <dgm:styleLbl name="asst3">
-    <dgm:fillClrLst>
+    <dgm:fillClrLst meth="repeat">
       <a:schemeClr val="accent4"/>
     </dgm:fillClrLst>
     <dgm:linClrLst meth="repeat">
@@ -1410,8 +1180,8 @@
     <dgm:txEffectClrLst/>
   </dgm:styleLbl>
   <dgm:styleLbl name="asst4">
-    <dgm:fillClrLst>
-      <a:schemeClr val="accent5"/>
+    <dgm:fillClrLst meth="repeat">
+      <a:schemeClr val="accent4"/>
     </dgm:fillClrLst>
     <dgm:linClrLst meth="repeat">
       <a:schemeClr val="lt1"/>
@@ -1423,10 +1193,14 @@
   </dgm:styleLbl>
   <dgm:styleLbl name="parChTrans2D1">
     <dgm:fillClrLst meth="repeat">
-      <a:schemeClr val="accent2"/>
+      <a:schemeClr val="accent4">
+        <a:tint val="60000"/>
+      </a:schemeClr>
     </dgm:fillClrLst>
     <dgm:linClrLst meth="repeat">
-      <a:schemeClr val="lt1"/>
+      <a:schemeClr val="accent4">
+        <a:tint val="60000"/>
+      </a:schemeClr>
     </dgm:linClrLst>
     <dgm:effectClrLst/>
     <dgm:txLinClrLst/>
@@ -1437,14 +1211,16 @@
   </dgm:styleLbl>
   <dgm:styleLbl name="parChTrans2D2">
     <dgm:fillClrLst meth="repeat">
-      <a:schemeClr val="accent3"/>
+      <a:schemeClr val="accent4"/>
     </dgm:fillClrLst>
     <dgm:linClrLst meth="repeat">
-      <a:schemeClr val="lt1"/>
+      <a:schemeClr val="accent4"/>
     </dgm:linClrLst>
     <dgm:effectClrLst/>
     <dgm:txLinClrLst/>
-    <dgm:txFillClrLst/>
+    <dgm:txFillClrLst meth="repeat">
+      <a:schemeClr val="lt1"/>
+    </dgm:txFillClrLst>
     <dgm:txEffectClrLst/>
   </dgm:styleLbl>
   <dgm:styleLbl name="parChTrans2D3">
@@ -1452,19 +1228,21 @@
       <a:schemeClr val="accent4"/>
     </dgm:fillClrLst>
     <dgm:linClrLst meth="repeat">
-      <a:schemeClr val="lt1"/>
+      <a:schemeClr val="accent4"/>
     </dgm:linClrLst>
     <dgm:effectClrLst/>
     <dgm:txLinClrLst/>
-    <dgm:txFillClrLst/>
+    <dgm:txFillClrLst meth="repeat">
+      <a:schemeClr val="lt1"/>
+    </dgm:txFillClrLst>
     <dgm:txEffectClrLst/>
   </dgm:styleLbl>
   <dgm:styleLbl name="parChTrans2D4">
     <dgm:fillClrLst meth="repeat">
-      <a:schemeClr val="accent5"/>
+      <a:schemeClr val="accent4"/>
     </dgm:fillClrLst>
     <dgm:linClrLst meth="repeat">
-      <a:schemeClr val="lt1"/>
+      <a:schemeClr val="accent4"/>
     </dgm:linClrLst>
     <dgm:effectClrLst/>
     <dgm:txLinClrLst/>
@@ -1475,10 +1253,12 @@
   </dgm:styleLbl>
   <dgm:styleLbl name="parChTrans1D1">
     <dgm:fillClrLst meth="repeat">
-      <a:schemeClr val="accent2"/>
+      <a:schemeClr val="accent4"/>
     </dgm:fillClrLst>
     <dgm:linClrLst meth="repeat">
-      <a:schemeClr val="accent1"/>
+      <a:schemeClr val="accent4">
+        <a:shade val="60000"/>
+      </a:schemeClr>
     </dgm:linClrLst>
     <dgm:effectClrLst/>
     <dgm:txLinClrLst/>
@@ -1489,12 +1269,12 @@
   </dgm:styleLbl>
   <dgm:styleLbl name="parChTrans1D2">
     <dgm:fillClrLst meth="repeat">
-      <a:schemeClr val="accent3">
-        <a:tint val="90000"/>
-      </a:schemeClr>
+      <a:schemeClr val="accent4"/>
     </dgm:fillClrLst>
     <dgm:linClrLst meth="repeat">
-      <a:schemeClr val="accent2"/>
+      <a:schemeClr val="accent4">
+        <a:shade val="60000"/>
+      </a:schemeClr>
     </dgm:linClrLst>
     <dgm:effectClrLst/>
     <dgm:txLinClrLst/>
@@ -1505,12 +1285,12 @@
   </dgm:styleLbl>
   <dgm:styleLbl name="parChTrans1D3">
     <dgm:fillClrLst meth="repeat">
-      <a:schemeClr val="accent4">
-        <a:tint val="70000"/>
-      </a:schemeClr>
+      <a:schemeClr val="accent4"/>
     </dgm:fillClrLst>
     <dgm:linClrLst meth="repeat">
-      <a:schemeClr val="accent3"/>
+      <a:schemeClr val="accent4">
+        <a:shade val="80000"/>
+      </a:schemeClr>
     </dgm:linClrLst>
     <dgm:effectClrLst/>
     <dgm:txLinClrLst/>
@@ -1521,12 +1301,12 @@
   </dgm:styleLbl>
   <dgm:styleLbl name="parChTrans1D4">
     <dgm:fillClrLst meth="repeat">
-      <a:schemeClr val="accent5">
-        <a:tint val="50000"/>
-      </a:schemeClr>
+      <a:schemeClr val="accent4"/>
     </dgm:fillClrLst>
     <dgm:linClrLst meth="repeat">
-      <a:schemeClr val="accent4"/>
+      <a:schemeClr val="accent4">
+        <a:shade val="80000"/>
+      </a:schemeClr>
     </dgm:linClrLst>
     <dgm:effectClrLst/>
     <dgm:txLinClrLst/>
@@ -1542,11 +1322,7 @@
       </a:schemeClr>
     </dgm:fillClrLst>
     <dgm:linClrLst meth="repeat">
-      <a:schemeClr val="accent2"/>
-      <a:schemeClr val="accent3"/>
       <a:schemeClr val="accent4"/>
-      <a:schemeClr val="accent5"/>
-      <a:schemeClr val="accent6"/>
     </dgm:linClrLst>
     <dgm:effectClrLst/>
     <dgm:txLinClrLst/>
@@ -1562,11 +1338,7 @@
       </a:schemeClr>
     </dgm:fillClrLst>
     <dgm:linClrLst meth="repeat">
-      <a:schemeClr val="accent2"/>
-      <a:schemeClr val="accent3"/>
       <a:schemeClr val="accent4"/>
-      <a:schemeClr val="accent5"/>
-      <a:schemeClr val="accent6"/>
     </dgm:linClrLst>
     <dgm:effectClrLst/>
     <dgm:txLinClrLst/>
@@ -1582,11 +1354,7 @@
       </a:schemeClr>
     </dgm:fillClrLst>
     <dgm:linClrLst meth="repeat">
-      <a:schemeClr val="accent2"/>
-      <a:schemeClr val="accent3"/>
       <a:schemeClr val="accent4"/>
-      <a:schemeClr val="accent5"/>
-      <a:schemeClr val="accent6"/>
     </dgm:linClrLst>
     <dgm:effectClrLst/>
     <dgm:txLinClrLst/>
@@ -1602,7 +1370,7 @@
       </a:schemeClr>
     </dgm:fillClrLst>
     <dgm:linClrLst meth="repeat">
-      <a:schemeClr val="accent1"/>
+      <a:schemeClr val="accent4"/>
     </dgm:linClrLst>
     <dgm:effectClrLst/>
     <dgm:txLinClrLst/>
@@ -1618,11 +1386,7 @@
       </a:schemeClr>
     </dgm:fillClrLst>
     <dgm:linClrLst meth="repeat">
-      <a:schemeClr val="accent2"/>
-      <a:schemeClr val="accent3"/>
       <a:schemeClr val="accent4"/>
-      <a:schemeClr val="accent5"/>
-      <a:schemeClr val="accent6"/>
     </dgm:linClrLst>
     <dgm:effectClrLst/>
     <dgm:txLinClrLst/>
@@ -1636,11 +1400,7 @@
       <a:schemeClr val="lt1"/>
     </dgm:fillClrLst>
     <dgm:linClrLst meth="repeat">
-      <a:schemeClr val="accent2"/>
-      <a:schemeClr val="accent3"/>
       <a:schemeClr val="accent4"/>
-      <a:schemeClr val="accent5"/>
-      <a:schemeClr val="accent6"/>
     </dgm:linClrLst>
     <dgm:effectClrLst/>
     <dgm:txLinClrLst/>
@@ -1654,11 +1414,7 @@
       <a:schemeClr val="lt1"/>
     </dgm:fillClrLst>
     <dgm:linClrLst meth="repeat">
-      <a:schemeClr val="accent2"/>
-      <a:schemeClr val="accent3"/>
       <a:schemeClr val="accent4"/>
-      <a:schemeClr val="accent5"/>
-      <a:schemeClr val="accent6"/>
     </dgm:linClrLst>
     <dgm:effectClrLst/>
     <dgm:txLinClrLst/>
@@ -1672,11 +1428,7 @@
       <a:schemeClr val="lt1"/>
     </dgm:fillClrLst>
     <dgm:linClrLst meth="repeat">
-      <a:schemeClr val="accent2"/>
-      <a:schemeClr val="accent3"/>
       <a:schemeClr val="accent4"/>
-      <a:schemeClr val="accent5"/>
-      <a:schemeClr val="accent6"/>
     </dgm:linClrLst>
     <dgm:effectClrLst/>
     <dgm:txLinClrLst/>
@@ -1687,47 +1439,15 @@
   </dgm:styleLbl>
   <dgm:styleLbl name="fgAccFollowNode1">
     <dgm:fillClrLst meth="repeat">
-      <a:schemeClr val="accent2">
+      <a:schemeClr val="accent4">
+        <a:alpha val="90000"/>
         <a:tint val="40000"/>
-        <a:alpha val="90000"/>
-      </a:schemeClr>
-      <a:schemeClr val="accent3">
-        <a:tint val="40000"/>
-        <a:alpha val="90000"/>
-      </a:schemeClr>
-      <a:schemeClr val="accent4">
-        <a:tint val="40000"/>
-        <a:alpha val="90000"/>
-      </a:schemeClr>
-      <a:schemeClr val="accent5">
-        <a:tint val="40000"/>
-        <a:alpha val="90000"/>
-      </a:schemeClr>
-      <a:schemeClr val="accent6">
-        <a:tint val="40000"/>
-        <a:alpha val="90000"/>
       </a:schemeClr>
     </dgm:fillClrLst>
     <dgm:linClrLst meth="repeat">
-      <a:schemeClr val="accent2">
+      <a:schemeClr val="accent4">
+        <a:alpha val="90000"/>
         <a:tint val="40000"/>
-        <a:alpha val="90000"/>
-      </a:schemeClr>
-      <a:schemeClr val="accent3">
-        <a:tint val="40000"/>
-        <a:alpha val="90000"/>
-      </a:schemeClr>
-      <a:schemeClr val="accent4">
-        <a:tint val="40000"/>
-        <a:alpha val="90000"/>
-      </a:schemeClr>
-      <a:schemeClr val="accent5">
-        <a:tint val="40000"/>
-        <a:alpha val="90000"/>
-      </a:schemeClr>
-      <a:schemeClr val="accent6">
-        <a:tint val="40000"/>
-        <a:alpha val="90000"/>
       </a:schemeClr>
     </dgm:linClrLst>
     <dgm:effectClrLst/>
@@ -1739,47 +1459,15 @@
   </dgm:styleLbl>
   <dgm:styleLbl name="alignAccFollowNode1">
     <dgm:fillClrLst meth="repeat">
-      <a:schemeClr val="accent2">
+      <a:schemeClr val="accent4">
+        <a:alpha val="90000"/>
         <a:tint val="40000"/>
-        <a:alpha val="90000"/>
-      </a:schemeClr>
-      <a:schemeClr val="accent3">
-        <a:tint val="40000"/>
-        <a:alpha val="90000"/>
-      </a:schemeClr>
-      <a:schemeClr val="accent4">
-        <a:tint val="40000"/>
-        <a:alpha val="90000"/>
-      </a:schemeClr>
-      <a:schemeClr val="accent5">
-        <a:tint val="40000"/>
-        <a:alpha val="90000"/>
-      </a:schemeClr>
-      <a:schemeClr val="accent6">
-        <a:tint val="40000"/>
-        <a:alpha val="90000"/>
       </a:schemeClr>
     </dgm:fillClrLst>
     <dgm:linClrLst meth="repeat">
-      <a:schemeClr val="accent2">
+      <a:schemeClr val="accent4">
+        <a:alpha val="90000"/>
         <a:tint val="40000"/>
-        <a:alpha val="90000"/>
-      </a:schemeClr>
-      <a:schemeClr val="accent3">
-        <a:tint val="40000"/>
-        <a:alpha val="90000"/>
-      </a:schemeClr>
-      <a:schemeClr val="accent4">
-        <a:tint val="40000"/>
-        <a:alpha val="90000"/>
-      </a:schemeClr>
-      <a:schemeClr val="accent5">
-        <a:tint val="40000"/>
-        <a:alpha val="90000"/>
-      </a:schemeClr>
-      <a:schemeClr val="accent6">
-        <a:tint val="40000"/>
-        <a:alpha val="90000"/>
       </a:schemeClr>
     </dgm:linClrLst>
     <dgm:effectClrLst/>
@@ -1791,47 +1479,15 @@
   </dgm:styleLbl>
   <dgm:styleLbl name="bgAccFollowNode1">
     <dgm:fillClrLst meth="repeat">
-      <a:schemeClr val="accent2">
+      <a:schemeClr val="accent4">
+        <a:alpha val="90000"/>
         <a:tint val="40000"/>
-        <a:alpha val="90000"/>
-      </a:schemeClr>
-      <a:schemeClr val="accent3">
-        <a:tint val="40000"/>
-        <a:alpha val="90000"/>
-      </a:schemeClr>
-      <a:schemeClr val="accent4">
-        <a:tint val="40000"/>
-        <a:alpha val="90000"/>
-      </a:schemeClr>
-      <a:schemeClr val="accent5">
-        <a:tint val="40000"/>
-        <a:alpha val="90000"/>
-      </a:schemeClr>
-      <a:schemeClr val="accent6">
-        <a:tint val="40000"/>
-        <a:alpha val="90000"/>
       </a:schemeClr>
     </dgm:fillClrLst>
     <dgm:linClrLst meth="repeat">
-      <a:schemeClr val="accent2">
+      <a:schemeClr val="accent4">
+        <a:alpha val="90000"/>
         <a:tint val="40000"/>
-        <a:alpha val="90000"/>
-      </a:schemeClr>
-      <a:schemeClr val="accent3">
-        <a:tint val="40000"/>
-        <a:alpha val="90000"/>
-      </a:schemeClr>
-      <a:schemeClr val="accent4">
-        <a:tint val="40000"/>
-        <a:alpha val="90000"/>
-      </a:schemeClr>
-      <a:schemeClr val="accent5">
-        <a:tint val="40000"/>
-        <a:alpha val="90000"/>
-      </a:schemeClr>
-      <a:schemeClr val="accent6">
-        <a:tint val="40000"/>
-        <a:alpha val="90000"/>
       </a:schemeClr>
     </dgm:linClrLst>
     <dgm:effectClrLst/>
@@ -1847,8 +1503,8 @@
         <a:alpha val="90000"/>
       </a:schemeClr>
     </dgm:fillClrLst>
-    <dgm:linClrLst>
-      <a:schemeClr val="accent1"/>
+    <dgm:linClrLst meth="repeat">
+      <a:schemeClr val="accent4"/>
     </dgm:linClrLst>
     <dgm:effectClrLst/>
     <dgm:txLinClrLst/>
@@ -1863,8 +1519,8 @@
         <a:alpha val="90000"/>
       </a:schemeClr>
     </dgm:fillClrLst>
-    <dgm:linClrLst>
-      <a:schemeClr val="accent2"/>
+    <dgm:linClrLst meth="repeat">
+      <a:schemeClr val="accent4"/>
     </dgm:linClrLst>
     <dgm:effectClrLst/>
     <dgm:txLinClrLst/>
@@ -1879,8 +1535,8 @@
         <a:alpha val="90000"/>
       </a:schemeClr>
     </dgm:fillClrLst>
-    <dgm:linClrLst>
-      <a:schemeClr val="accent3"/>
+    <dgm:linClrLst meth="repeat">
+      <a:schemeClr val="accent4"/>
     </dgm:linClrLst>
     <dgm:effectClrLst/>
     <dgm:txLinClrLst/>
@@ -1895,7 +1551,7 @@
         <a:alpha val="90000"/>
       </a:schemeClr>
     </dgm:fillClrLst>
-    <dgm:linClrLst>
+    <dgm:linClrLst meth="repeat">
       <a:schemeClr val="accent4"/>
     </dgm:linClrLst>
     <dgm:effectClrLst/>
@@ -1907,12 +1563,12 @@
   </dgm:styleLbl>
   <dgm:styleLbl name="bgShp">
     <dgm:fillClrLst meth="repeat">
-      <a:schemeClr val="accent2">
+      <a:schemeClr val="accent4">
         <a:tint val="40000"/>
       </a:schemeClr>
     </dgm:fillClrLst>
     <dgm:linClrLst meth="repeat">
-      <a:schemeClr val="dk1"/>
+      <a:schemeClr val="accent4"/>
     </dgm:linClrLst>
     <dgm:effectClrLst/>
     <dgm:txLinClrLst/>
@@ -1923,12 +1579,12 @@
   </dgm:styleLbl>
   <dgm:styleLbl name="dkBgShp">
     <dgm:fillClrLst meth="repeat">
-      <a:schemeClr val="accent2">
-        <a:shade val="90000"/>
+      <a:schemeClr val="accent4">
+        <a:shade val="80000"/>
       </a:schemeClr>
     </dgm:fillClrLst>
     <dgm:linClrLst meth="repeat">
-      <a:schemeClr val="dk1"/>
+      <a:schemeClr val="accent4"/>
     </dgm:linClrLst>
     <dgm:effectClrLst/>
     <dgm:txLinClrLst/>
@@ -1939,13 +1595,13 @@
   </dgm:styleLbl>
   <dgm:styleLbl name="trBgShp">
     <dgm:fillClrLst meth="repeat">
-      <a:schemeClr val="accent1">
+      <a:schemeClr val="accent4">
         <a:tint val="50000"/>
         <a:alpha val="40000"/>
       </a:schemeClr>
     </dgm:fillClrLst>
     <dgm:linClrLst meth="repeat">
-      <a:schemeClr val="accent2"/>
+      <a:schemeClr val="accent4"/>
     </dgm:linClrLst>
     <dgm:effectClrLst/>
     <dgm:txLinClrLst/>
@@ -1956,8 +1612,8 @@
   </dgm:styleLbl>
   <dgm:styleLbl name="fgShp">
     <dgm:fillClrLst meth="repeat">
-      <a:schemeClr val="accent2">
-        <a:tint val="40000"/>
+      <a:schemeClr val="accent4">
+        <a:tint val="60000"/>
       </a:schemeClr>
     </dgm:fillClrLst>
     <dgm:linClrLst meth="repeat">
@@ -1995,7 +1651,7 @@
 <dgm:dataModel xmlns:dgm="http://schemas.openxmlformats.org/drawingml/2006/diagram" xmlns:a="http://schemas.openxmlformats.org/drawingml/2006/main">
   <dgm:ptLst>
     <dgm:pt modelId="{0F5B3066-540F-4606-ADEC-65EB1C3E9627}" type="doc">
-      <dgm:prSet loTypeId="urn:microsoft.com/office/officeart/2016/7/layout/BasicLinearProcessNumbered#1" loCatId="process" qsTypeId="urn:microsoft.com/office/officeart/2005/8/quickstyle/simple1" qsCatId="simple" csTypeId="urn:microsoft.com/office/officeart/2005/8/colors/colorful1" csCatId="colorful" phldr="1"/>
+      <dgm:prSet loTypeId="urn:microsoft.com/office/officeart/2016/7/layout/BasicLinearProcessNumbered#1" loCatId="process" qsTypeId="urn:microsoft.com/office/officeart/2005/8/quickstyle/simple5" qsCatId="simple" csTypeId="urn:microsoft.com/office/officeart/2005/8/colors/accent1_2" csCatId="accent1" phldr="1"/>
       <dgm:spPr/>
       <dgm:t>
         <a:bodyPr rtlCol="0"/>
@@ -2008,18 +1664,7 @@
     </dgm:pt>
     <dgm:pt modelId="{0F6BA1FB-59E5-4F16-A7B4-1533BB1F09E4}">
       <dgm:prSet custT="1"/>
-      <dgm:spPr>
-        <a:solidFill>
-          <a:schemeClr val="accent2">
-            <a:lumMod val="20000"/>
-            <a:lumOff val="80000"/>
-            <a:alpha val="90000"/>
-          </a:schemeClr>
-        </a:solidFill>
-        <a:ln>
-          <a:noFill/>
-        </a:ln>
-      </dgm:spPr>
+      <dgm:spPr/>
       <dgm:t>
         <a:bodyPr rtlCol="0"/>
         <a:lstStyle/>
@@ -2051,14 +1696,7 @@
     </dgm:pt>
     <dgm:pt modelId="{7DBF5CB5-29DD-4671-A0F3-981D48571500}" type="sibTrans" cxnId="{F0FA65E5-FB81-4E7A-9467-65363565F4A0}">
       <dgm:prSet phldrT="2" phldr="0"/>
-      <dgm:spPr>
-        <a:solidFill>
-          <a:schemeClr val="accent2"/>
-        </a:solidFill>
-        <a:ln>
-          <a:noFill/>
-        </a:ln>
-      </dgm:spPr>
+      <dgm:spPr/>
       <dgm:t>
         <a:bodyPr rtlCol="0"/>
         <a:lstStyle/>
@@ -2074,18 +1712,7 @@
     </dgm:pt>
     <dgm:pt modelId="{1D096F01-AEA8-401D-8348-98E9A81F3CE0}">
       <dgm:prSet custT="1"/>
-      <dgm:spPr>
-        <a:solidFill>
-          <a:schemeClr val="accent4">
-            <a:lumMod val="20000"/>
-            <a:lumOff val="80000"/>
-            <a:alpha val="90000"/>
-          </a:schemeClr>
-        </a:solidFill>
-        <a:ln>
-          <a:noFill/>
-        </a:ln>
-      </dgm:spPr>
+      <dgm:spPr/>
       <dgm:t>
         <a:bodyPr rtlCol="0"/>
         <a:lstStyle/>
@@ -2117,14 +1744,7 @@
     </dgm:pt>
     <dgm:pt modelId="{6088456C-4B73-4948-985C-DD954DEF44EF}" type="sibTrans" cxnId="{FD2381C0-DA6F-4859-90D6-313730044E7C}">
       <dgm:prSet phldrT="3" phldr="0"/>
-      <dgm:spPr>
-        <a:solidFill>
-          <a:schemeClr val="accent4"/>
-        </a:solidFill>
-        <a:ln>
-          <a:noFill/>
-        </a:ln>
-      </dgm:spPr>
+      <dgm:spPr/>
       <dgm:t>
         <a:bodyPr rtlCol="0"/>
         <a:lstStyle/>
@@ -2140,18 +1760,7 @@
     </dgm:pt>
     <dgm:pt modelId="{DE16CBB4-D3F4-44AD-8379-3A5D78B889D5}">
       <dgm:prSet custT="1"/>
-      <dgm:spPr>
-        <a:solidFill>
-          <a:schemeClr val="accent5">
-            <a:lumMod val="20000"/>
-            <a:lumOff val="80000"/>
-            <a:alpha val="90000"/>
-          </a:schemeClr>
-        </a:solidFill>
-        <a:ln>
-          <a:noFill/>
-        </a:ln>
-      </dgm:spPr>
+      <dgm:spPr/>
       <dgm:t>
         <a:bodyPr rtlCol="0"/>
         <a:lstStyle/>
@@ -2183,14 +1792,7 @@
     </dgm:pt>
     <dgm:pt modelId="{C2728830-9A00-4764-A9F1-670DDF9E57B3}" type="sibTrans" cxnId="{058D75E7-8E09-41CE-ADFC-EEAD1556353B}">
       <dgm:prSet phldrT="4" phldr="0"/>
-      <dgm:spPr>
-        <a:solidFill>
-          <a:schemeClr val="accent5"/>
-        </a:solidFill>
-        <a:ln>
-          <a:noFill/>
-        </a:ln>
-      </dgm:spPr>
+      <dgm:spPr/>
       <dgm:t>
         <a:bodyPr rtlCol="0"/>
         <a:lstStyle/>
@@ -2206,18 +1808,7 @@
     </dgm:pt>
     <dgm:pt modelId="{198ACE8E-34F4-43E6-BB2E-1809B1CC58DC}">
       <dgm:prSet custT="1"/>
-      <dgm:spPr>
-        <a:solidFill>
-          <a:schemeClr val="accent1">
-            <a:lumMod val="20000"/>
-            <a:lumOff val="80000"/>
-            <a:alpha val="90000"/>
-          </a:schemeClr>
-        </a:solidFill>
-        <a:ln>
-          <a:noFill/>
-        </a:ln>
-      </dgm:spPr>
+      <dgm:spPr/>
       <dgm:t>
         <a:bodyPr rtlCol="0"/>
         <a:lstStyle/>
@@ -2237,14 +1828,7 @@
     </dgm:pt>
     <dgm:pt modelId="{C54063C4-24CD-4834-9424-53756AE38C6B}" type="sibTrans" cxnId="{8327A44B-5326-4A8B-9B23-A3D3C09A16F3}">
       <dgm:prSet phldrT="1" phldr="0"/>
-      <dgm:spPr>
-        <a:solidFill>
-          <a:schemeClr val="accent1"/>
-        </a:solidFill>
-        <a:ln>
-          <a:noFill/>
-        </a:ln>
-      </dgm:spPr>
+      <dgm:spPr/>
       <dgm:t>
         <a:bodyPr rtlCol="0"/>
         <a:lstStyle/>
@@ -2288,7 +1872,7 @@
       <dgm:spPr/>
     </dgm:pt>
     <dgm:pt modelId="{1896CBD6-4A99-4E4A-A270-A70AEFBAAF7E}" type="pres">
-      <dgm:prSet presAssocID="{198ACE8E-34F4-43E6-BB2E-1809B1CC58DC}" presName="bgRect" presStyleLbl="bgAccFollowNode1" presStyleIdx="0" presStyleCnt="4"/>
+      <dgm:prSet presAssocID="{198ACE8E-34F4-43E6-BB2E-1809B1CC58DC}" presName="bgRect" presStyleLbl="bgAccFollowNode1" presStyleIdx="0" presStyleCnt="4" custLinFactNeighborX="1168" custLinFactNeighborY="297"/>
       <dgm:spPr/>
     </dgm:pt>
     <dgm:pt modelId="{9C3A7F13-9585-42DF-AD32-B56F82B123C8}" type="pres">
@@ -2301,16 +1885,10 @@
       <dgm:spPr/>
     </dgm:pt>
     <dgm:pt modelId="{923B2301-552B-45D2-9EF0-53A10AA17FC6}" type="pres">
-      <dgm:prSet presAssocID="{198ACE8E-34F4-43E6-BB2E-1809B1CC58DC}" presName="bottomLine" presStyleLbl="alignNode1" presStyleIdx="1" presStyleCnt="8">
+      <dgm:prSet presAssocID="{198ACE8E-34F4-43E6-BB2E-1809B1CC58DC}" presName="bottomLine" presStyleLbl="alignNode1" presStyleIdx="1" presStyleCnt="8" custFlipVert="1" custScaleX="97980" custScaleY="2000000" custLinFactNeighborX="1168">
         <dgm:presLayoutVars/>
       </dgm:prSet>
-      <dgm:spPr>
-        <a:ln>
-          <a:solidFill>
-            <a:schemeClr val="accent1"/>
-          </a:solidFill>
-        </a:ln>
-      </dgm:spPr>
+      <dgm:spPr/>
     </dgm:pt>
     <dgm:pt modelId="{1636F17A-F9E0-460B-890B-A46A6E583FD1}" type="pres">
       <dgm:prSet presAssocID="{198ACE8E-34F4-43E6-BB2E-1809B1CC58DC}" presName="nodeText" presStyleLbl="bgAccFollowNode1" presStyleIdx="0" presStyleCnt="4">
@@ -2349,13 +1927,7 @@
       <dgm:prSet presAssocID="{0F6BA1FB-59E5-4F16-A7B4-1533BB1F09E4}" presName="bottomLine" presStyleLbl="alignNode1" presStyleIdx="3" presStyleCnt="8">
         <dgm:presLayoutVars/>
       </dgm:prSet>
-      <dgm:spPr>
-        <a:ln>
-          <a:solidFill>
-            <a:schemeClr val="accent2"/>
-          </a:solidFill>
-        </a:ln>
-      </dgm:spPr>
+      <dgm:spPr/>
     </dgm:pt>
     <dgm:pt modelId="{6209B655-7BD8-4C2E-802B-7A837190A817}" type="pres">
       <dgm:prSet presAssocID="{0F6BA1FB-59E5-4F16-A7B4-1533BB1F09E4}" presName="nodeText" presStyleLbl="bgAccFollowNode1" presStyleIdx="1" presStyleCnt="4">
@@ -2394,16 +1966,7 @@
       <dgm:prSet presAssocID="{1D096F01-AEA8-401D-8348-98E9A81F3CE0}" presName="bottomLine" presStyleLbl="alignNode1" presStyleIdx="5" presStyleCnt="8" custFlipVert="1" custScaleX="117001" custScaleY="2000000">
         <dgm:presLayoutVars/>
       </dgm:prSet>
-      <dgm:spPr>
-        <a:solidFill>
-          <a:schemeClr val="accent4"/>
-        </a:solidFill>
-        <a:ln>
-          <a:solidFill>
-            <a:schemeClr val="accent4"/>
-          </a:solidFill>
-        </a:ln>
-      </dgm:spPr>
+      <dgm:spPr/>
     </dgm:pt>
     <dgm:pt modelId="{74E21D92-0946-4075-ABB7-F58F125D081F}" type="pres">
       <dgm:prSet presAssocID="{1D096F01-AEA8-401D-8348-98E9A81F3CE0}" presName="nodeText" presStyleLbl="bgAccFollowNode1" presStyleIdx="2" presStyleCnt="4">
@@ -2442,13 +2005,7 @@
       <dgm:prSet presAssocID="{DE16CBB4-D3F4-44AD-8379-3A5D78B889D5}" presName="bottomLine" presStyleLbl="alignNode1" presStyleIdx="7" presStyleCnt="8">
         <dgm:presLayoutVars/>
       </dgm:prSet>
-      <dgm:spPr>
-        <a:ln>
-          <a:solidFill>
-            <a:schemeClr val="accent5"/>
-          </a:solidFill>
-        </a:ln>
-      </dgm:spPr>
+      <dgm:spPr/>
     </dgm:pt>
     <dgm:pt modelId="{B80B8360-3897-45DE-BD0A-F9CCC9BAC34F}" type="pres">
       <dgm:prSet presAssocID="{DE16CBB4-D3F4-44AD-8379-3A5D78B889D5}" presName="nodeText" presStyleLbl="bgAccFollowNode1" presStyleIdx="3" presStyleCnt="4">
@@ -2515,7 +2072,7 @@
 <dgm:dataModel xmlns:dgm="http://schemas.openxmlformats.org/drawingml/2006/diagram" xmlns:a="http://schemas.openxmlformats.org/drawingml/2006/main">
   <dgm:ptLst>
     <dgm:pt modelId="{0F5B3066-540F-4606-ADEC-65EB1C3E9627}" type="doc">
-      <dgm:prSet loTypeId="urn:microsoft.com/office/officeart/2016/7/layout/BasicLinearProcessNumbered#1" loCatId="process" qsTypeId="urn:microsoft.com/office/officeart/2005/8/quickstyle/simple1" qsCatId="simple" csTypeId="urn:microsoft.com/office/officeart/2005/8/colors/colorful1" csCatId="colorful" phldr="1"/>
+      <dgm:prSet loTypeId="urn:microsoft.com/office/officeart/2016/7/layout/BasicLinearProcessNumbered#1" loCatId="process" qsTypeId="urn:microsoft.com/office/officeart/2005/8/quickstyle/simple5" qsCatId="simple" csTypeId="urn:microsoft.com/office/officeart/2005/8/colors/accent4_2" csCatId="accent4" phldr="1"/>
       <dgm:spPr/>
       <dgm:t>
         <a:bodyPr rtlCol="0"/>
@@ -2528,18 +2085,7 @@
     </dgm:pt>
     <dgm:pt modelId="{198ACE8E-34F4-43E6-BB2E-1809B1CC58DC}">
       <dgm:prSet custT="1"/>
-      <dgm:spPr>
-        <a:solidFill>
-          <a:schemeClr val="accent1">
-            <a:lumMod val="20000"/>
-            <a:lumOff val="80000"/>
-            <a:alpha val="90000"/>
-          </a:schemeClr>
-        </a:solidFill>
-        <a:ln>
-          <a:noFill/>
-        </a:ln>
-      </dgm:spPr>
+      <dgm:spPr/>
       <dgm:t>
         <a:bodyPr rtlCol="0"/>
         <a:lstStyle/>
@@ -2571,14 +2117,7 @@
     </dgm:pt>
     <dgm:pt modelId="{C54063C4-24CD-4834-9424-53756AE38C6B}" type="sibTrans" cxnId="{8327A44B-5326-4A8B-9B23-A3D3C09A16F3}">
       <dgm:prSet phldrT="1" phldr="0"/>
-      <dgm:spPr>
-        <a:solidFill>
-          <a:schemeClr val="accent1"/>
-        </a:solidFill>
-        <a:ln>
-          <a:noFill/>
-        </a:ln>
-      </dgm:spPr>
+      <dgm:spPr/>
       <dgm:t>
         <a:bodyPr rtlCol="0"/>
         <a:lstStyle/>
@@ -2594,18 +2133,7 @@
     </dgm:pt>
     <dgm:pt modelId="{0F6BA1FB-59E5-4F16-A7B4-1533BB1F09E4}">
       <dgm:prSet custT="1"/>
-      <dgm:spPr>
-        <a:solidFill>
-          <a:schemeClr val="accent2">
-            <a:lumMod val="20000"/>
-            <a:lumOff val="80000"/>
-            <a:alpha val="90000"/>
-          </a:schemeClr>
-        </a:solidFill>
-        <a:ln>
-          <a:noFill/>
-        </a:ln>
-      </dgm:spPr>
+      <dgm:spPr/>
       <dgm:t>
         <a:bodyPr rtlCol="0"/>
         <a:lstStyle/>
@@ -2637,14 +2165,7 @@
     </dgm:pt>
     <dgm:pt modelId="{7DBF5CB5-29DD-4671-A0F3-981D48571500}" type="sibTrans" cxnId="{F0FA65E5-FB81-4E7A-9467-65363565F4A0}">
       <dgm:prSet phldrT="2" phldr="0"/>
-      <dgm:spPr>
-        <a:solidFill>
-          <a:schemeClr val="accent2"/>
-        </a:solidFill>
-        <a:ln>
-          <a:noFill/>
-        </a:ln>
-      </dgm:spPr>
+      <dgm:spPr/>
       <dgm:t>
         <a:bodyPr rtlCol="0"/>
         <a:lstStyle/>
@@ -2660,18 +2181,7 @@
     </dgm:pt>
     <dgm:pt modelId="{1D096F01-AEA8-401D-8348-98E9A81F3CE0}">
       <dgm:prSet custT="1"/>
-      <dgm:spPr>
-        <a:solidFill>
-          <a:schemeClr val="accent4">
-            <a:lumMod val="20000"/>
-            <a:lumOff val="80000"/>
-            <a:alpha val="90000"/>
-          </a:schemeClr>
-        </a:solidFill>
-        <a:ln>
-          <a:noFill/>
-        </a:ln>
-      </dgm:spPr>
+      <dgm:spPr/>
       <dgm:t>
         <a:bodyPr rtlCol="0"/>
         <a:lstStyle/>
@@ -2703,14 +2213,7 @@
     </dgm:pt>
     <dgm:pt modelId="{6088456C-4B73-4948-985C-DD954DEF44EF}" type="sibTrans" cxnId="{FD2381C0-DA6F-4859-90D6-313730044E7C}">
       <dgm:prSet phldrT="3" phldr="0"/>
-      <dgm:spPr>
-        <a:solidFill>
-          <a:schemeClr val="accent4"/>
-        </a:solidFill>
-        <a:ln>
-          <a:noFill/>
-        </a:ln>
-      </dgm:spPr>
+      <dgm:spPr/>
       <dgm:t>
         <a:bodyPr rtlCol="0"/>
         <a:lstStyle/>
@@ -2726,18 +2229,7 @@
     </dgm:pt>
     <dgm:pt modelId="{DE16CBB4-D3F4-44AD-8379-3A5D78B889D5}">
       <dgm:prSet custT="1"/>
-      <dgm:spPr>
-        <a:solidFill>
-          <a:schemeClr val="accent5">
-            <a:lumMod val="20000"/>
-            <a:lumOff val="80000"/>
-            <a:alpha val="90000"/>
-          </a:schemeClr>
-        </a:solidFill>
-        <a:ln>
-          <a:noFill/>
-        </a:ln>
-      </dgm:spPr>
+      <dgm:spPr/>
       <dgm:t>
         <a:bodyPr rtlCol="0"/>
         <a:lstStyle/>
@@ -2769,14 +2261,7 @@
     </dgm:pt>
     <dgm:pt modelId="{C2728830-9A00-4764-A9F1-670DDF9E57B3}" type="sibTrans" cxnId="{058D75E7-8E09-41CE-ADFC-EEAD1556353B}">
       <dgm:prSet phldrT="4" phldr="0"/>
-      <dgm:spPr>
-        <a:solidFill>
-          <a:schemeClr val="accent5"/>
-        </a:solidFill>
-        <a:ln>
-          <a:noFill/>
-        </a:ln>
-      </dgm:spPr>
+      <dgm:spPr/>
       <dgm:t>
         <a:bodyPr rtlCol="0"/>
         <a:lstStyle/>
@@ -2824,13 +2309,7 @@
       <dgm:prSet presAssocID="{198ACE8E-34F4-43E6-BB2E-1809B1CC58DC}" presName="bottomLine" presStyleLbl="alignNode1" presStyleIdx="1" presStyleCnt="8">
         <dgm:presLayoutVars/>
       </dgm:prSet>
-      <dgm:spPr>
-        <a:ln>
-          <a:solidFill>
-            <a:schemeClr val="accent1"/>
-          </a:solidFill>
-        </a:ln>
-      </dgm:spPr>
+      <dgm:spPr/>
     </dgm:pt>
     <dgm:pt modelId="{1636F17A-F9E0-460B-890B-A46A6E583FD1}" type="pres">
       <dgm:prSet presAssocID="{198ACE8E-34F4-43E6-BB2E-1809B1CC58DC}" presName="nodeText" presStyleLbl="bgAccFollowNode1" presStyleIdx="0" presStyleCnt="4">
@@ -2869,13 +2348,7 @@
       <dgm:prSet presAssocID="{0F6BA1FB-59E5-4F16-A7B4-1533BB1F09E4}" presName="bottomLine" presStyleLbl="alignNode1" presStyleIdx="3" presStyleCnt="8">
         <dgm:presLayoutVars/>
       </dgm:prSet>
-      <dgm:spPr>
-        <a:ln>
-          <a:solidFill>
-            <a:schemeClr val="accent2"/>
-          </a:solidFill>
-        </a:ln>
-      </dgm:spPr>
+      <dgm:spPr/>
     </dgm:pt>
     <dgm:pt modelId="{6209B655-7BD8-4C2E-802B-7A837190A817}" type="pres">
       <dgm:prSet presAssocID="{0F6BA1FB-59E5-4F16-A7B4-1533BB1F09E4}" presName="nodeText" presStyleLbl="bgAccFollowNode1" presStyleIdx="1" presStyleCnt="4">
@@ -2914,16 +2387,7 @@
       <dgm:prSet presAssocID="{1D096F01-AEA8-401D-8348-98E9A81F3CE0}" presName="bottomLine" presStyleLbl="alignNode1" presStyleIdx="5" presStyleCnt="8">
         <dgm:presLayoutVars/>
       </dgm:prSet>
-      <dgm:spPr>
-        <a:solidFill>
-          <a:schemeClr val="accent4"/>
-        </a:solidFill>
-        <a:ln>
-          <a:solidFill>
-            <a:schemeClr val="accent4"/>
-          </a:solidFill>
-        </a:ln>
-      </dgm:spPr>
+      <dgm:spPr/>
     </dgm:pt>
     <dgm:pt modelId="{74E21D92-0946-4075-ABB7-F58F125D081F}" type="pres">
       <dgm:prSet presAssocID="{1D096F01-AEA8-401D-8348-98E9A81F3CE0}" presName="nodeText" presStyleLbl="bgAccFollowNode1" presStyleIdx="2" presStyleCnt="4">
@@ -2962,13 +2426,7 @@
       <dgm:prSet presAssocID="{DE16CBB4-D3F4-44AD-8379-3A5D78B889D5}" presName="bottomLine" presStyleLbl="alignNode1" presStyleIdx="7" presStyleCnt="8">
         <dgm:presLayoutVars/>
       </dgm:prSet>
-      <dgm:spPr>
-        <a:ln>
-          <a:solidFill>
-            <a:schemeClr val="accent5"/>
-          </a:solidFill>
-        </a:ln>
-      </dgm:spPr>
+      <dgm:spPr/>
     </dgm:pt>
     <dgm:pt modelId="{B80B8360-3897-45DE-BD0A-F9CCC9BAC34F}" type="pres">
       <dgm:prSet presAssocID="{DE16CBB4-D3F4-44AD-8379-3A5D78B889D5}" presName="nodeText" presStyleLbl="bgAccFollowNode1" presStyleIdx="3" presStyleCnt="4">
@@ -3046,7 +2504,7 @@
       </dsp:nvSpPr>
       <dsp:spPr>
         <a:xfrm>
-          <a:off x="1203" y="241558"/>
+          <a:off x="27834" y="251039"/>
           <a:ext cx="2280061" cy="3192086"/>
         </a:xfrm>
         <a:prstGeom prst="rect">
@@ -3054,26 +2512,38 @@
         </a:prstGeom>
         <a:solidFill>
           <a:schemeClr val="accent1">
-            <a:lumMod val="20000"/>
-            <a:lumOff val="80000"/>
             <a:alpha val="90000"/>
+            <a:tint val="40000"/>
+            <a:hueOff val="0"/>
+            <a:satOff val="0"/>
+            <a:lumOff val="0"/>
+            <a:alphaOff val="0"/>
           </a:schemeClr>
         </a:solidFill>
-        <a:ln w="12700" cap="flat" cmpd="sng" algn="ctr">
-          <a:noFill/>
+        <a:ln w="6350" cap="flat" cmpd="sng" algn="ctr">
+          <a:solidFill>
+            <a:schemeClr val="accent1">
+              <a:alpha val="90000"/>
+              <a:tint val="40000"/>
+              <a:hueOff val="0"/>
+              <a:satOff val="0"/>
+              <a:lumOff val="0"/>
+              <a:alphaOff val="0"/>
+            </a:schemeClr>
+          </a:solidFill>
           <a:prstDash val="solid"/>
           <a:miter lim="800000"/>
         </a:ln>
         <a:effectLst/>
       </dsp:spPr>
       <dsp:style>
-        <a:lnRef idx="2">
+        <a:lnRef idx="1">
           <a:scrgbClr r="0" g="0" b="0"/>
         </a:lnRef>
         <a:fillRef idx="1">
           <a:scrgbClr r="0" g="0" b="0"/>
         </a:fillRef>
-        <a:effectRef idx="0">
+        <a:effectRef idx="2">
           <a:scrgbClr r="0" g="0" b="0"/>
         </a:effectRef>
         <a:fontRef idx="minor"/>
@@ -3104,7 +2574,7 @@
         </a:p>
       </dsp:txBody>
       <dsp:txXfrm>
-        <a:off x="1203" y="1454551"/>
+        <a:off x="27834" y="1464032"/>
         <a:ext cx="2280061" cy="1915251"/>
       </dsp:txXfrm>
     </dsp:sp>
@@ -3121,24 +2591,72 @@
         <a:prstGeom prst="ellipse">
           <a:avLst/>
         </a:prstGeom>
-        <a:solidFill>
-          <a:schemeClr val="accent1"/>
-        </a:solidFill>
-        <a:ln w="12700" cap="flat" cmpd="sng" algn="ctr">
-          <a:noFill/>
+        <a:gradFill rotWithShape="0">
+          <a:gsLst>
+            <a:gs pos="0">
+              <a:schemeClr val="accent1">
+                <a:hueOff val="0"/>
+                <a:satOff val="0"/>
+                <a:lumOff val="0"/>
+                <a:alphaOff val="0"/>
+                <a:satMod val="103000"/>
+                <a:lumMod val="102000"/>
+                <a:tint val="94000"/>
+              </a:schemeClr>
+            </a:gs>
+            <a:gs pos="50000">
+              <a:schemeClr val="accent1">
+                <a:hueOff val="0"/>
+                <a:satOff val="0"/>
+                <a:lumOff val="0"/>
+                <a:alphaOff val="0"/>
+                <a:satMod val="110000"/>
+                <a:lumMod val="100000"/>
+                <a:shade val="100000"/>
+              </a:schemeClr>
+            </a:gs>
+            <a:gs pos="100000">
+              <a:schemeClr val="accent1">
+                <a:hueOff val="0"/>
+                <a:satOff val="0"/>
+                <a:lumOff val="0"/>
+                <a:alphaOff val="0"/>
+                <a:lumMod val="99000"/>
+                <a:satMod val="120000"/>
+                <a:shade val="78000"/>
+              </a:schemeClr>
+            </a:gs>
+          </a:gsLst>
+          <a:lin ang="5400000" scaled="0"/>
+        </a:gradFill>
+        <a:ln w="6350" cap="flat" cmpd="sng" algn="ctr">
+          <a:solidFill>
+            <a:schemeClr val="accent1">
+              <a:hueOff val="0"/>
+              <a:satOff val="0"/>
+              <a:lumOff val="0"/>
+              <a:alphaOff val="0"/>
+            </a:schemeClr>
+          </a:solidFill>
           <a:prstDash val="solid"/>
           <a:miter lim="800000"/>
         </a:ln>
-        <a:effectLst/>
+        <a:effectLst>
+          <a:outerShdw blurRad="57150" dist="19050" dir="5400000" algn="ctr" rotWithShape="0">
+            <a:srgbClr val="000000">
+              <a:alpha val="63000"/>
+            </a:srgbClr>
+          </a:outerShdw>
+        </a:effectLst>
       </dsp:spPr>
       <dsp:style>
-        <a:lnRef idx="2">
+        <a:lnRef idx="1">
           <a:scrgbClr r="0" g="0" b="0"/>
         </a:lnRef>
-        <a:fillRef idx="1">
+        <a:fillRef idx="3">
           <a:scrgbClr r="0" g="0" b="0"/>
         </a:fillRef>
-        <a:effectRef idx="0">
+        <a:effectRef idx="3">
           <a:scrgbClr r="0" g="0" b="0"/>
         </a:effectRef>
         <a:fontRef idx="minor">
@@ -3181,38 +2699,79 @@
         <dsp:cNvSpPr/>
       </dsp:nvSpPr>
       <dsp:spPr>
-        <a:xfrm>
-          <a:off x="1203" y="3433573"/>
-          <a:ext cx="2280061" cy="72"/>
+        <a:xfrm flipV="1">
+          <a:off x="50863" y="3432889"/>
+          <a:ext cx="2234004" cy="1440"/>
         </a:xfrm>
         <a:prstGeom prst="rect">
           <a:avLst/>
         </a:prstGeom>
-        <a:solidFill>
-          <a:schemeClr val="accent3">
-            <a:hueOff val="0"/>
-            <a:satOff val="0"/>
-            <a:lumOff val="0"/>
-            <a:alphaOff val="0"/>
-          </a:schemeClr>
-        </a:solidFill>
-        <a:ln w="12700" cap="flat" cmpd="sng" algn="ctr">
+        <a:gradFill rotWithShape="0">
+          <a:gsLst>
+            <a:gs pos="0">
+              <a:schemeClr val="accent1">
+                <a:hueOff val="0"/>
+                <a:satOff val="0"/>
+                <a:lumOff val="0"/>
+                <a:alphaOff val="0"/>
+                <a:satMod val="103000"/>
+                <a:lumMod val="102000"/>
+                <a:tint val="94000"/>
+              </a:schemeClr>
+            </a:gs>
+            <a:gs pos="50000">
+              <a:schemeClr val="accent1">
+                <a:hueOff val="0"/>
+                <a:satOff val="0"/>
+                <a:lumOff val="0"/>
+                <a:alphaOff val="0"/>
+                <a:satMod val="110000"/>
+                <a:lumMod val="100000"/>
+                <a:shade val="100000"/>
+              </a:schemeClr>
+            </a:gs>
+            <a:gs pos="100000">
+              <a:schemeClr val="accent1">
+                <a:hueOff val="0"/>
+                <a:satOff val="0"/>
+                <a:lumOff val="0"/>
+                <a:alphaOff val="0"/>
+                <a:lumMod val="99000"/>
+                <a:satMod val="120000"/>
+                <a:shade val="78000"/>
+              </a:schemeClr>
+            </a:gs>
+          </a:gsLst>
+          <a:lin ang="5400000" scaled="0"/>
+        </a:gradFill>
+        <a:ln w="6350" cap="flat" cmpd="sng" algn="ctr">
           <a:solidFill>
-            <a:schemeClr val="accent1"/>
+            <a:schemeClr val="accent1">
+              <a:hueOff val="0"/>
+              <a:satOff val="0"/>
+              <a:lumOff val="0"/>
+              <a:alphaOff val="0"/>
+            </a:schemeClr>
           </a:solidFill>
           <a:prstDash val="solid"/>
           <a:miter lim="800000"/>
         </a:ln>
-        <a:effectLst/>
+        <a:effectLst>
+          <a:outerShdw blurRad="57150" dist="19050" dir="5400000" algn="ctr" rotWithShape="0">
+            <a:srgbClr val="000000">
+              <a:alpha val="63000"/>
+            </a:srgbClr>
+          </a:outerShdw>
+        </a:effectLst>
       </dsp:spPr>
       <dsp:style>
-        <a:lnRef idx="2">
+        <a:lnRef idx="1">
           <a:scrgbClr r="0" g="0" b="0"/>
         </a:lnRef>
-        <a:fillRef idx="1">
+        <a:fillRef idx="3">
           <a:scrgbClr r="0" g="0" b="0"/>
         </a:fillRef>
-        <a:effectRef idx="0">
+        <a:effectRef idx="3">
           <a:scrgbClr r="0" g="0" b="0"/>
         </a:effectRef>
         <a:fontRef idx="minor">
@@ -3234,27 +2793,39 @@
           <a:avLst/>
         </a:prstGeom>
         <a:solidFill>
-          <a:schemeClr val="accent2">
-            <a:lumMod val="20000"/>
-            <a:lumOff val="80000"/>
+          <a:schemeClr val="accent1">
             <a:alpha val="90000"/>
+            <a:tint val="40000"/>
+            <a:hueOff val="0"/>
+            <a:satOff val="0"/>
+            <a:lumOff val="0"/>
+            <a:alphaOff val="0"/>
           </a:schemeClr>
         </a:solidFill>
-        <a:ln w="12700" cap="flat" cmpd="sng" algn="ctr">
-          <a:noFill/>
+        <a:ln w="6350" cap="flat" cmpd="sng" algn="ctr">
+          <a:solidFill>
+            <a:schemeClr val="accent1">
+              <a:alpha val="90000"/>
+              <a:tint val="40000"/>
+              <a:hueOff val="0"/>
+              <a:satOff val="0"/>
+              <a:lumOff val="0"/>
+              <a:alphaOff val="0"/>
+            </a:schemeClr>
+          </a:solidFill>
           <a:prstDash val="solid"/>
           <a:miter lim="800000"/>
         </a:ln>
         <a:effectLst/>
       </dsp:spPr>
       <dsp:style>
-        <a:lnRef idx="2">
+        <a:lnRef idx="1">
           <a:scrgbClr r="0" g="0" b="0"/>
         </a:lnRef>
         <a:fillRef idx="1">
           <a:scrgbClr r="0" g="0" b="0"/>
         </a:fillRef>
-        <a:effectRef idx="0">
+        <a:effectRef idx="2">
           <a:scrgbClr r="0" g="0" b="0"/>
         </a:effectRef>
         <a:fontRef idx="minor"/>
@@ -3302,24 +2873,72 @@
         <a:prstGeom prst="ellipse">
           <a:avLst/>
         </a:prstGeom>
-        <a:solidFill>
-          <a:schemeClr val="accent2"/>
-        </a:solidFill>
-        <a:ln w="12700" cap="flat" cmpd="sng" algn="ctr">
-          <a:noFill/>
+        <a:gradFill rotWithShape="0">
+          <a:gsLst>
+            <a:gs pos="0">
+              <a:schemeClr val="accent1">
+                <a:hueOff val="0"/>
+                <a:satOff val="0"/>
+                <a:lumOff val="0"/>
+                <a:alphaOff val="0"/>
+                <a:satMod val="103000"/>
+                <a:lumMod val="102000"/>
+                <a:tint val="94000"/>
+              </a:schemeClr>
+            </a:gs>
+            <a:gs pos="50000">
+              <a:schemeClr val="accent1">
+                <a:hueOff val="0"/>
+                <a:satOff val="0"/>
+                <a:lumOff val="0"/>
+                <a:alphaOff val="0"/>
+                <a:satMod val="110000"/>
+                <a:lumMod val="100000"/>
+                <a:shade val="100000"/>
+              </a:schemeClr>
+            </a:gs>
+            <a:gs pos="100000">
+              <a:schemeClr val="accent1">
+                <a:hueOff val="0"/>
+                <a:satOff val="0"/>
+                <a:lumOff val="0"/>
+                <a:alphaOff val="0"/>
+                <a:lumMod val="99000"/>
+                <a:satMod val="120000"/>
+                <a:shade val="78000"/>
+              </a:schemeClr>
+            </a:gs>
+          </a:gsLst>
+          <a:lin ang="5400000" scaled="0"/>
+        </a:gradFill>
+        <a:ln w="6350" cap="flat" cmpd="sng" algn="ctr">
+          <a:solidFill>
+            <a:schemeClr val="accent1">
+              <a:hueOff val="0"/>
+              <a:satOff val="0"/>
+              <a:lumOff val="0"/>
+              <a:alphaOff val="0"/>
+            </a:schemeClr>
+          </a:solidFill>
           <a:prstDash val="solid"/>
           <a:miter lim="800000"/>
         </a:ln>
-        <a:effectLst/>
+        <a:effectLst>
+          <a:outerShdw blurRad="57150" dist="19050" dir="5400000" algn="ctr" rotWithShape="0">
+            <a:srgbClr val="000000">
+              <a:alpha val="63000"/>
+            </a:srgbClr>
+          </a:outerShdw>
+        </a:effectLst>
       </dsp:spPr>
       <dsp:style>
-        <a:lnRef idx="2">
+        <a:lnRef idx="1">
           <a:scrgbClr r="0" g="0" b="0"/>
         </a:lnRef>
-        <a:fillRef idx="1">
+        <a:fillRef idx="3">
           <a:scrgbClr r="0" g="0" b="0"/>
         </a:fillRef>
-        <a:effectRef idx="0">
+        <a:effectRef idx="3">
           <a:scrgbClr r="0" g="0" b="0"/>
         </a:effectRef>
         <a:fontRef idx="minor">
@@ -3369,31 +2988,72 @@
         <a:prstGeom prst="rect">
           <a:avLst/>
         </a:prstGeom>
-        <a:solidFill>
-          <a:schemeClr val="accent5">
-            <a:hueOff val="0"/>
-            <a:satOff val="0"/>
-            <a:lumOff val="0"/>
-            <a:alphaOff val="0"/>
-          </a:schemeClr>
-        </a:solidFill>
-        <a:ln w="12700" cap="flat" cmpd="sng" algn="ctr">
+        <a:gradFill rotWithShape="0">
+          <a:gsLst>
+            <a:gs pos="0">
+              <a:schemeClr val="accent1">
+                <a:hueOff val="0"/>
+                <a:satOff val="0"/>
+                <a:lumOff val="0"/>
+                <a:alphaOff val="0"/>
+                <a:satMod val="103000"/>
+                <a:lumMod val="102000"/>
+                <a:tint val="94000"/>
+              </a:schemeClr>
+            </a:gs>
+            <a:gs pos="50000">
+              <a:schemeClr val="accent1">
+                <a:hueOff val="0"/>
+                <a:satOff val="0"/>
+                <a:lumOff val="0"/>
+                <a:alphaOff val="0"/>
+                <a:satMod val="110000"/>
+                <a:lumMod val="100000"/>
+                <a:shade val="100000"/>
+              </a:schemeClr>
+            </a:gs>
+            <a:gs pos="100000">
+              <a:schemeClr val="accent1">
+                <a:hueOff val="0"/>
+                <a:satOff val="0"/>
+                <a:lumOff val="0"/>
+                <a:alphaOff val="0"/>
+                <a:lumMod val="99000"/>
+                <a:satMod val="120000"/>
+                <a:shade val="78000"/>
+              </a:schemeClr>
+            </a:gs>
+          </a:gsLst>
+          <a:lin ang="5400000" scaled="0"/>
+        </a:gradFill>
+        <a:ln w="6350" cap="flat" cmpd="sng" algn="ctr">
           <a:solidFill>
-            <a:schemeClr val="accent2"/>
+            <a:schemeClr val="accent1">
+              <a:hueOff val="0"/>
+              <a:satOff val="0"/>
+              <a:lumOff val="0"/>
+              <a:alphaOff val="0"/>
+            </a:schemeClr>
           </a:solidFill>
           <a:prstDash val="solid"/>
           <a:miter lim="800000"/>
         </a:ln>
-        <a:effectLst/>
+        <a:effectLst>
+          <a:outerShdw blurRad="57150" dist="19050" dir="5400000" algn="ctr" rotWithShape="0">
+            <a:srgbClr val="000000">
+              <a:alpha val="63000"/>
+            </a:srgbClr>
+          </a:outerShdw>
+        </a:effectLst>
       </dsp:spPr>
       <dsp:style>
-        <a:lnRef idx="2">
+        <a:lnRef idx="1">
           <a:scrgbClr r="0" g="0" b="0"/>
         </a:lnRef>
-        <a:fillRef idx="1">
+        <a:fillRef idx="3">
           <a:scrgbClr r="0" g="0" b="0"/>
         </a:fillRef>
-        <a:effectRef idx="0">
+        <a:effectRef idx="3">
           <a:scrgbClr r="0" g="0" b="0"/>
         </a:effectRef>
         <a:fontRef idx="minor">
@@ -3415,27 +3075,39 @@
           <a:avLst/>
         </a:prstGeom>
         <a:solidFill>
-          <a:schemeClr val="accent4">
-            <a:lumMod val="20000"/>
-            <a:lumOff val="80000"/>
+          <a:schemeClr val="accent1">
             <a:alpha val="90000"/>
+            <a:tint val="40000"/>
+            <a:hueOff val="0"/>
+            <a:satOff val="0"/>
+            <a:lumOff val="0"/>
+            <a:alphaOff val="0"/>
           </a:schemeClr>
         </a:solidFill>
-        <a:ln w="12700" cap="flat" cmpd="sng" algn="ctr">
-          <a:noFill/>
+        <a:ln w="6350" cap="flat" cmpd="sng" algn="ctr">
+          <a:solidFill>
+            <a:schemeClr val="accent1">
+              <a:alpha val="90000"/>
+              <a:tint val="40000"/>
+              <a:hueOff val="0"/>
+              <a:satOff val="0"/>
+              <a:lumOff val="0"/>
+              <a:alphaOff val="0"/>
+            </a:schemeClr>
+          </a:solidFill>
           <a:prstDash val="solid"/>
           <a:miter lim="800000"/>
         </a:ln>
         <a:effectLst/>
       </dsp:spPr>
       <dsp:style>
-        <a:lnRef idx="2">
+        <a:lnRef idx="1">
           <a:scrgbClr r="0" g="0" b="0"/>
         </a:lnRef>
         <a:fillRef idx="1">
           <a:scrgbClr r="0" g="0" b="0"/>
         </a:fillRef>
-        <a:effectRef idx="0">
+        <a:effectRef idx="2">
           <a:scrgbClr r="0" g="0" b="0"/>
         </a:effectRef>
         <a:fontRef idx="minor"/>
@@ -3483,24 +3155,72 @@
         <a:prstGeom prst="ellipse">
           <a:avLst/>
         </a:prstGeom>
-        <a:solidFill>
-          <a:schemeClr val="accent4"/>
-        </a:solidFill>
-        <a:ln w="12700" cap="flat" cmpd="sng" algn="ctr">
-          <a:noFill/>
+        <a:gradFill rotWithShape="0">
+          <a:gsLst>
+            <a:gs pos="0">
+              <a:schemeClr val="accent1">
+                <a:hueOff val="0"/>
+                <a:satOff val="0"/>
+                <a:lumOff val="0"/>
+                <a:alphaOff val="0"/>
+                <a:satMod val="103000"/>
+                <a:lumMod val="102000"/>
+                <a:tint val="94000"/>
+              </a:schemeClr>
+            </a:gs>
+            <a:gs pos="50000">
+              <a:schemeClr val="accent1">
+                <a:hueOff val="0"/>
+                <a:satOff val="0"/>
+                <a:lumOff val="0"/>
+                <a:alphaOff val="0"/>
+                <a:satMod val="110000"/>
+                <a:lumMod val="100000"/>
+                <a:shade val="100000"/>
+              </a:schemeClr>
+            </a:gs>
+            <a:gs pos="100000">
+              <a:schemeClr val="accent1">
+                <a:hueOff val="0"/>
+                <a:satOff val="0"/>
+                <a:lumOff val="0"/>
+                <a:alphaOff val="0"/>
+                <a:lumMod val="99000"/>
+                <a:satMod val="120000"/>
+                <a:shade val="78000"/>
+              </a:schemeClr>
+            </a:gs>
+          </a:gsLst>
+          <a:lin ang="5400000" scaled="0"/>
+        </a:gradFill>
+        <a:ln w="6350" cap="flat" cmpd="sng" algn="ctr">
+          <a:solidFill>
+            <a:schemeClr val="accent1">
+              <a:hueOff val="0"/>
+              <a:satOff val="0"/>
+              <a:lumOff val="0"/>
+              <a:alphaOff val="0"/>
+            </a:schemeClr>
+          </a:solidFill>
           <a:prstDash val="solid"/>
           <a:miter lim="800000"/>
         </a:ln>
-        <a:effectLst/>
+        <a:effectLst>
+          <a:outerShdw blurRad="57150" dist="19050" dir="5400000" algn="ctr" rotWithShape="0">
+            <a:srgbClr val="000000">
+              <a:alpha val="63000"/>
+            </a:srgbClr>
+          </a:outerShdw>
+        </a:effectLst>
       </dsp:spPr>
       <dsp:style>
-        <a:lnRef idx="2">
+        <a:lnRef idx="1">
           <a:scrgbClr r="0" g="0" b="0"/>
         </a:lnRef>
-        <a:fillRef idx="1">
+        <a:fillRef idx="3">
           <a:scrgbClr r="0" g="0" b="0"/>
         </a:fillRef>
-        <a:effectRef idx="0">
+        <a:effectRef idx="3">
           <a:scrgbClr r="0" g="0" b="0"/>
         </a:effectRef>
         <a:fontRef idx="minor">
@@ -3550,26 +3270,72 @@
         <a:prstGeom prst="rect">
           <a:avLst/>
         </a:prstGeom>
-        <a:solidFill>
-          <a:schemeClr val="accent4"/>
-        </a:solidFill>
-        <a:ln w="12700" cap="flat" cmpd="sng" algn="ctr">
+        <a:gradFill rotWithShape="0">
+          <a:gsLst>
+            <a:gs pos="0">
+              <a:schemeClr val="accent1">
+                <a:hueOff val="0"/>
+                <a:satOff val="0"/>
+                <a:lumOff val="0"/>
+                <a:alphaOff val="0"/>
+                <a:satMod val="103000"/>
+                <a:lumMod val="102000"/>
+                <a:tint val="94000"/>
+              </a:schemeClr>
+            </a:gs>
+            <a:gs pos="50000">
+              <a:schemeClr val="accent1">
+                <a:hueOff val="0"/>
+                <a:satOff val="0"/>
+                <a:lumOff val="0"/>
+                <a:alphaOff val="0"/>
+                <a:satMod val="110000"/>
+                <a:lumMod val="100000"/>
+                <a:shade val="100000"/>
+              </a:schemeClr>
+            </a:gs>
+            <a:gs pos="100000">
+              <a:schemeClr val="accent1">
+                <a:hueOff val="0"/>
+                <a:satOff val="0"/>
+                <a:lumOff val="0"/>
+                <a:alphaOff val="0"/>
+                <a:lumMod val="99000"/>
+                <a:satMod val="120000"/>
+                <a:shade val="78000"/>
+              </a:schemeClr>
+            </a:gs>
+          </a:gsLst>
+          <a:lin ang="5400000" scaled="0"/>
+        </a:gradFill>
+        <a:ln w="6350" cap="flat" cmpd="sng" algn="ctr">
           <a:solidFill>
-            <a:schemeClr val="accent4"/>
+            <a:schemeClr val="accent1">
+              <a:hueOff val="0"/>
+              <a:satOff val="0"/>
+              <a:lumOff val="0"/>
+              <a:alphaOff val="0"/>
+            </a:schemeClr>
           </a:solidFill>
           <a:prstDash val="solid"/>
           <a:miter lim="800000"/>
         </a:ln>
-        <a:effectLst/>
+        <a:effectLst>
+          <a:outerShdw blurRad="57150" dist="19050" dir="5400000" algn="ctr" rotWithShape="0">
+            <a:srgbClr val="000000">
+              <a:alpha val="63000"/>
+            </a:srgbClr>
+          </a:outerShdw>
+        </a:effectLst>
       </dsp:spPr>
       <dsp:style>
-        <a:lnRef idx="2">
+        <a:lnRef idx="1">
           <a:scrgbClr r="0" g="0" b="0"/>
         </a:lnRef>
-        <a:fillRef idx="1">
+        <a:fillRef idx="3">
           <a:scrgbClr r="0" g="0" b="0"/>
         </a:fillRef>
-        <a:effectRef idx="0">
+        <a:effectRef idx="3">
           <a:scrgbClr r="0" g="0" b="0"/>
         </a:effectRef>
         <a:fontRef idx="minor">
@@ -3591,27 +3357,39 @@
           <a:avLst/>
         </a:prstGeom>
         <a:solidFill>
-          <a:schemeClr val="accent5">
-            <a:lumMod val="20000"/>
-            <a:lumOff val="80000"/>
+          <a:schemeClr val="accent1">
             <a:alpha val="90000"/>
+            <a:tint val="40000"/>
+            <a:hueOff val="0"/>
+            <a:satOff val="0"/>
+            <a:lumOff val="0"/>
+            <a:alphaOff val="0"/>
           </a:schemeClr>
         </a:solidFill>
-        <a:ln w="12700" cap="flat" cmpd="sng" algn="ctr">
-          <a:noFill/>
+        <a:ln w="6350" cap="flat" cmpd="sng" algn="ctr">
+          <a:solidFill>
+            <a:schemeClr val="accent1">
+              <a:alpha val="90000"/>
+              <a:tint val="40000"/>
+              <a:hueOff val="0"/>
+              <a:satOff val="0"/>
+              <a:lumOff val="0"/>
+              <a:alphaOff val="0"/>
+            </a:schemeClr>
+          </a:solidFill>
           <a:prstDash val="solid"/>
           <a:miter lim="800000"/>
         </a:ln>
         <a:effectLst/>
       </dsp:spPr>
       <dsp:style>
-        <a:lnRef idx="2">
+        <a:lnRef idx="1">
           <a:scrgbClr r="0" g="0" b="0"/>
         </a:lnRef>
         <a:fillRef idx="1">
           <a:scrgbClr r="0" g="0" b="0"/>
         </a:fillRef>
-        <a:effectRef idx="0">
+        <a:effectRef idx="2">
           <a:scrgbClr r="0" g="0" b="0"/>
         </a:effectRef>
         <a:fontRef idx="minor"/>
@@ -3659,24 +3437,72 @@
         <a:prstGeom prst="ellipse">
           <a:avLst/>
         </a:prstGeom>
-        <a:solidFill>
-          <a:schemeClr val="accent5"/>
-        </a:solidFill>
-        <a:ln w="12700" cap="flat" cmpd="sng" algn="ctr">
-          <a:noFill/>
+        <a:gradFill rotWithShape="0">
+          <a:gsLst>
+            <a:gs pos="0">
+              <a:schemeClr val="accent1">
+                <a:hueOff val="0"/>
+                <a:satOff val="0"/>
+                <a:lumOff val="0"/>
+                <a:alphaOff val="0"/>
+                <a:satMod val="103000"/>
+                <a:lumMod val="102000"/>
+                <a:tint val="94000"/>
+              </a:schemeClr>
+            </a:gs>
+            <a:gs pos="50000">
+              <a:schemeClr val="accent1">
+                <a:hueOff val="0"/>
+                <a:satOff val="0"/>
+                <a:lumOff val="0"/>
+                <a:alphaOff val="0"/>
+                <a:satMod val="110000"/>
+                <a:lumMod val="100000"/>
+                <a:shade val="100000"/>
+              </a:schemeClr>
+            </a:gs>
+            <a:gs pos="100000">
+              <a:schemeClr val="accent1">
+                <a:hueOff val="0"/>
+                <a:satOff val="0"/>
+                <a:lumOff val="0"/>
+                <a:alphaOff val="0"/>
+                <a:lumMod val="99000"/>
+                <a:satMod val="120000"/>
+                <a:shade val="78000"/>
+              </a:schemeClr>
+            </a:gs>
+          </a:gsLst>
+          <a:lin ang="5400000" scaled="0"/>
+        </a:gradFill>
+        <a:ln w="6350" cap="flat" cmpd="sng" algn="ctr">
+          <a:solidFill>
+            <a:schemeClr val="accent1">
+              <a:hueOff val="0"/>
+              <a:satOff val="0"/>
+              <a:lumOff val="0"/>
+              <a:alphaOff val="0"/>
+            </a:schemeClr>
+          </a:solidFill>
           <a:prstDash val="solid"/>
           <a:miter lim="800000"/>
         </a:ln>
-        <a:effectLst/>
+        <a:effectLst>
+          <a:outerShdw blurRad="57150" dist="19050" dir="5400000" algn="ctr" rotWithShape="0">
+            <a:srgbClr val="000000">
+              <a:alpha val="63000"/>
+            </a:srgbClr>
+          </a:outerShdw>
+        </a:effectLst>
       </dsp:spPr>
       <dsp:style>
-        <a:lnRef idx="2">
+        <a:lnRef idx="1">
           <a:scrgbClr r="0" g="0" b="0"/>
         </a:lnRef>
-        <a:fillRef idx="1">
+        <a:fillRef idx="3">
           <a:scrgbClr r="0" g="0" b="0"/>
         </a:fillRef>
-        <a:effectRef idx="0">
+        <a:effectRef idx="3">
           <a:scrgbClr r="0" g="0" b="0"/>
         </a:effectRef>
         <a:fontRef idx="minor">
@@ -3726,31 +3552,72 @@
         <a:prstGeom prst="rect">
           <a:avLst/>
         </a:prstGeom>
-        <a:solidFill>
-          <a:schemeClr val="accent4">
-            <a:hueOff val="0"/>
-            <a:satOff val="0"/>
-            <a:lumOff val="0"/>
-            <a:alphaOff val="0"/>
-          </a:schemeClr>
-        </a:solidFill>
-        <a:ln w="12700" cap="flat" cmpd="sng" algn="ctr">
+        <a:gradFill rotWithShape="0">
+          <a:gsLst>
+            <a:gs pos="0">
+              <a:schemeClr val="accent1">
+                <a:hueOff val="0"/>
+                <a:satOff val="0"/>
+                <a:lumOff val="0"/>
+                <a:alphaOff val="0"/>
+                <a:satMod val="103000"/>
+                <a:lumMod val="102000"/>
+                <a:tint val="94000"/>
+              </a:schemeClr>
+            </a:gs>
+            <a:gs pos="50000">
+              <a:schemeClr val="accent1">
+                <a:hueOff val="0"/>
+                <a:satOff val="0"/>
+                <a:lumOff val="0"/>
+                <a:alphaOff val="0"/>
+                <a:satMod val="110000"/>
+                <a:lumMod val="100000"/>
+                <a:shade val="100000"/>
+              </a:schemeClr>
+            </a:gs>
+            <a:gs pos="100000">
+              <a:schemeClr val="accent1">
+                <a:hueOff val="0"/>
+                <a:satOff val="0"/>
+                <a:lumOff val="0"/>
+                <a:alphaOff val="0"/>
+                <a:lumMod val="99000"/>
+                <a:satMod val="120000"/>
+                <a:shade val="78000"/>
+              </a:schemeClr>
+            </a:gs>
+          </a:gsLst>
+          <a:lin ang="5400000" scaled="0"/>
+        </a:gradFill>
+        <a:ln w="6350" cap="flat" cmpd="sng" algn="ctr">
           <a:solidFill>
-            <a:schemeClr val="accent5"/>
+            <a:schemeClr val="accent1">
+              <a:hueOff val="0"/>
+              <a:satOff val="0"/>
+              <a:lumOff val="0"/>
+              <a:alphaOff val="0"/>
+            </a:schemeClr>
           </a:solidFill>
           <a:prstDash val="solid"/>
           <a:miter lim="800000"/>
         </a:ln>
-        <a:effectLst/>
+        <a:effectLst>
+          <a:outerShdw blurRad="57150" dist="19050" dir="5400000" algn="ctr" rotWithShape="0">
+            <a:srgbClr val="000000">
+              <a:alpha val="63000"/>
+            </a:srgbClr>
+          </a:outerShdw>
+        </a:effectLst>
       </dsp:spPr>
       <dsp:style>
-        <a:lnRef idx="2">
+        <a:lnRef idx="1">
           <a:scrgbClr r="0" g="0" b="0"/>
         </a:lnRef>
-        <a:fillRef idx="1">
+        <a:fillRef idx="3">
           <a:scrgbClr r="0" g="0" b="0"/>
         </a:fillRef>
-        <a:effectRef idx="0">
+        <a:effectRef idx="3">
           <a:scrgbClr r="0" g="0" b="0"/>
         </a:effectRef>
         <a:fontRef idx="minor">
@@ -3784,27 +3651,39 @@
           <a:avLst/>
         </a:prstGeom>
         <a:solidFill>
-          <a:schemeClr val="accent1">
-            <a:lumMod val="20000"/>
-            <a:lumOff val="80000"/>
+          <a:schemeClr val="accent4">
             <a:alpha val="90000"/>
+            <a:tint val="40000"/>
+            <a:hueOff val="0"/>
+            <a:satOff val="0"/>
+            <a:lumOff val="0"/>
+            <a:alphaOff val="0"/>
           </a:schemeClr>
         </a:solidFill>
-        <a:ln w="12700" cap="flat" cmpd="sng" algn="ctr">
-          <a:noFill/>
+        <a:ln w="6350" cap="flat" cmpd="sng" algn="ctr">
+          <a:solidFill>
+            <a:schemeClr val="accent4">
+              <a:alpha val="90000"/>
+              <a:tint val="40000"/>
+              <a:hueOff val="0"/>
+              <a:satOff val="0"/>
+              <a:lumOff val="0"/>
+              <a:alphaOff val="0"/>
+            </a:schemeClr>
+          </a:solidFill>
           <a:prstDash val="solid"/>
           <a:miter lim="800000"/>
         </a:ln>
         <a:effectLst/>
       </dsp:spPr>
       <dsp:style>
-        <a:lnRef idx="2">
+        <a:lnRef idx="1">
           <a:scrgbClr r="0" g="0" b="0"/>
         </a:lnRef>
         <a:fillRef idx="1">
           <a:scrgbClr r="0" g="0" b="0"/>
         </a:fillRef>
-        <a:effectRef idx="0">
+        <a:effectRef idx="2">
           <a:scrgbClr r="0" g="0" b="0"/>
         </a:effectRef>
         <a:fontRef idx="minor"/>
@@ -3852,24 +3731,72 @@
         <a:prstGeom prst="ellipse">
           <a:avLst/>
         </a:prstGeom>
-        <a:solidFill>
-          <a:schemeClr val="accent1"/>
-        </a:solidFill>
-        <a:ln w="12700" cap="flat" cmpd="sng" algn="ctr">
-          <a:noFill/>
+        <a:gradFill rotWithShape="0">
+          <a:gsLst>
+            <a:gs pos="0">
+              <a:schemeClr val="accent4">
+                <a:hueOff val="0"/>
+                <a:satOff val="0"/>
+                <a:lumOff val="0"/>
+                <a:alphaOff val="0"/>
+                <a:satMod val="103000"/>
+                <a:lumMod val="102000"/>
+                <a:tint val="94000"/>
+              </a:schemeClr>
+            </a:gs>
+            <a:gs pos="50000">
+              <a:schemeClr val="accent4">
+                <a:hueOff val="0"/>
+                <a:satOff val="0"/>
+                <a:lumOff val="0"/>
+                <a:alphaOff val="0"/>
+                <a:satMod val="110000"/>
+                <a:lumMod val="100000"/>
+                <a:shade val="100000"/>
+              </a:schemeClr>
+            </a:gs>
+            <a:gs pos="100000">
+              <a:schemeClr val="accent4">
+                <a:hueOff val="0"/>
+                <a:satOff val="0"/>
+                <a:lumOff val="0"/>
+                <a:alphaOff val="0"/>
+                <a:lumMod val="99000"/>
+                <a:satMod val="120000"/>
+                <a:shade val="78000"/>
+              </a:schemeClr>
+            </a:gs>
+          </a:gsLst>
+          <a:lin ang="5400000" scaled="0"/>
+        </a:gradFill>
+        <a:ln w="6350" cap="flat" cmpd="sng" algn="ctr">
+          <a:solidFill>
+            <a:schemeClr val="accent4">
+              <a:hueOff val="0"/>
+              <a:satOff val="0"/>
+              <a:lumOff val="0"/>
+              <a:alphaOff val="0"/>
+            </a:schemeClr>
+          </a:solidFill>
           <a:prstDash val="solid"/>
           <a:miter lim="800000"/>
         </a:ln>
-        <a:effectLst/>
+        <a:effectLst>
+          <a:outerShdw blurRad="57150" dist="19050" dir="5400000" algn="ctr" rotWithShape="0">
+            <a:srgbClr val="000000">
+              <a:alpha val="63000"/>
+            </a:srgbClr>
+          </a:outerShdw>
+        </a:effectLst>
       </dsp:spPr>
       <dsp:style>
-        <a:lnRef idx="2">
+        <a:lnRef idx="1">
           <a:scrgbClr r="0" g="0" b="0"/>
         </a:lnRef>
-        <a:fillRef idx="1">
+        <a:fillRef idx="3">
           <a:scrgbClr r="0" g="0" b="0"/>
         </a:fillRef>
-        <a:effectRef idx="0">
+        <a:effectRef idx="3">
           <a:scrgbClr r="0" g="0" b="0"/>
         </a:effectRef>
         <a:fontRef idx="minor">
@@ -3919,31 +3846,72 @@
         <a:prstGeom prst="rect">
           <a:avLst/>
         </a:prstGeom>
-        <a:solidFill>
-          <a:schemeClr val="accent3">
-            <a:hueOff val="0"/>
-            <a:satOff val="0"/>
-            <a:lumOff val="0"/>
-            <a:alphaOff val="0"/>
-          </a:schemeClr>
-        </a:solidFill>
-        <a:ln w="12700" cap="flat" cmpd="sng" algn="ctr">
+        <a:gradFill rotWithShape="0">
+          <a:gsLst>
+            <a:gs pos="0">
+              <a:schemeClr val="accent4">
+                <a:hueOff val="0"/>
+                <a:satOff val="0"/>
+                <a:lumOff val="0"/>
+                <a:alphaOff val="0"/>
+                <a:satMod val="103000"/>
+                <a:lumMod val="102000"/>
+                <a:tint val="94000"/>
+              </a:schemeClr>
+            </a:gs>
+            <a:gs pos="50000">
+              <a:schemeClr val="accent4">
+                <a:hueOff val="0"/>
+                <a:satOff val="0"/>
+                <a:lumOff val="0"/>
+                <a:alphaOff val="0"/>
+                <a:satMod val="110000"/>
+                <a:lumMod val="100000"/>
+                <a:shade val="100000"/>
+              </a:schemeClr>
+            </a:gs>
+            <a:gs pos="100000">
+              <a:schemeClr val="accent4">
+                <a:hueOff val="0"/>
+                <a:satOff val="0"/>
+                <a:lumOff val="0"/>
+                <a:alphaOff val="0"/>
+                <a:lumMod val="99000"/>
+                <a:satMod val="120000"/>
+                <a:shade val="78000"/>
+              </a:schemeClr>
+            </a:gs>
+          </a:gsLst>
+          <a:lin ang="5400000" scaled="0"/>
+        </a:gradFill>
+        <a:ln w="6350" cap="flat" cmpd="sng" algn="ctr">
           <a:solidFill>
-            <a:schemeClr val="accent1"/>
+            <a:schemeClr val="accent4">
+              <a:hueOff val="0"/>
+              <a:satOff val="0"/>
+              <a:lumOff val="0"/>
+              <a:alphaOff val="0"/>
+            </a:schemeClr>
           </a:solidFill>
           <a:prstDash val="solid"/>
           <a:miter lim="800000"/>
         </a:ln>
-        <a:effectLst/>
+        <a:effectLst>
+          <a:outerShdw blurRad="57150" dist="19050" dir="5400000" algn="ctr" rotWithShape="0">
+            <a:srgbClr val="000000">
+              <a:alpha val="63000"/>
+            </a:srgbClr>
+          </a:outerShdw>
+        </a:effectLst>
       </dsp:spPr>
       <dsp:style>
-        <a:lnRef idx="2">
+        <a:lnRef idx="1">
           <a:scrgbClr r="0" g="0" b="0"/>
         </a:lnRef>
-        <a:fillRef idx="1">
+        <a:fillRef idx="3">
           <a:scrgbClr r="0" g="0" b="0"/>
         </a:fillRef>
-        <a:effectRef idx="0">
+        <a:effectRef idx="3">
           <a:scrgbClr r="0" g="0" b="0"/>
         </a:effectRef>
         <a:fontRef idx="minor">
@@ -3965,27 +3933,39 @@
           <a:avLst/>
         </a:prstGeom>
         <a:solidFill>
-          <a:schemeClr val="accent2">
-            <a:lumMod val="20000"/>
-            <a:lumOff val="80000"/>
+          <a:schemeClr val="accent4">
             <a:alpha val="90000"/>
+            <a:tint val="40000"/>
+            <a:hueOff val="0"/>
+            <a:satOff val="0"/>
+            <a:lumOff val="0"/>
+            <a:alphaOff val="0"/>
           </a:schemeClr>
         </a:solidFill>
-        <a:ln w="12700" cap="flat" cmpd="sng" algn="ctr">
-          <a:noFill/>
+        <a:ln w="6350" cap="flat" cmpd="sng" algn="ctr">
+          <a:solidFill>
+            <a:schemeClr val="accent4">
+              <a:alpha val="90000"/>
+              <a:tint val="40000"/>
+              <a:hueOff val="0"/>
+              <a:satOff val="0"/>
+              <a:lumOff val="0"/>
+              <a:alphaOff val="0"/>
+            </a:schemeClr>
+          </a:solidFill>
           <a:prstDash val="solid"/>
           <a:miter lim="800000"/>
         </a:ln>
         <a:effectLst/>
       </dsp:spPr>
       <dsp:style>
-        <a:lnRef idx="2">
+        <a:lnRef idx="1">
           <a:scrgbClr r="0" g="0" b="0"/>
         </a:lnRef>
         <a:fillRef idx="1">
           <a:scrgbClr r="0" g="0" b="0"/>
         </a:fillRef>
-        <a:effectRef idx="0">
+        <a:effectRef idx="2">
           <a:scrgbClr r="0" g="0" b="0"/>
         </a:effectRef>
         <a:fontRef idx="minor"/>
@@ -4033,24 +4013,72 @@
         <a:prstGeom prst="ellipse">
           <a:avLst/>
         </a:prstGeom>
-        <a:solidFill>
-          <a:schemeClr val="accent2"/>
-        </a:solidFill>
-        <a:ln w="12700" cap="flat" cmpd="sng" algn="ctr">
-          <a:noFill/>
+        <a:gradFill rotWithShape="0">
+          <a:gsLst>
+            <a:gs pos="0">
+              <a:schemeClr val="accent4">
+                <a:hueOff val="0"/>
+                <a:satOff val="0"/>
+                <a:lumOff val="0"/>
+                <a:alphaOff val="0"/>
+                <a:satMod val="103000"/>
+                <a:lumMod val="102000"/>
+                <a:tint val="94000"/>
+              </a:schemeClr>
+            </a:gs>
+            <a:gs pos="50000">
+              <a:schemeClr val="accent4">
+                <a:hueOff val="0"/>
+                <a:satOff val="0"/>
+                <a:lumOff val="0"/>
+                <a:alphaOff val="0"/>
+                <a:satMod val="110000"/>
+                <a:lumMod val="100000"/>
+                <a:shade val="100000"/>
+              </a:schemeClr>
+            </a:gs>
+            <a:gs pos="100000">
+              <a:schemeClr val="accent4">
+                <a:hueOff val="0"/>
+                <a:satOff val="0"/>
+                <a:lumOff val="0"/>
+                <a:alphaOff val="0"/>
+                <a:lumMod val="99000"/>
+                <a:satMod val="120000"/>
+                <a:shade val="78000"/>
+              </a:schemeClr>
+            </a:gs>
+          </a:gsLst>
+          <a:lin ang="5400000" scaled="0"/>
+        </a:gradFill>
+        <a:ln w="6350" cap="flat" cmpd="sng" algn="ctr">
+          <a:solidFill>
+            <a:schemeClr val="accent4">
+              <a:hueOff val="0"/>
+              <a:satOff val="0"/>
+              <a:lumOff val="0"/>
+              <a:alphaOff val="0"/>
+            </a:schemeClr>
+          </a:solidFill>
           <a:prstDash val="solid"/>
           <a:miter lim="800000"/>
         </a:ln>
-        <a:effectLst/>
+        <a:effectLst>
+          <a:outerShdw blurRad="57150" dist="19050" dir="5400000" algn="ctr" rotWithShape="0">
+            <a:srgbClr val="000000">
+              <a:alpha val="63000"/>
+            </a:srgbClr>
+          </a:outerShdw>
+        </a:effectLst>
       </dsp:spPr>
       <dsp:style>
-        <a:lnRef idx="2">
+        <a:lnRef idx="1">
           <a:scrgbClr r="0" g="0" b="0"/>
         </a:lnRef>
-        <a:fillRef idx="1">
+        <a:fillRef idx="3">
           <a:scrgbClr r="0" g="0" b="0"/>
         </a:fillRef>
-        <a:effectRef idx="0">
+        <a:effectRef idx="3">
           <a:scrgbClr r="0" g="0" b="0"/>
         </a:effectRef>
         <a:fontRef idx="minor">
@@ -4100,31 +4128,72 @@
         <a:prstGeom prst="rect">
           <a:avLst/>
         </a:prstGeom>
-        <a:solidFill>
-          <a:schemeClr val="accent5">
-            <a:hueOff val="0"/>
-            <a:satOff val="0"/>
-            <a:lumOff val="0"/>
-            <a:alphaOff val="0"/>
-          </a:schemeClr>
-        </a:solidFill>
-        <a:ln w="12700" cap="flat" cmpd="sng" algn="ctr">
+        <a:gradFill rotWithShape="0">
+          <a:gsLst>
+            <a:gs pos="0">
+              <a:schemeClr val="accent4">
+                <a:hueOff val="0"/>
+                <a:satOff val="0"/>
+                <a:lumOff val="0"/>
+                <a:alphaOff val="0"/>
+                <a:satMod val="103000"/>
+                <a:lumMod val="102000"/>
+                <a:tint val="94000"/>
+              </a:schemeClr>
+            </a:gs>
+            <a:gs pos="50000">
+              <a:schemeClr val="accent4">
+                <a:hueOff val="0"/>
+                <a:satOff val="0"/>
+                <a:lumOff val="0"/>
+                <a:alphaOff val="0"/>
+                <a:satMod val="110000"/>
+                <a:lumMod val="100000"/>
+                <a:shade val="100000"/>
+              </a:schemeClr>
+            </a:gs>
+            <a:gs pos="100000">
+              <a:schemeClr val="accent4">
+                <a:hueOff val="0"/>
+                <a:satOff val="0"/>
+                <a:lumOff val="0"/>
+                <a:alphaOff val="0"/>
+                <a:lumMod val="99000"/>
+                <a:satMod val="120000"/>
+                <a:shade val="78000"/>
+              </a:schemeClr>
+            </a:gs>
+          </a:gsLst>
+          <a:lin ang="5400000" scaled="0"/>
+        </a:gradFill>
+        <a:ln w="6350" cap="flat" cmpd="sng" algn="ctr">
           <a:solidFill>
-            <a:schemeClr val="accent2"/>
+            <a:schemeClr val="accent4">
+              <a:hueOff val="0"/>
+              <a:satOff val="0"/>
+              <a:lumOff val="0"/>
+              <a:alphaOff val="0"/>
+            </a:schemeClr>
           </a:solidFill>
           <a:prstDash val="solid"/>
           <a:miter lim="800000"/>
         </a:ln>
-        <a:effectLst/>
+        <a:effectLst>
+          <a:outerShdw blurRad="57150" dist="19050" dir="5400000" algn="ctr" rotWithShape="0">
+            <a:srgbClr val="000000">
+              <a:alpha val="63000"/>
+            </a:srgbClr>
+          </a:outerShdw>
+        </a:effectLst>
       </dsp:spPr>
       <dsp:style>
-        <a:lnRef idx="2">
+        <a:lnRef idx="1">
           <a:scrgbClr r="0" g="0" b="0"/>
         </a:lnRef>
-        <a:fillRef idx="1">
+        <a:fillRef idx="3">
           <a:scrgbClr r="0" g="0" b="0"/>
         </a:fillRef>
-        <a:effectRef idx="0">
+        <a:effectRef idx="3">
           <a:scrgbClr r="0" g="0" b="0"/>
         </a:effectRef>
         <a:fontRef idx="minor">
@@ -4147,26 +4216,38 @@
         </a:prstGeom>
         <a:solidFill>
           <a:schemeClr val="accent4">
-            <a:lumMod val="20000"/>
-            <a:lumOff val="80000"/>
             <a:alpha val="90000"/>
+            <a:tint val="40000"/>
+            <a:hueOff val="0"/>
+            <a:satOff val="0"/>
+            <a:lumOff val="0"/>
+            <a:alphaOff val="0"/>
           </a:schemeClr>
         </a:solidFill>
-        <a:ln w="12700" cap="flat" cmpd="sng" algn="ctr">
-          <a:noFill/>
+        <a:ln w="6350" cap="flat" cmpd="sng" algn="ctr">
+          <a:solidFill>
+            <a:schemeClr val="accent4">
+              <a:alpha val="90000"/>
+              <a:tint val="40000"/>
+              <a:hueOff val="0"/>
+              <a:satOff val="0"/>
+              <a:lumOff val="0"/>
+              <a:alphaOff val="0"/>
+            </a:schemeClr>
+          </a:solidFill>
           <a:prstDash val="solid"/>
           <a:miter lim="800000"/>
         </a:ln>
         <a:effectLst/>
       </dsp:spPr>
       <dsp:style>
-        <a:lnRef idx="2">
+        <a:lnRef idx="1">
           <a:scrgbClr r="0" g="0" b="0"/>
         </a:lnRef>
         <a:fillRef idx="1">
           <a:scrgbClr r="0" g="0" b="0"/>
         </a:fillRef>
-        <a:effectRef idx="0">
+        <a:effectRef idx="2">
           <a:scrgbClr r="0" g="0" b="0"/>
         </a:effectRef>
         <a:fontRef idx="minor"/>
@@ -4214,24 +4295,72 @@
         <a:prstGeom prst="ellipse">
           <a:avLst/>
         </a:prstGeom>
-        <a:solidFill>
-          <a:schemeClr val="accent4"/>
-        </a:solidFill>
-        <a:ln w="12700" cap="flat" cmpd="sng" algn="ctr">
-          <a:noFill/>
+        <a:gradFill rotWithShape="0">
+          <a:gsLst>
+            <a:gs pos="0">
+              <a:schemeClr val="accent4">
+                <a:hueOff val="0"/>
+                <a:satOff val="0"/>
+                <a:lumOff val="0"/>
+                <a:alphaOff val="0"/>
+                <a:satMod val="103000"/>
+                <a:lumMod val="102000"/>
+                <a:tint val="94000"/>
+              </a:schemeClr>
+            </a:gs>
+            <a:gs pos="50000">
+              <a:schemeClr val="accent4">
+                <a:hueOff val="0"/>
+                <a:satOff val="0"/>
+                <a:lumOff val="0"/>
+                <a:alphaOff val="0"/>
+                <a:satMod val="110000"/>
+                <a:lumMod val="100000"/>
+                <a:shade val="100000"/>
+              </a:schemeClr>
+            </a:gs>
+            <a:gs pos="100000">
+              <a:schemeClr val="accent4">
+                <a:hueOff val="0"/>
+                <a:satOff val="0"/>
+                <a:lumOff val="0"/>
+                <a:alphaOff val="0"/>
+                <a:lumMod val="99000"/>
+                <a:satMod val="120000"/>
+                <a:shade val="78000"/>
+              </a:schemeClr>
+            </a:gs>
+          </a:gsLst>
+          <a:lin ang="5400000" scaled="0"/>
+        </a:gradFill>
+        <a:ln w="6350" cap="flat" cmpd="sng" algn="ctr">
+          <a:solidFill>
+            <a:schemeClr val="accent4">
+              <a:hueOff val="0"/>
+              <a:satOff val="0"/>
+              <a:lumOff val="0"/>
+              <a:alphaOff val="0"/>
+            </a:schemeClr>
+          </a:solidFill>
           <a:prstDash val="solid"/>
           <a:miter lim="800000"/>
         </a:ln>
-        <a:effectLst/>
+        <a:effectLst>
+          <a:outerShdw blurRad="57150" dist="19050" dir="5400000" algn="ctr" rotWithShape="0">
+            <a:srgbClr val="000000">
+              <a:alpha val="63000"/>
+            </a:srgbClr>
+          </a:outerShdw>
+        </a:effectLst>
       </dsp:spPr>
       <dsp:style>
-        <a:lnRef idx="2">
+        <a:lnRef idx="1">
           <a:scrgbClr r="0" g="0" b="0"/>
         </a:lnRef>
-        <a:fillRef idx="1">
+        <a:fillRef idx="3">
           <a:scrgbClr r="0" g="0" b="0"/>
         </a:fillRef>
-        <a:effectRef idx="0">
+        <a:effectRef idx="3">
           <a:scrgbClr r="0" g="0" b="0"/>
         </a:effectRef>
         <a:fontRef idx="minor">
@@ -4281,26 +4410,72 @@
         <a:prstGeom prst="rect">
           <a:avLst/>
         </a:prstGeom>
-        <a:solidFill>
-          <a:schemeClr val="accent4"/>
-        </a:solidFill>
-        <a:ln w="12700" cap="flat" cmpd="sng" algn="ctr">
+        <a:gradFill rotWithShape="0">
+          <a:gsLst>
+            <a:gs pos="0">
+              <a:schemeClr val="accent4">
+                <a:hueOff val="0"/>
+                <a:satOff val="0"/>
+                <a:lumOff val="0"/>
+                <a:alphaOff val="0"/>
+                <a:satMod val="103000"/>
+                <a:lumMod val="102000"/>
+                <a:tint val="94000"/>
+              </a:schemeClr>
+            </a:gs>
+            <a:gs pos="50000">
+              <a:schemeClr val="accent4">
+                <a:hueOff val="0"/>
+                <a:satOff val="0"/>
+                <a:lumOff val="0"/>
+                <a:alphaOff val="0"/>
+                <a:satMod val="110000"/>
+                <a:lumMod val="100000"/>
+                <a:shade val="100000"/>
+              </a:schemeClr>
+            </a:gs>
+            <a:gs pos="100000">
+              <a:schemeClr val="accent4">
+                <a:hueOff val="0"/>
+                <a:satOff val="0"/>
+                <a:lumOff val="0"/>
+                <a:alphaOff val="0"/>
+                <a:lumMod val="99000"/>
+                <a:satMod val="120000"/>
+                <a:shade val="78000"/>
+              </a:schemeClr>
+            </a:gs>
+          </a:gsLst>
+          <a:lin ang="5400000" scaled="0"/>
+        </a:gradFill>
+        <a:ln w="6350" cap="flat" cmpd="sng" algn="ctr">
           <a:solidFill>
-            <a:schemeClr val="accent4"/>
+            <a:schemeClr val="accent4">
+              <a:hueOff val="0"/>
+              <a:satOff val="0"/>
+              <a:lumOff val="0"/>
+              <a:alphaOff val="0"/>
+            </a:schemeClr>
           </a:solidFill>
           <a:prstDash val="solid"/>
           <a:miter lim="800000"/>
         </a:ln>
-        <a:effectLst/>
+        <a:effectLst>
+          <a:outerShdw blurRad="57150" dist="19050" dir="5400000" algn="ctr" rotWithShape="0">
+            <a:srgbClr val="000000">
+              <a:alpha val="63000"/>
+            </a:srgbClr>
+          </a:outerShdw>
+        </a:effectLst>
       </dsp:spPr>
       <dsp:style>
-        <a:lnRef idx="2">
+        <a:lnRef idx="1">
           <a:scrgbClr r="0" g="0" b="0"/>
         </a:lnRef>
-        <a:fillRef idx="1">
+        <a:fillRef idx="3">
           <a:scrgbClr r="0" g="0" b="0"/>
         </a:fillRef>
-        <a:effectRef idx="0">
+        <a:effectRef idx="3">
           <a:scrgbClr r="0" g="0" b="0"/>
         </a:effectRef>
         <a:fontRef idx="minor">
@@ -4322,27 +4497,39 @@
           <a:avLst/>
         </a:prstGeom>
         <a:solidFill>
-          <a:schemeClr val="accent5">
-            <a:lumMod val="20000"/>
-            <a:lumOff val="80000"/>
+          <a:schemeClr val="accent4">
             <a:alpha val="90000"/>
+            <a:tint val="40000"/>
+            <a:hueOff val="0"/>
+            <a:satOff val="0"/>
+            <a:lumOff val="0"/>
+            <a:alphaOff val="0"/>
           </a:schemeClr>
         </a:solidFill>
-        <a:ln w="12700" cap="flat" cmpd="sng" algn="ctr">
-          <a:noFill/>
+        <a:ln w="6350" cap="flat" cmpd="sng" algn="ctr">
+          <a:solidFill>
+            <a:schemeClr val="accent4">
+              <a:alpha val="90000"/>
+              <a:tint val="40000"/>
+              <a:hueOff val="0"/>
+              <a:satOff val="0"/>
+              <a:lumOff val="0"/>
+              <a:alphaOff val="0"/>
+            </a:schemeClr>
+          </a:solidFill>
           <a:prstDash val="solid"/>
           <a:miter lim="800000"/>
         </a:ln>
         <a:effectLst/>
       </dsp:spPr>
       <dsp:style>
-        <a:lnRef idx="2">
+        <a:lnRef idx="1">
           <a:scrgbClr r="0" g="0" b="0"/>
         </a:lnRef>
         <a:fillRef idx="1">
           <a:scrgbClr r="0" g="0" b="0"/>
         </a:fillRef>
-        <a:effectRef idx="0">
+        <a:effectRef idx="2">
           <a:scrgbClr r="0" g="0" b="0"/>
         </a:effectRef>
         <a:fontRef idx="minor"/>
@@ -4390,24 +4577,72 @@
         <a:prstGeom prst="ellipse">
           <a:avLst/>
         </a:prstGeom>
-        <a:solidFill>
-          <a:schemeClr val="accent5"/>
-        </a:solidFill>
-        <a:ln w="12700" cap="flat" cmpd="sng" algn="ctr">
-          <a:noFill/>
+        <a:gradFill rotWithShape="0">
+          <a:gsLst>
+            <a:gs pos="0">
+              <a:schemeClr val="accent4">
+                <a:hueOff val="0"/>
+                <a:satOff val="0"/>
+                <a:lumOff val="0"/>
+                <a:alphaOff val="0"/>
+                <a:satMod val="103000"/>
+                <a:lumMod val="102000"/>
+                <a:tint val="94000"/>
+              </a:schemeClr>
+            </a:gs>
+            <a:gs pos="50000">
+              <a:schemeClr val="accent4">
+                <a:hueOff val="0"/>
+                <a:satOff val="0"/>
+                <a:lumOff val="0"/>
+                <a:alphaOff val="0"/>
+                <a:satMod val="110000"/>
+                <a:lumMod val="100000"/>
+                <a:shade val="100000"/>
+              </a:schemeClr>
+            </a:gs>
+            <a:gs pos="100000">
+              <a:schemeClr val="accent4">
+                <a:hueOff val="0"/>
+                <a:satOff val="0"/>
+                <a:lumOff val="0"/>
+                <a:alphaOff val="0"/>
+                <a:lumMod val="99000"/>
+                <a:satMod val="120000"/>
+                <a:shade val="78000"/>
+              </a:schemeClr>
+            </a:gs>
+          </a:gsLst>
+          <a:lin ang="5400000" scaled="0"/>
+        </a:gradFill>
+        <a:ln w="6350" cap="flat" cmpd="sng" algn="ctr">
+          <a:solidFill>
+            <a:schemeClr val="accent4">
+              <a:hueOff val="0"/>
+              <a:satOff val="0"/>
+              <a:lumOff val="0"/>
+              <a:alphaOff val="0"/>
+            </a:schemeClr>
+          </a:solidFill>
           <a:prstDash val="solid"/>
           <a:miter lim="800000"/>
         </a:ln>
-        <a:effectLst/>
+        <a:effectLst>
+          <a:outerShdw blurRad="57150" dist="19050" dir="5400000" algn="ctr" rotWithShape="0">
+            <a:srgbClr val="000000">
+              <a:alpha val="63000"/>
+            </a:srgbClr>
+          </a:outerShdw>
+        </a:effectLst>
       </dsp:spPr>
       <dsp:style>
-        <a:lnRef idx="2">
+        <a:lnRef idx="1">
           <a:scrgbClr r="0" g="0" b="0"/>
         </a:lnRef>
-        <a:fillRef idx="1">
+        <a:fillRef idx="3">
           <a:scrgbClr r="0" g="0" b="0"/>
         </a:fillRef>
-        <a:effectRef idx="0">
+        <a:effectRef idx="3">
           <a:scrgbClr r="0" g="0" b="0"/>
         </a:effectRef>
         <a:fontRef idx="minor">
@@ -4457,31 +4692,72 @@
         <a:prstGeom prst="rect">
           <a:avLst/>
         </a:prstGeom>
-        <a:solidFill>
-          <a:schemeClr val="accent4">
-            <a:hueOff val="0"/>
-            <a:satOff val="0"/>
-            <a:lumOff val="0"/>
-            <a:alphaOff val="0"/>
-          </a:schemeClr>
-        </a:solidFill>
-        <a:ln w="12700" cap="flat" cmpd="sng" algn="ctr">
+        <a:gradFill rotWithShape="0">
+          <a:gsLst>
+            <a:gs pos="0">
+              <a:schemeClr val="accent4">
+                <a:hueOff val="0"/>
+                <a:satOff val="0"/>
+                <a:lumOff val="0"/>
+                <a:alphaOff val="0"/>
+                <a:satMod val="103000"/>
+                <a:lumMod val="102000"/>
+                <a:tint val="94000"/>
+              </a:schemeClr>
+            </a:gs>
+            <a:gs pos="50000">
+              <a:schemeClr val="accent4">
+                <a:hueOff val="0"/>
+                <a:satOff val="0"/>
+                <a:lumOff val="0"/>
+                <a:alphaOff val="0"/>
+                <a:satMod val="110000"/>
+                <a:lumMod val="100000"/>
+                <a:shade val="100000"/>
+              </a:schemeClr>
+            </a:gs>
+            <a:gs pos="100000">
+              <a:schemeClr val="accent4">
+                <a:hueOff val="0"/>
+                <a:satOff val="0"/>
+                <a:lumOff val="0"/>
+                <a:alphaOff val="0"/>
+                <a:lumMod val="99000"/>
+                <a:satMod val="120000"/>
+                <a:shade val="78000"/>
+              </a:schemeClr>
+            </a:gs>
+          </a:gsLst>
+          <a:lin ang="5400000" scaled="0"/>
+        </a:gradFill>
+        <a:ln w="6350" cap="flat" cmpd="sng" algn="ctr">
           <a:solidFill>
-            <a:schemeClr val="accent5"/>
+            <a:schemeClr val="accent4">
+              <a:hueOff val="0"/>
+              <a:satOff val="0"/>
+              <a:lumOff val="0"/>
+              <a:alphaOff val="0"/>
+            </a:schemeClr>
           </a:solidFill>
           <a:prstDash val="solid"/>
           <a:miter lim="800000"/>
         </a:ln>
-        <a:effectLst/>
+        <a:effectLst>
+          <a:outerShdw blurRad="57150" dist="19050" dir="5400000" algn="ctr" rotWithShape="0">
+            <a:srgbClr val="000000">
+              <a:alpha val="63000"/>
+            </a:srgbClr>
+          </a:outerShdw>
+        </a:effectLst>
       </dsp:spPr>
       <dsp:style>
-        <a:lnRef idx="2">
+        <a:lnRef idx="1">
           <a:scrgbClr r="0" g="0" b="0"/>
         </a:lnRef>
-        <a:fillRef idx="1">
+        <a:fillRef idx="3">
           <a:scrgbClr r="0" g="0" b="0"/>
         </a:fillRef>
-        <a:effectRef idx="0">
+        <a:effectRef idx="3">
           <a:scrgbClr r="0" g="0" b="0"/>
         </a:effectRef>
         <a:fontRef idx="minor">
@@ -5054,11 +5330,11 @@
 </file>
 
 <file path=ppt/diagrams/quickStyle1.xml><?xml version="1.0" encoding="utf-8"?>
-<dgm:styleDef xmlns:dgm="http://schemas.openxmlformats.org/drawingml/2006/diagram" xmlns:a="http://schemas.openxmlformats.org/drawingml/2006/main" uniqueId="urn:microsoft.com/office/officeart/2005/8/quickstyle/simple1">
+<dgm:styleDef xmlns:dgm="http://schemas.openxmlformats.org/drawingml/2006/diagram" xmlns:a="http://schemas.openxmlformats.org/drawingml/2006/main" uniqueId="urn:microsoft.com/office/officeart/2005/8/quickstyle/simple5">
   <dgm:title val=""/>
   <dgm:desc val=""/>
   <dgm:catLst>
-    <dgm:cat type="simple" pri="10100"/>
+    <dgm:cat type="simple" pri="10500"/>
   </dgm:catLst>
   <dgm:scene3d>
     <a:camera prst="orthographicFront"/>
@@ -5072,13 +5348,13 @@
     <dgm:sp3d/>
     <dgm:txPr/>
     <dgm:style>
-      <a:lnRef idx="2">
+      <a:lnRef idx="0">
         <a:scrgbClr r="0" g="0" b="0"/>
       </a:lnRef>
-      <a:fillRef idx="1">
+      <a:fillRef idx="3">
         <a:scrgbClr r="0" g="0" b="0"/>
       </a:fillRef>
-      <a:effectRef idx="0">
+      <a:effectRef idx="3">
         <a:scrgbClr r="0" g="0" b="0"/>
       </a:effectRef>
       <a:fontRef idx="minor">
@@ -5094,13 +5370,13 @@
     <dgm:sp3d/>
     <dgm:txPr/>
     <dgm:style>
-      <a:lnRef idx="2">
+      <a:lnRef idx="0">
         <a:scrgbClr r="0" g="0" b="0"/>
       </a:lnRef>
-      <a:fillRef idx="1">
+      <a:fillRef idx="3">
         <a:scrgbClr r="0" g="0" b="0"/>
       </a:fillRef>
-      <a:effectRef idx="0">
+      <a:effectRef idx="3">
         <a:scrgbClr r="0" g="0" b="0"/>
       </a:effectRef>
       <a:fontRef idx="minor">
@@ -5116,13 +5392,13 @@
     <dgm:sp3d/>
     <dgm:txPr/>
     <dgm:style>
-      <a:lnRef idx="2">
+      <a:lnRef idx="0">
         <a:scrgbClr r="0" g="0" b="0"/>
       </a:lnRef>
-      <a:fillRef idx="1">
+      <a:fillRef idx="3">
         <a:scrgbClr r="0" g="0" b="0"/>
       </a:fillRef>
-      <a:effectRef idx="0">
+      <a:effectRef idx="3">
         <a:scrgbClr r="0" g="0" b="0"/>
       </a:effectRef>
       <a:fontRef idx="minor">
@@ -5138,13 +5414,13 @@
     <dgm:sp3d/>
     <dgm:txPr/>
     <dgm:style>
-      <a:lnRef idx="2">
+      <a:lnRef idx="1">
         <a:scrgbClr r="0" g="0" b="0"/>
       </a:lnRef>
-      <a:fillRef idx="1">
+      <a:fillRef idx="3">
         <a:scrgbClr r="0" g="0" b="0"/>
       </a:fillRef>
-      <a:effectRef idx="0">
+      <a:effectRef idx="3">
         <a:scrgbClr r="0" g="0" b="0"/>
       </a:effectRef>
       <a:fontRef idx="minor">
@@ -5160,13 +5436,13 @@
     <dgm:sp3d/>
     <dgm:txPr/>
     <dgm:style>
-      <a:lnRef idx="2">
+      <a:lnRef idx="0">
         <a:scrgbClr r="0" g="0" b="0"/>
       </a:lnRef>
-      <a:fillRef idx="1">
+      <a:fillRef idx="3">
         <a:scrgbClr r="0" g="0" b="0"/>
       </a:fillRef>
-      <a:effectRef idx="0">
+      <a:effectRef idx="3">
         <a:scrgbClr r="0" g="0" b="0"/>
       </a:effectRef>
       <a:fontRef idx="minor">
@@ -5182,13 +5458,13 @@
     <dgm:sp3d/>
     <dgm:txPr/>
     <dgm:style>
-      <a:lnRef idx="2">
+      <a:lnRef idx="0">
         <a:scrgbClr r="0" g="0" b="0"/>
       </a:lnRef>
-      <a:fillRef idx="1">
+      <a:fillRef idx="3">
         <a:scrgbClr r="0" g="0" b="0"/>
       </a:fillRef>
-      <a:effectRef idx="0">
+      <a:effectRef idx="3">
         <a:scrgbClr r="0" g="0" b="0"/>
       </a:effectRef>
       <a:fontRef idx="minor">
@@ -5204,13 +5480,13 @@
     <dgm:sp3d/>
     <dgm:txPr/>
     <dgm:style>
-      <a:lnRef idx="2">
+      <a:lnRef idx="0">
         <a:scrgbClr r="0" g="0" b="0"/>
       </a:lnRef>
-      <a:fillRef idx="1">
+      <a:fillRef idx="3">
         <a:scrgbClr r="0" g="0" b="0"/>
       </a:fillRef>
-      <a:effectRef idx="0">
+      <a:effectRef idx="3">
         <a:scrgbClr r="0" g="0" b="0"/>
       </a:effectRef>
       <a:fontRef idx="minor">
@@ -5226,13 +5502,13 @@
     <dgm:sp3d/>
     <dgm:txPr/>
     <dgm:style>
-      <a:lnRef idx="2">
+      <a:lnRef idx="0">
         <a:scrgbClr r="0" g="0" b="0"/>
       </a:lnRef>
-      <a:fillRef idx="1">
+      <a:fillRef idx="3">
         <a:scrgbClr r="0" g="0" b="0"/>
       </a:fillRef>
-      <a:effectRef idx="0">
+      <a:effectRef idx="3">
         <a:scrgbClr r="0" g="0" b="0"/>
       </a:effectRef>
       <a:fontRef idx="minor">
@@ -5248,13 +5524,13 @@
     <dgm:sp3d/>
     <dgm:txPr/>
     <dgm:style>
-      <a:lnRef idx="2">
+      <a:lnRef idx="0">
         <a:scrgbClr r="0" g="0" b="0"/>
       </a:lnRef>
       <a:fillRef idx="1">
         <a:scrgbClr r="0" g="0" b="0"/>
       </a:fillRef>
-      <a:effectRef idx="0">
+      <a:effectRef idx="3">
         <a:scrgbClr r="0" g="0" b="0"/>
       </a:effectRef>
       <a:fontRef idx="minor"/>
@@ -5268,13 +5544,13 @@
     <dgm:sp3d/>
     <dgm:txPr/>
     <dgm:style>
-      <a:lnRef idx="2">
+      <a:lnRef idx="0">
         <a:scrgbClr r="0" g="0" b="0"/>
       </a:lnRef>
       <a:fillRef idx="1">
         <a:scrgbClr r="0" g="0" b="0"/>
       </a:fillRef>
-      <a:effectRef idx="0">
+      <a:effectRef idx="3">
         <a:scrgbClr r="0" g="0" b="0"/>
       </a:effectRef>
       <a:fontRef idx="minor"/>
@@ -5288,13 +5564,13 @@
     <dgm:sp3d/>
     <dgm:txPr/>
     <dgm:style>
-      <a:lnRef idx="2">
+      <a:lnRef idx="0">
         <a:scrgbClr r="0" g="0" b="0"/>
       </a:lnRef>
       <a:fillRef idx="1">
         <a:scrgbClr r="0" g="0" b="0"/>
       </a:fillRef>
-      <a:effectRef idx="0">
+      <a:effectRef idx="3">
         <a:scrgbClr r="0" g="0" b="0"/>
       </a:effectRef>
       <a:fontRef idx="minor"/>
@@ -5311,10 +5587,10 @@
       <a:lnRef idx="0">
         <a:scrgbClr r="0" g="0" b="0"/>
       </a:lnRef>
-      <a:fillRef idx="1">
+      <a:fillRef idx="3">
         <a:scrgbClr r="0" g="0" b="0"/>
       </a:fillRef>
-      <a:effectRef idx="0">
+      <a:effectRef idx="3">
         <a:scrgbClr r="0" g="0" b="0"/>
       </a:effectRef>
       <a:fontRef idx="minor">
@@ -5333,10 +5609,10 @@
       <a:lnRef idx="0">
         <a:scrgbClr r="0" g="0" b="0"/>
       </a:lnRef>
-      <a:fillRef idx="1">
+      <a:fillRef idx="3">
         <a:scrgbClr r="0" g="0" b="0"/>
       </a:fillRef>
-      <a:effectRef idx="0">
+      <a:effectRef idx="3">
         <a:scrgbClr r="0" g="0" b="0"/>
       </a:effectRef>
       <a:fontRef idx="minor">
@@ -5355,10 +5631,10 @@
       <a:lnRef idx="0">
         <a:scrgbClr r="0" g="0" b="0"/>
       </a:lnRef>
-      <a:fillRef idx="1">
+      <a:fillRef idx="3">
         <a:scrgbClr r="0" g="0" b="0"/>
       </a:fillRef>
-      <a:effectRef idx="0">
+      <a:effectRef idx="3">
         <a:scrgbClr r="0" g="0" b="0"/>
       </a:effectRef>
       <a:fontRef idx="minor">
@@ -5394,13 +5670,13 @@
     <dgm:sp3d/>
     <dgm:txPr/>
     <dgm:style>
-      <a:lnRef idx="2">
+      <a:lnRef idx="1">
         <a:scrgbClr r="0" g="0" b="0"/>
       </a:lnRef>
-      <a:fillRef idx="1">
+      <a:fillRef idx="0">
         <a:scrgbClr r="0" g="0" b="0"/>
       </a:fillRef>
-      <a:effectRef idx="0">
+      <a:effectRef idx="1">
         <a:scrgbClr r="0" g="0" b="0"/>
       </a:effectRef>
       <a:fontRef idx="minor"/>
@@ -5414,13 +5690,13 @@
     <dgm:sp3d/>
     <dgm:txPr/>
     <dgm:style>
-      <a:lnRef idx="2">
+      <a:lnRef idx="0">
         <a:scrgbClr r="0" g="0" b="0"/>
       </a:lnRef>
-      <a:fillRef idx="1">
+      <a:fillRef idx="3">
         <a:scrgbClr r="0" g="0" b="0"/>
       </a:fillRef>
-      <a:effectRef idx="0">
+      <a:effectRef idx="3">
         <a:scrgbClr r="0" g="0" b="0"/>
       </a:effectRef>
       <a:fontRef idx="minor">
@@ -5436,13 +5712,13 @@
     <dgm:sp3d/>
     <dgm:txPr/>
     <dgm:style>
-      <a:lnRef idx="2">
+      <a:lnRef idx="0">
         <a:scrgbClr r="0" g="0" b="0"/>
       </a:lnRef>
-      <a:fillRef idx="1">
+      <a:fillRef idx="3">
         <a:scrgbClr r="0" g="0" b="0"/>
       </a:fillRef>
-      <a:effectRef idx="0">
+      <a:effectRef idx="3">
         <a:scrgbClr r="0" g="0" b="0"/>
       </a:effectRef>
       <a:fontRef idx="minor">
@@ -5458,13 +5734,13 @@
     <dgm:sp3d/>
     <dgm:txPr/>
     <dgm:style>
-      <a:lnRef idx="2">
+      <a:lnRef idx="0">
         <a:scrgbClr r="0" g="0" b="0"/>
       </a:lnRef>
-      <a:fillRef idx="1">
+      <a:fillRef idx="3">
         <a:scrgbClr r="0" g="0" b="0"/>
       </a:fillRef>
-      <a:effectRef idx="0">
+      <a:effectRef idx="3">
         <a:scrgbClr r="0" g="0" b="0"/>
       </a:effectRef>
       <a:fontRef idx="minor">
@@ -5480,13 +5756,13 @@
     <dgm:sp3d/>
     <dgm:txPr/>
     <dgm:style>
-      <a:lnRef idx="2">
+      <a:lnRef idx="0">
         <a:scrgbClr r="0" g="0" b="0"/>
       </a:lnRef>
-      <a:fillRef idx="1">
+      <a:fillRef idx="3">
         <a:scrgbClr r="0" g="0" b="0"/>
       </a:fillRef>
-      <a:effectRef idx="0">
+      <a:effectRef idx="3">
         <a:scrgbClr r="0" g="0" b="0"/>
       </a:effectRef>
       <a:fontRef idx="minor">
@@ -5502,13 +5778,13 @@
     <dgm:sp3d/>
     <dgm:txPr/>
     <dgm:style>
-      <a:lnRef idx="2">
+      <a:lnRef idx="0">
         <a:scrgbClr r="0" g="0" b="0"/>
       </a:lnRef>
-      <a:fillRef idx="1">
+      <a:fillRef idx="3">
         <a:scrgbClr r="0" g="0" b="0"/>
       </a:fillRef>
-      <a:effectRef idx="0">
+      <a:effectRef idx="3">
         <a:scrgbClr r="0" g="0" b="0"/>
       </a:effectRef>
       <a:fontRef idx="minor">
@@ -5524,13 +5800,13 @@
     <dgm:sp3d/>
     <dgm:txPr/>
     <dgm:style>
-      <a:lnRef idx="2">
+      <a:lnRef idx="0">
         <a:scrgbClr r="0" g="0" b="0"/>
       </a:lnRef>
-      <a:fillRef idx="1">
+      <a:fillRef idx="3">
         <a:scrgbClr r="0" g="0" b="0"/>
       </a:fillRef>
-      <a:effectRef idx="0">
+      <a:effectRef idx="3">
         <a:scrgbClr r="0" g="0" b="0"/>
       </a:effectRef>
       <a:fontRef idx="minor">
@@ -5546,13 +5822,13 @@
     <dgm:sp3d/>
     <dgm:txPr/>
     <dgm:style>
-      <a:lnRef idx="2">
+      <a:lnRef idx="0">
         <a:scrgbClr r="0" g="0" b="0"/>
       </a:lnRef>
-      <a:fillRef idx="1">
+      <a:fillRef idx="3">
         <a:scrgbClr r="0" g="0" b="0"/>
       </a:fillRef>
-      <a:effectRef idx="0">
+      <a:effectRef idx="3">
         <a:scrgbClr r="0" g="0" b="0"/>
       </a:effectRef>
       <a:fontRef idx="minor">
@@ -5568,13 +5844,13 @@
     <dgm:sp3d/>
     <dgm:txPr/>
     <dgm:style>
-      <a:lnRef idx="2">
+      <a:lnRef idx="0">
         <a:scrgbClr r="0" g="0" b="0"/>
       </a:lnRef>
-      <a:fillRef idx="1">
+      <a:fillRef idx="3">
         <a:scrgbClr r="0" g="0" b="0"/>
       </a:fillRef>
-      <a:effectRef idx="0">
+      <a:effectRef idx="3">
         <a:scrgbClr r="0" g="0" b="0"/>
       </a:effectRef>
       <a:fontRef idx="minor">
@@ -5590,13 +5866,13 @@
     <dgm:sp3d/>
     <dgm:txPr/>
     <dgm:style>
-      <a:lnRef idx="2">
+      <a:lnRef idx="0">
         <a:scrgbClr r="0" g="0" b="0"/>
       </a:lnRef>
-      <a:fillRef idx="1">
+      <a:fillRef idx="3">
         <a:scrgbClr r="0" g="0" b="0"/>
       </a:fillRef>
-      <a:effectRef idx="0">
+      <a:effectRef idx="3">
         <a:scrgbClr r="0" g="0" b="0"/>
       </a:effectRef>
       <a:fontRef idx="minor">
@@ -5692,13 +5968,13 @@
     <dgm:sp3d/>
     <dgm:txPr/>
     <dgm:style>
-      <a:lnRef idx="2">
+      <a:lnRef idx="1">
         <a:scrgbClr r="0" g="0" b="0"/>
       </a:lnRef>
       <a:fillRef idx="1">
         <a:scrgbClr r="0" g="0" b="0"/>
       </a:fillRef>
-      <a:effectRef idx="0">
+      <a:effectRef idx="2">
         <a:scrgbClr r="0" g="0" b="0"/>
       </a:effectRef>
       <a:fontRef idx="minor"/>
@@ -5712,13 +5988,13 @@
     <dgm:sp3d/>
     <dgm:txPr/>
     <dgm:style>
-      <a:lnRef idx="2">
+      <a:lnRef idx="1">
         <a:scrgbClr r="0" g="0" b="0"/>
       </a:lnRef>
       <a:fillRef idx="1">
         <a:scrgbClr r="0" g="0" b="0"/>
       </a:fillRef>
-      <a:effectRef idx="0">
+      <a:effectRef idx="2">
         <a:scrgbClr r="0" g="0" b="0"/>
       </a:effectRef>
       <a:fontRef idx="minor"/>
@@ -5732,13 +6008,13 @@
     <dgm:sp3d/>
     <dgm:txPr/>
     <dgm:style>
-      <a:lnRef idx="2">
+      <a:lnRef idx="1">
         <a:scrgbClr r="0" g="0" b="0"/>
       </a:lnRef>
       <a:fillRef idx="1">
         <a:scrgbClr r="0" g="0" b="0"/>
       </a:fillRef>
-      <a:effectRef idx="0">
+      <a:effectRef idx="2">
         <a:scrgbClr r="0" g="0" b="0"/>
       </a:effectRef>
       <a:fontRef idx="minor"/>
@@ -5772,13 +6048,13 @@
     <dgm:sp3d/>
     <dgm:txPr/>
     <dgm:style>
-      <a:lnRef idx="2">
+      <a:lnRef idx="1">
         <a:scrgbClr r="0" g="0" b="0"/>
       </a:lnRef>
       <a:fillRef idx="1">
         <a:scrgbClr r="0" g="0" b="0"/>
       </a:fillRef>
-      <a:effectRef idx="0">
+      <a:effectRef idx="2">
         <a:scrgbClr r="0" g="0" b="0"/>
       </a:effectRef>
       <a:fontRef idx="minor"/>
@@ -5792,13 +6068,13 @@
     <dgm:sp3d/>
     <dgm:txPr/>
     <dgm:style>
-      <a:lnRef idx="2">
+      <a:lnRef idx="1">
         <a:scrgbClr r="0" g="0" b="0"/>
       </a:lnRef>
       <a:fillRef idx="1">
         <a:scrgbClr r="0" g="0" b="0"/>
       </a:fillRef>
-      <a:effectRef idx="0">
+      <a:effectRef idx="2">
         <a:scrgbClr r="0" g="0" b="0"/>
       </a:effectRef>
       <a:fontRef idx="minor"/>
@@ -5812,13 +6088,13 @@
     <dgm:sp3d/>
     <dgm:txPr/>
     <dgm:style>
-      <a:lnRef idx="2">
+      <a:lnRef idx="1">
         <a:scrgbClr r="0" g="0" b="0"/>
       </a:lnRef>
       <a:fillRef idx="1">
         <a:scrgbClr r="0" g="0" b="0"/>
       </a:fillRef>
-      <a:effectRef idx="0">
+      <a:effectRef idx="3">
         <a:scrgbClr r="0" g="0" b="0"/>
       </a:effectRef>
       <a:fontRef idx="minor"/>
@@ -5832,13 +6108,13 @@
     <dgm:sp3d/>
     <dgm:txPr/>
     <dgm:style>
-      <a:lnRef idx="2">
+      <a:lnRef idx="1">
         <a:scrgbClr r="0" g="0" b="0"/>
       </a:lnRef>
       <a:fillRef idx="1">
         <a:scrgbClr r="0" g="0" b="0"/>
       </a:fillRef>
-      <a:effectRef idx="0">
+      <a:effectRef idx="3">
         <a:scrgbClr r="0" g="0" b="0"/>
       </a:effectRef>
       <a:fontRef idx="minor"/>
@@ -5852,13 +6128,13 @@
     <dgm:sp3d/>
     <dgm:txPr/>
     <dgm:style>
-      <a:lnRef idx="2">
+      <a:lnRef idx="1">
         <a:scrgbClr r="0" g="0" b="0"/>
       </a:lnRef>
       <a:fillRef idx="1">
         <a:scrgbClr r="0" g="0" b="0"/>
       </a:fillRef>
-      <a:effectRef idx="0">
+      <a:effectRef idx="2">
         <a:scrgbClr r="0" g="0" b="0"/>
       </a:effectRef>
       <a:fontRef idx="minor"/>
@@ -5872,13 +6148,13 @@
     <dgm:sp3d/>
     <dgm:txPr/>
     <dgm:style>
-      <a:lnRef idx="2">
+      <a:lnRef idx="1">
         <a:scrgbClr r="0" g="0" b="0"/>
       </a:lnRef>
       <a:fillRef idx="1">
         <a:scrgbClr r="0" g="0" b="0"/>
       </a:fillRef>
-      <a:effectRef idx="0">
+      <a:effectRef idx="2">
         <a:scrgbClr r="0" g="0" b="0"/>
       </a:effectRef>
       <a:fontRef idx="minor"/>
@@ -5892,13 +6168,13 @@
     <dgm:sp3d/>
     <dgm:txPr/>
     <dgm:style>
-      <a:lnRef idx="2">
+      <a:lnRef idx="1">
         <a:scrgbClr r="0" g="0" b="0"/>
       </a:lnRef>
       <a:fillRef idx="1">
         <a:scrgbClr r="0" g="0" b="0"/>
       </a:fillRef>
-      <a:effectRef idx="0">
+      <a:effectRef idx="2">
         <a:scrgbClr r="0" g="0" b="0"/>
       </a:effectRef>
       <a:fontRef idx="minor"/>
@@ -5912,13 +6188,13 @@
     <dgm:sp3d/>
     <dgm:txPr/>
     <dgm:style>
-      <a:lnRef idx="2">
+      <a:lnRef idx="1">
         <a:scrgbClr r="0" g="0" b="0"/>
       </a:lnRef>
       <a:fillRef idx="1">
         <a:scrgbClr r="0" g="0" b="0"/>
       </a:fillRef>
-      <a:effectRef idx="0">
+      <a:effectRef idx="2">
         <a:scrgbClr r="0" g="0" b="0"/>
       </a:effectRef>
       <a:fontRef idx="minor"/>
@@ -5932,13 +6208,13 @@
     <dgm:sp3d/>
     <dgm:txPr/>
     <dgm:style>
-      <a:lnRef idx="2">
+      <a:lnRef idx="1">
         <a:scrgbClr r="0" g="0" b="0"/>
       </a:lnRef>
       <a:fillRef idx="1">
         <a:scrgbClr r="0" g="0" b="0"/>
       </a:fillRef>
-      <a:effectRef idx="0">
+      <a:effectRef idx="2">
         <a:scrgbClr r="0" g="0" b="0"/>
       </a:effectRef>
       <a:fontRef idx="minor"/>
@@ -5952,13 +6228,13 @@
     <dgm:sp3d/>
     <dgm:txPr/>
     <dgm:style>
-      <a:lnRef idx="2">
+      <a:lnRef idx="1">
         <a:scrgbClr r="0" g="0" b="0"/>
       </a:lnRef>
       <a:fillRef idx="1">
         <a:scrgbClr r="0" g="0" b="0"/>
       </a:fillRef>
-      <a:effectRef idx="0">
+      <a:effectRef idx="2">
         <a:scrgbClr r="0" g="0" b="0"/>
       </a:effectRef>
       <a:fontRef idx="minor"/>
@@ -5972,13 +6248,13 @@
     <dgm:sp3d/>
     <dgm:txPr/>
     <dgm:style>
-      <a:lnRef idx="2">
+      <a:lnRef idx="1">
         <a:scrgbClr r="0" g="0" b="0"/>
       </a:lnRef>
       <a:fillRef idx="1">
         <a:scrgbClr r="0" g="0" b="0"/>
       </a:fillRef>
-      <a:effectRef idx="0">
+      <a:effectRef idx="2">
         <a:scrgbClr r="0" g="0" b="0"/>
       </a:effectRef>
       <a:fontRef idx="minor"/>
@@ -5998,7 +6274,7 @@
       <a:fillRef idx="1">
         <a:scrgbClr r="0" g="0" b="0"/>
       </a:fillRef>
-      <a:effectRef idx="0">
+      <a:effectRef idx="2">
         <a:scrgbClr r="0" g="0" b="0"/>
       </a:effectRef>
       <a:fontRef idx="minor"/>
@@ -6018,7 +6294,7 @@
       <a:fillRef idx="1">
         <a:scrgbClr r="0" g="0" b="0"/>
       </a:fillRef>
-      <a:effectRef idx="0">
+      <a:effectRef idx="3">
         <a:scrgbClr r="0" g="0" b="0"/>
       </a:effectRef>
       <a:fontRef idx="minor"/>
@@ -6052,13 +6328,13 @@
     <dgm:sp3d/>
     <dgm:txPr/>
     <dgm:style>
-      <a:lnRef idx="2">
+      <a:lnRef idx="0">
         <a:scrgbClr r="0" g="0" b="0"/>
       </a:lnRef>
-      <a:fillRef idx="1">
+      <a:fillRef idx="3">
         <a:scrgbClr r="0" g="0" b="0"/>
       </a:fillRef>
-      <a:effectRef idx="0">
+      <a:effectRef idx="3">
         <a:scrgbClr r="0" g="0" b="0"/>
       </a:effectRef>
       <a:fontRef idx="minor"/>
@@ -6088,11 +6364,11 @@
 </file>
 
 <file path=ppt/diagrams/quickStyle2.xml><?xml version="1.0" encoding="utf-8"?>
-<dgm:styleDef xmlns:dgm="http://schemas.openxmlformats.org/drawingml/2006/diagram" xmlns:a="http://schemas.openxmlformats.org/drawingml/2006/main" uniqueId="urn:microsoft.com/office/officeart/2005/8/quickstyle/simple1">
+<dgm:styleDef xmlns:dgm="http://schemas.openxmlformats.org/drawingml/2006/diagram" xmlns:a="http://schemas.openxmlformats.org/drawingml/2006/main" uniqueId="urn:microsoft.com/office/officeart/2005/8/quickstyle/simple5">
   <dgm:title val=""/>
   <dgm:desc val=""/>
   <dgm:catLst>
-    <dgm:cat type="simple" pri="10100"/>
+    <dgm:cat type="simple" pri="10500"/>
   </dgm:catLst>
   <dgm:scene3d>
     <a:camera prst="orthographicFront"/>
@@ -6106,13 +6382,13 @@
     <dgm:sp3d/>
     <dgm:txPr/>
     <dgm:style>
-      <a:lnRef idx="2">
+      <a:lnRef idx="0">
         <a:scrgbClr r="0" g="0" b="0"/>
       </a:lnRef>
-      <a:fillRef idx="1">
+      <a:fillRef idx="3">
         <a:scrgbClr r="0" g="0" b="0"/>
       </a:fillRef>
-      <a:effectRef idx="0">
+      <a:effectRef idx="3">
         <a:scrgbClr r="0" g="0" b="0"/>
       </a:effectRef>
       <a:fontRef idx="minor">
@@ -6128,13 +6404,13 @@
     <dgm:sp3d/>
     <dgm:txPr/>
     <dgm:style>
-      <a:lnRef idx="2">
+      <a:lnRef idx="0">
         <a:scrgbClr r="0" g="0" b="0"/>
       </a:lnRef>
-      <a:fillRef idx="1">
+      <a:fillRef idx="3">
         <a:scrgbClr r="0" g="0" b="0"/>
       </a:fillRef>
-      <a:effectRef idx="0">
+      <a:effectRef idx="3">
         <a:scrgbClr r="0" g="0" b="0"/>
       </a:effectRef>
       <a:fontRef idx="minor">
@@ -6150,13 +6426,13 @@
     <dgm:sp3d/>
     <dgm:txPr/>
     <dgm:style>
-      <a:lnRef idx="2">
+      <a:lnRef idx="0">
         <a:scrgbClr r="0" g="0" b="0"/>
       </a:lnRef>
-      <a:fillRef idx="1">
+      <a:fillRef idx="3">
         <a:scrgbClr r="0" g="0" b="0"/>
       </a:fillRef>
-      <a:effectRef idx="0">
+      <a:effectRef idx="3">
         <a:scrgbClr r="0" g="0" b="0"/>
       </a:effectRef>
       <a:fontRef idx="minor">
@@ -6172,13 +6448,13 @@
     <dgm:sp3d/>
     <dgm:txPr/>
     <dgm:style>
-      <a:lnRef idx="2">
+      <a:lnRef idx="1">
         <a:scrgbClr r="0" g="0" b="0"/>
       </a:lnRef>
-      <a:fillRef idx="1">
+      <a:fillRef idx="3">
         <a:scrgbClr r="0" g="0" b="0"/>
       </a:fillRef>
-      <a:effectRef idx="0">
+      <a:effectRef idx="3">
         <a:scrgbClr r="0" g="0" b="0"/>
       </a:effectRef>
       <a:fontRef idx="minor">
@@ -6194,13 +6470,13 @@
     <dgm:sp3d/>
     <dgm:txPr/>
     <dgm:style>
-      <a:lnRef idx="2">
+      <a:lnRef idx="0">
         <a:scrgbClr r="0" g="0" b="0"/>
       </a:lnRef>
-      <a:fillRef idx="1">
+      <a:fillRef idx="3">
         <a:scrgbClr r="0" g="0" b="0"/>
       </a:fillRef>
-      <a:effectRef idx="0">
+      <a:effectRef idx="3">
         <a:scrgbClr r="0" g="0" b="0"/>
       </a:effectRef>
       <a:fontRef idx="minor">
@@ -6216,13 +6492,13 @@
     <dgm:sp3d/>
     <dgm:txPr/>
     <dgm:style>
-      <a:lnRef idx="2">
+      <a:lnRef idx="0">
         <a:scrgbClr r="0" g="0" b="0"/>
       </a:lnRef>
-      <a:fillRef idx="1">
+      <a:fillRef idx="3">
         <a:scrgbClr r="0" g="0" b="0"/>
       </a:fillRef>
-      <a:effectRef idx="0">
+      <a:effectRef idx="3">
         <a:scrgbClr r="0" g="0" b="0"/>
       </a:effectRef>
       <a:fontRef idx="minor">
@@ -6238,13 +6514,13 @@
     <dgm:sp3d/>
     <dgm:txPr/>
     <dgm:style>
-      <a:lnRef idx="2">
+      <a:lnRef idx="0">
         <a:scrgbClr r="0" g="0" b="0"/>
       </a:lnRef>
-      <a:fillRef idx="1">
+      <a:fillRef idx="3">
         <a:scrgbClr r="0" g="0" b="0"/>
       </a:fillRef>
-      <a:effectRef idx="0">
+      <a:effectRef idx="3">
         <a:scrgbClr r="0" g="0" b="0"/>
       </a:effectRef>
       <a:fontRef idx="minor">
@@ -6260,13 +6536,13 @@
     <dgm:sp3d/>
     <dgm:txPr/>
     <dgm:style>
-      <a:lnRef idx="2">
+      <a:lnRef idx="0">
         <a:scrgbClr r="0" g="0" b="0"/>
       </a:lnRef>
-      <a:fillRef idx="1">
+      <a:fillRef idx="3">
         <a:scrgbClr r="0" g="0" b="0"/>
       </a:fillRef>
-      <a:effectRef idx="0">
+      <a:effectRef idx="3">
         <a:scrgbClr r="0" g="0" b="0"/>
       </a:effectRef>
       <a:fontRef idx="minor">
@@ -6282,13 +6558,13 @@
     <dgm:sp3d/>
     <dgm:txPr/>
     <dgm:style>
-      <a:lnRef idx="2">
+      <a:lnRef idx="0">
         <a:scrgbClr r="0" g="0" b="0"/>
       </a:lnRef>
       <a:fillRef idx="1">
         <a:scrgbClr r="0" g="0" b="0"/>
       </a:fillRef>
-      <a:effectRef idx="0">
+      <a:effectRef idx="3">
         <a:scrgbClr r="0" g="0" b="0"/>
       </a:effectRef>
       <a:fontRef idx="minor"/>
@@ -6302,13 +6578,13 @@
     <dgm:sp3d/>
     <dgm:txPr/>
     <dgm:style>
-      <a:lnRef idx="2">
+      <a:lnRef idx="0">
         <a:scrgbClr r="0" g="0" b="0"/>
       </a:lnRef>
       <a:fillRef idx="1">
         <a:scrgbClr r="0" g="0" b="0"/>
       </a:fillRef>
-      <a:effectRef idx="0">
+      <a:effectRef idx="3">
         <a:scrgbClr r="0" g="0" b="0"/>
       </a:effectRef>
       <a:fontRef idx="minor"/>
@@ -6322,13 +6598,13 @@
     <dgm:sp3d/>
     <dgm:txPr/>
     <dgm:style>
-      <a:lnRef idx="2">
+      <a:lnRef idx="0">
         <a:scrgbClr r="0" g="0" b="0"/>
       </a:lnRef>
       <a:fillRef idx="1">
         <a:scrgbClr r="0" g="0" b="0"/>
       </a:fillRef>
-      <a:effectRef idx="0">
+      <a:effectRef idx="3">
         <a:scrgbClr r="0" g="0" b="0"/>
       </a:effectRef>
       <a:fontRef idx="minor"/>
@@ -6345,10 +6621,10 @@
       <a:lnRef idx="0">
         <a:scrgbClr r="0" g="0" b="0"/>
       </a:lnRef>
-      <a:fillRef idx="1">
+      <a:fillRef idx="3">
         <a:scrgbClr r="0" g="0" b="0"/>
       </a:fillRef>
-      <a:effectRef idx="0">
+      <a:effectRef idx="3">
         <a:scrgbClr r="0" g="0" b="0"/>
       </a:effectRef>
       <a:fontRef idx="minor">
@@ -6367,10 +6643,10 @@
       <a:lnRef idx="0">
         <a:scrgbClr r="0" g="0" b="0"/>
       </a:lnRef>
-      <a:fillRef idx="1">
+      <a:fillRef idx="3">
         <a:scrgbClr r="0" g="0" b="0"/>
       </a:fillRef>
-      <a:effectRef idx="0">
+      <a:effectRef idx="3">
         <a:scrgbClr r="0" g="0" b="0"/>
       </a:effectRef>
       <a:fontRef idx="minor">
@@ -6389,10 +6665,10 @@
       <a:lnRef idx="0">
         <a:scrgbClr r="0" g="0" b="0"/>
       </a:lnRef>
-      <a:fillRef idx="1">
+      <a:fillRef idx="3">
         <a:scrgbClr r="0" g="0" b="0"/>
       </a:fillRef>
-      <a:effectRef idx="0">
+      <a:effectRef idx="3">
         <a:scrgbClr r="0" g="0" b="0"/>
       </a:effectRef>
       <a:fontRef idx="minor">
@@ -6428,13 +6704,13 @@
     <dgm:sp3d/>
     <dgm:txPr/>
     <dgm:style>
-      <a:lnRef idx="2">
+      <a:lnRef idx="1">
         <a:scrgbClr r="0" g="0" b="0"/>
       </a:lnRef>
-      <a:fillRef idx="1">
+      <a:fillRef idx="0">
         <a:scrgbClr r="0" g="0" b="0"/>
       </a:fillRef>
-      <a:effectRef idx="0">
+      <a:effectRef idx="1">
         <a:scrgbClr r="0" g="0" b="0"/>
       </a:effectRef>
       <a:fontRef idx="minor"/>
@@ -6448,13 +6724,13 @@
     <dgm:sp3d/>
     <dgm:txPr/>
     <dgm:style>
-      <a:lnRef idx="2">
+      <a:lnRef idx="0">
         <a:scrgbClr r="0" g="0" b="0"/>
       </a:lnRef>
-      <a:fillRef idx="1">
+      <a:fillRef idx="3">
         <a:scrgbClr r="0" g="0" b="0"/>
       </a:fillRef>
-      <a:effectRef idx="0">
+      <a:effectRef idx="3">
         <a:scrgbClr r="0" g="0" b="0"/>
       </a:effectRef>
       <a:fontRef idx="minor">
@@ -6470,13 +6746,13 @@
     <dgm:sp3d/>
     <dgm:txPr/>
     <dgm:style>
-      <a:lnRef idx="2">
+      <a:lnRef idx="0">
         <a:scrgbClr r="0" g="0" b="0"/>
       </a:lnRef>
-      <a:fillRef idx="1">
+      <a:fillRef idx="3">
         <a:scrgbClr r="0" g="0" b="0"/>
       </a:fillRef>
-      <a:effectRef idx="0">
+      <a:effectRef idx="3">
         <a:scrgbClr r="0" g="0" b="0"/>
       </a:effectRef>
       <a:fontRef idx="minor">
@@ -6492,13 +6768,13 @@
     <dgm:sp3d/>
     <dgm:txPr/>
     <dgm:style>
-      <a:lnRef idx="2">
+      <a:lnRef idx="0">
         <a:scrgbClr r="0" g="0" b="0"/>
       </a:lnRef>
-      <a:fillRef idx="1">
+      <a:fillRef idx="3">
         <a:scrgbClr r="0" g="0" b="0"/>
       </a:fillRef>
-      <a:effectRef idx="0">
+      <a:effectRef idx="3">
         <a:scrgbClr r="0" g="0" b="0"/>
       </a:effectRef>
       <a:fontRef idx="minor">
@@ -6514,13 +6790,13 @@
     <dgm:sp3d/>
     <dgm:txPr/>
     <dgm:style>
-      <a:lnRef idx="2">
+      <a:lnRef idx="0">
         <a:scrgbClr r="0" g="0" b="0"/>
       </a:lnRef>
-      <a:fillRef idx="1">
+      <a:fillRef idx="3">
         <a:scrgbClr r="0" g="0" b="0"/>
       </a:fillRef>
-      <a:effectRef idx="0">
+      <a:effectRef idx="3">
         <a:scrgbClr r="0" g="0" b="0"/>
       </a:effectRef>
       <a:fontRef idx="minor">
@@ -6536,13 +6812,13 @@
     <dgm:sp3d/>
     <dgm:txPr/>
     <dgm:style>
-      <a:lnRef idx="2">
+      <a:lnRef idx="0">
         <a:scrgbClr r="0" g="0" b="0"/>
       </a:lnRef>
-      <a:fillRef idx="1">
+      <a:fillRef idx="3">
         <a:scrgbClr r="0" g="0" b="0"/>
       </a:fillRef>
-      <a:effectRef idx="0">
+      <a:effectRef idx="3">
         <a:scrgbClr r="0" g="0" b="0"/>
       </a:effectRef>
       <a:fontRef idx="minor">
@@ -6558,13 +6834,13 @@
     <dgm:sp3d/>
     <dgm:txPr/>
     <dgm:style>
-      <a:lnRef idx="2">
+      <a:lnRef idx="0">
         <a:scrgbClr r="0" g="0" b="0"/>
       </a:lnRef>
-      <a:fillRef idx="1">
+      <a:fillRef idx="3">
         <a:scrgbClr r="0" g="0" b="0"/>
       </a:fillRef>
-      <a:effectRef idx="0">
+      <a:effectRef idx="3">
         <a:scrgbClr r="0" g="0" b="0"/>
       </a:effectRef>
       <a:fontRef idx="minor">
@@ -6580,13 +6856,13 @@
     <dgm:sp3d/>
     <dgm:txPr/>
     <dgm:style>
-      <a:lnRef idx="2">
+      <a:lnRef idx="0">
         <a:scrgbClr r="0" g="0" b="0"/>
       </a:lnRef>
-      <a:fillRef idx="1">
+      <a:fillRef idx="3">
         <a:scrgbClr r="0" g="0" b="0"/>
       </a:fillRef>
-      <a:effectRef idx="0">
+      <a:effectRef idx="3">
         <a:scrgbClr r="0" g="0" b="0"/>
       </a:effectRef>
       <a:fontRef idx="minor">
@@ -6602,13 +6878,13 @@
     <dgm:sp3d/>
     <dgm:txPr/>
     <dgm:style>
-      <a:lnRef idx="2">
+      <a:lnRef idx="0">
         <a:scrgbClr r="0" g="0" b="0"/>
       </a:lnRef>
-      <a:fillRef idx="1">
+      <a:fillRef idx="3">
         <a:scrgbClr r="0" g="0" b="0"/>
       </a:fillRef>
-      <a:effectRef idx="0">
+      <a:effectRef idx="3">
         <a:scrgbClr r="0" g="0" b="0"/>
       </a:effectRef>
       <a:fontRef idx="minor">
@@ -6624,13 +6900,13 @@
     <dgm:sp3d/>
     <dgm:txPr/>
     <dgm:style>
-      <a:lnRef idx="2">
+      <a:lnRef idx="0">
         <a:scrgbClr r="0" g="0" b="0"/>
       </a:lnRef>
-      <a:fillRef idx="1">
+      <a:fillRef idx="3">
         <a:scrgbClr r="0" g="0" b="0"/>
       </a:fillRef>
-      <a:effectRef idx="0">
+      <a:effectRef idx="3">
         <a:scrgbClr r="0" g="0" b="0"/>
       </a:effectRef>
       <a:fontRef idx="minor">
@@ -6726,13 +7002,13 @@
     <dgm:sp3d/>
     <dgm:txPr/>
     <dgm:style>
-      <a:lnRef idx="2">
+      <a:lnRef idx="1">
         <a:scrgbClr r="0" g="0" b="0"/>
       </a:lnRef>
       <a:fillRef idx="1">
         <a:scrgbClr r="0" g="0" b="0"/>
       </a:fillRef>
-      <a:effectRef idx="0">
+      <a:effectRef idx="2">
         <a:scrgbClr r="0" g="0" b="0"/>
       </a:effectRef>
       <a:fontRef idx="minor"/>
@@ -6746,13 +7022,13 @@
     <dgm:sp3d/>
     <dgm:txPr/>
     <dgm:style>
-      <a:lnRef idx="2">
+      <a:lnRef idx="1">
         <a:scrgbClr r="0" g="0" b="0"/>
       </a:lnRef>
       <a:fillRef idx="1">
         <a:scrgbClr r="0" g="0" b="0"/>
       </a:fillRef>
-      <a:effectRef idx="0">
+      <a:effectRef idx="2">
         <a:scrgbClr r="0" g="0" b="0"/>
       </a:effectRef>
       <a:fontRef idx="minor"/>
@@ -6766,13 +7042,13 @@
     <dgm:sp3d/>
     <dgm:txPr/>
     <dgm:style>
-      <a:lnRef idx="2">
+      <a:lnRef idx="1">
         <a:scrgbClr r="0" g="0" b="0"/>
       </a:lnRef>
       <a:fillRef idx="1">
         <a:scrgbClr r="0" g="0" b="0"/>
       </a:fillRef>
-      <a:effectRef idx="0">
+      <a:effectRef idx="2">
         <a:scrgbClr r="0" g="0" b="0"/>
       </a:effectRef>
       <a:fontRef idx="minor"/>
@@ -6806,13 +7082,13 @@
     <dgm:sp3d/>
     <dgm:txPr/>
     <dgm:style>
-      <a:lnRef idx="2">
+      <a:lnRef idx="1">
         <a:scrgbClr r="0" g="0" b="0"/>
       </a:lnRef>
       <a:fillRef idx="1">
         <a:scrgbClr r="0" g="0" b="0"/>
       </a:fillRef>
-      <a:effectRef idx="0">
+      <a:effectRef idx="2">
         <a:scrgbClr r="0" g="0" b="0"/>
       </a:effectRef>
       <a:fontRef idx="minor"/>
@@ -6826,13 +7102,13 @@
     <dgm:sp3d/>
     <dgm:txPr/>
     <dgm:style>
-      <a:lnRef idx="2">
+      <a:lnRef idx="1">
         <a:scrgbClr r="0" g="0" b="0"/>
       </a:lnRef>
       <a:fillRef idx="1">
         <a:scrgbClr r="0" g="0" b="0"/>
       </a:fillRef>
-      <a:effectRef idx="0">
+      <a:effectRef idx="2">
         <a:scrgbClr r="0" g="0" b="0"/>
       </a:effectRef>
       <a:fontRef idx="minor"/>
@@ -6846,13 +7122,13 @@
     <dgm:sp3d/>
     <dgm:txPr/>
     <dgm:style>
-      <a:lnRef idx="2">
+      <a:lnRef idx="1">
         <a:scrgbClr r="0" g="0" b="0"/>
       </a:lnRef>
       <a:fillRef idx="1">
         <a:scrgbClr r="0" g="0" b="0"/>
       </a:fillRef>
-      <a:effectRef idx="0">
+      <a:effectRef idx="3">
         <a:scrgbClr r="0" g="0" b="0"/>
       </a:effectRef>
       <a:fontRef idx="minor"/>
@@ -6866,13 +7142,13 @@
     <dgm:sp3d/>
     <dgm:txPr/>
     <dgm:style>
-      <a:lnRef idx="2">
+      <a:lnRef idx="1">
         <a:scrgbClr r="0" g="0" b="0"/>
       </a:lnRef>
       <a:fillRef idx="1">
         <a:scrgbClr r="0" g="0" b="0"/>
       </a:fillRef>
-      <a:effectRef idx="0">
+      <a:effectRef idx="3">
         <a:scrgbClr r="0" g="0" b="0"/>
       </a:effectRef>
       <a:fontRef idx="minor"/>
@@ -6886,13 +7162,13 @@
     <dgm:sp3d/>
     <dgm:txPr/>
     <dgm:style>
-      <a:lnRef idx="2">
+      <a:lnRef idx="1">
         <a:scrgbClr r="0" g="0" b="0"/>
       </a:lnRef>
       <a:fillRef idx="1">
         <a:scrgbClr r="0" g="0" b="0"/>
       </a:fillRef>
-      <a:effectRef idx="0">
+      <a:effectRef idx="2">
         <a:scrgbClr r="0" g="0" b="0"/>
       </a:effectRef>
       <a:fontRef idx="minor"/>
@@ -6906,13 +7182,13 @@
     <dgm:sp3d/>
     <dgm:txPr/>
     <dgm:style>
-      <a:lnRef idx="2">
+      <a:lnRef idx="1">
         <a:scrgbClr r="0" g="0" b="0"/>
       </a:lnRef>
       <a:fillRef idx="1">
         <a:scrgbClr r="0" g="0" b="0"/>
       </a:fillRef>
-      <a:effectRef idx="0">
+      <a:effectRef idx="2">
         <a:scrgbClr r="0" g="0" b="0"/>
       </a:effectRef>
       <a:fontRef idx="minor"/>
@@ -6926,13 +7202,13 @@
     <dgm:sp3d/>
     <dgm:txPr/>
     <dgm:style>
-      <a:lnRef idx="2">
+      <a:lnRef idx="1">
         <a:scrgbClr r="0" g="0" b="0"/>
       </a:lnRef>
       <a:fillRef idx="1">
         <a:scrgbClr r="0" g="0" b="0"/>
       </a:fillRef>
-      <a:effectRef idx="0">
+      <a:effectRef idx="2">
         <a:scrgbClr r="0" g="0" b="0"/>
       </a:effectRef>
       <a:fontRef idx="minor"/>
@@ -6946,13 +7222,13 @@
     <dgm:sp3d/>
     <dgm:txPr/>
     <dgm:style>
-      <a:lnRef idx="2">
+      <a:lnRef idx="1">
         <a:scrgbClr r="0" g="0" b="0"/>
       </a:lnRef>
       <a:fillRef idx="1">
         <a:scrgbClr r="0" g="0" b="0"/>
       </a:fillRef>
-      <a:effectRef idx="0">
+      <a:effectRef idx="2">
         <a:scrgbClr r="0" g="0" b="0"/>
       </a:effectRef>
       <a:fontRef idx="minor"/>
@@ -6966,13 +7242,13 @@
     <dgm:sp3d/>
     <dgm:txPr/>
     <dgm:style>
-      <a:lnRef idx="2">
+      <a:lnRef idx="1">
         <a:scrgbClr r="0" g="0" b="0"/>
       </a:lnRef>
       <a:fillRef idx="1">
         <a:scrgbClr r="0" g="0" b="0"/>
       </a:fillRef>
-      <a:effectRef idx="0">
+      <a:effectRef idx="2">
         <a:scrgbClr r="0" g="0" b="0"/>
       </a:effectRef>
       <a:fontRef idx="minor"/>
@@ -6986,13 +7262,13 @@
     <dgm:sp3d/>
     <dgm:txPr/>
     <dgm:style>
-      <a:lnRef idx="2">
+      <a:lnRef idx="1">
         <a:scrgbClr r="0" g="0" b="0"/>
       </a:lnRef>
       <a:fillRef idx="1">
         <a:scrgbClr r="0" g="0" b="0"/>
       </a:fillRef>
-      <a:effectRef idx="0">
+      <a:effectRef idx="2">
         <a:scrgbClr r="0" g="0" b="0"/>
       </a:effectRef>
       <a:fontRef idx="minor"/>
@@ -7006,13 +7282,13 @@
     <dgm:sp3d/>
     <dgm:txPr/>
     <dgm:style>
-      <a:lnRef idx="2">
+      <a:lnRef idx="1">
         <a:scrgbClr r="0" g="0" b="0"/>
       </a:lnRef>
       <a:fillRef idx="1">
         <a:scrgbClr r="0" g="0" b="0"/>
       </a:fillRef>
-      <a:effectRef idx="0">
+      <a:effectRef idx="2">
         <a:scrgbClr r="0" g="0" b="0"/>
       </a:effectRef>
       <a:fontRef idx="minor"/>
@@ -7032,7 +7308,7 @@
       <a:fillRef idx="1">
         <a:scrgbClr r="0" g="0" b="0"/>
       </a:fillRef>
-      <a:effectRef idx="0">
+      <a:effectRef idx="2">
         <a:scrgbClr r="0" g="0" b="0"/>
       </a:effectRef>
       <a:fontRef idx="minor"/>
@@ -7052,7 +7328,7 @@
       <a:fillRef idx="1">
         <a:scrgbClr r="0" g="0" b="0"/>
       </a:fillRef>
-      <a:effectRef idx="0">
+      <a:effectRef idx="3">
         <a:scrgbClr r="0" g="0" b="0"/>
       </a:effectRef>
       <a:fontRef idx="minor"/>
@@ -7086,13 +7362,13 @@
     <dgm:sp3d/>
     <dgm:txPr/>
     <dgm:style>
-      <a:lnRef idx="2">
+      <a:lnRef idx="0">
         <a:scrgbClr r="0" g="0" b="0"/>
       </a:lnRef>
-      <a:fillRef idx="1">
+      <a:fillRef idx="3">
         <a:scrgbClr r="0" g="0" b="0"/>
       </a:fillRef>
-      <a:effectRef idx="0">
+      <a:effectRef idx="3">
         <a:scrgbClr r="0" g="0" b="0"/>
       </a:effectRef>
       <a:fontRef idx="minor"/>
@@ -20194,6 +20470,335 @@
   <p:clrMapOvr>
     <a:masterClrMapping/>
   </p:clrMapOvr>
+  <p:transition spd="med">
+    <p:pull/>
+  </p:transition>
+  <p:timing>
+    <p:tnLst>
+      <p:par>
+        <p:cTn id="1" dur="indefinite" restart="never" nodeType="tmRoot">
+          <p:childTnLst>
+            <p:seq concurrent="1" nextAc="seek">
+              <p:cTn id="2" dur="indefinite" nodeType="mainSeq">
+                <p:childTnLst>
+                  <p:par>
+                    <p:cTn id="3" fill="hold">
+                      <p:stCondLst>
+                        <p:cond delay="indefinite"/>
+                      </p:stCondLst>
+                      <p:childTnLst>
+                        <p:par>
+                          <p:cTn id="4" fill="hold">
+                            <p:stCondLst>
+                              <p:cond delay="0"/>
+                            </p:stCondLst>
+                            <p:childTnLst>
+                              <p:par>
+                                <p:cTn id="5" presetID="26" presetClass="entr" presetSubtype="0" fill="hold" nodeType="clickEffect">
+                                  <p:stCondLst>
+                                    <p:cond delay="0"/>
+                                  </p:stCondLst>
+                                  <p:childTnLst>
+                                    <p:set>
+                                      <p:cBhvr>
+                                        <p:cTn id="6" dur="1" fill="hold">
+                                          <p:stCondLst>
+                                            <p:cond delay="0"/>
+                                          </p:stCondLst>
+                                        </p:cTn>
+                                        <p:tgtEl>
+                                          <p:spTgt spid="4"/>
+                                        </p:tgtEl>
+                                        <p:attrNameLst>
+                                          <p:attrName>style.visibility</p:attrName>
+                                        </p:attrNameLst>
+                                      </p:cBhvr>
+                                      <p:to>
+                                        <p:strVal val="visible"/>
+                                      </p:to>
+                                    </p:set>
+                                    <p:animEffect transition="in" filter="wipe(down)">
+                                      <p:cBhvr>
+                                        <p:cTn id="7" dur="580">
+                                          <p:stCondLst>
+                                            <p:cond delay="0"/>
+                                          </p:stCondLst>
+                                        </p:cTn>
+                                        <p:tgtEl>
+                                          <p:spTgt spid="4"/>
+                                        </p:tgtEl>
+                                      </p:cBhvr>
+                                    </p:animEffect>
+                                    <p:anim calcmode="lin" valueType="num">
+                                      <p:cBhvr>
+                                        <p:cTn id="8" dur="1822" tmFilter="0,0; 0.14,0.36; 0.43,0.73; 0.71,0.91; 1.0,1.0">
+                                          <p:stCondLst>
+                                            <p:cond delay="0"/>
+                                          </p:stCondLst>
+                                        </p:cTn>
+                                        <p:tgtEl>
+                                          <p:spTgt spid="4"/>
+                                        </p:tgtEl>
+                                        <p:attrNameLst>
+                                          <p:attrName>ppt_x</p:attrName>
+                                        </p:attrNameLst>
+                                      </p:cBhvr>
+                                      <p:tavLst>
+                                        <p:tav tm="0">
+                                          <p:val>
+                                            <p:strVal val="#ppt_x-0.25"/>
+                                          </p:val>
+                                        </p:tav>
+                                        <p:tav tm="100000">
+                                          <p:val>
+                                            <p:strVal val="#ppt_x"/>
+                                          </p:val>
+                                        </p:tav>
+                                      </p:tavLst>
+                                    </p:anim>
+                                    <p:anim calcmode="lin" valueType="num">
+                                      <p:cBhvr>
+                                        <p:cTn id="9" dur="664" tmFilter="0.0,0.0; 0.25,0.07; 0.50,0.2; 0.75,0.467; 1.0,1.0">
+                                          <p:stCondLst>
+                                            <p:cond delay="0"/>
+                                          </p:stCondLst>
+                                        </p:cTn>
+                                        <p:tgtEl>
+                                          <p:spTgt spid="4"/>
+                                        </p:tgtEl>
+                                        <p:attrNameLst>
+                                          <p:attrName>ppt_y</p:attrName>
+                                        </p:attrNameLst>
+                                      </p:cBhvr>
+                                      <p:tavLst>
+                                        <p:tav tm="0" fmla="#ppt_y-sin(pi*$)/3">
+                                          <p:val>
+                                            <p:fltVal val="0.5"/>
+                                          </p:val>
+                                        </p:tav>
+                                        <p:tav tm="100000">
+                                          <p:val>
+                                            <p:fltVal val="1"/>
+                                          </p:val>
+                                        </p:tav>
+                                      </p:tavLst>
+                                    </p:anim>
+                                    <p:anim calcmode="lin" valueType="num">
+                                      <p:cBhvr>
+                                        <p:cTn id="10" dur="664" tmFilter="0, 0; 0.125,0.2665; 0.25,0.4; 0.375,0.465; 0.5,0.5;  0.625,0.535; 0.75,0.6; 0.875,0.7335; 1,1">
+                                          <p:stCondLst>
+                                            <p:cond delay="664"/>
+                                          </p:stCondLst>
+                                        </p:cTn>
+                                        <p:tgtEl>
+                                          <p:spTgt spid="4"/>
+                                        </p:tgtEl>
+                                        <p:attrNameLst>
+                                          <p:attrName>ppt_y</p:attrName>
+                                        </p:attrNameLst>
+                                      </p:cBhvr>
+                                      <p:tavLst>
+                                        <p:tav tm="0" fmla="#ppt_y-sin(pi*$)/9">
+                                          <p:val>
+                                            <p:fltVal val="0"/>
+                                          </p:val>
+                                        </p:tav>
+                                        <p:tav tm="100000">
+                                          <p:val>
+                                            <p:fltVal val="1"/>
+                                          </p:val>
+                                        </p:tav>
+                                      </p:tavLst>
+                                    </p:anim>
+                                    <p:anim calcmode="lin" valueType="num">
+                                      <p:cBhvr>
+                                        <p:cTn id="11" dur="332" tmFilter="0, 0; 0.125,0.2665; 0.25,0.4; 0.375,0.465; 0.5,0.5;  0.625,0.535; 0.75,0.6; 0.875,0.7335; 1,1">
+                                          <p:stCondLst>
+                                            <p:cond delay="1324"/>
+                                          </p:stCondLst>
+                                        </p:cTn>
+                                        <p:tgtEl>
+                                          <p:spTgt spid="4"/>
+                                        </p:tgtEl>
+                                        <p:attrNameLst>
+                                          <p:attrName>ppt_y</p:attrName>
+                                        </p:attrNameLst>
+                                      </p:cBhvr>
+                                      <p:tavLst>
+                                        <p:tav tm="0" fmla="#ppt_y-sin(pi*$)/27">
+                                          <p:val>
+                                            <p:fltVal val="0"/>
+                                          </p:val>
+                                        </p:tav>
+                                        <p:tav tm="100000">
+                                          <p:val>
+                                            <p:fltVal val="1"/>
+                                          </p:val>
+                                        </p:tav>
+                                      </p:tavLst>
+                                    </p:anim>
+                                    <p:anim calcmode="lin" valueType="num">
+                                      <p:cBhvr>
+                                        <p:cTn id="12" dur="164" tmFilter="0, 0; 0.125,0.2665; 0.25,0.4; 0.375,0.465; 0.5,0.5;  0.625,0.535; 0.75,0.6; 0.875,0.7335; 1,1">
+                                          <p:stCondLst>
+                                            <p:cond delay="1656"/>
+                                          </p:stCondLst>
+                                        </p:cTn>
+                                        <p:tgtEl>
+                                          <p:spTgt spid="4"/>
+                                        </p:tgtEl>
+                                        <p:attrNameLst>
+                                          <p:attrName>ppt_y</p:attrName>
+                                        </p:attrNameLst>
+                                      </p:cBhvr>
+                                      <p:tavLst>
+                                        <p:tav tm="0" fmla="#ppt_y-sin(pi*$)/81">
+                                          <p:val>
+                                            <p:fltVal val="0"/>
+                                          </p:val>
+                                        </p:tav>
+                                        <p:tav tm="100000">
+                                          <p:val>
+                                            <p:fltVal val="1"/>
+                                          </p:val>
+                                        </p:tav>
+                                      </p:tavLst>
+                                    </p:anim>
+                                    <p:animScale>
+                                      <p:cBhvr>
+                                        <p:cTn id="13" dur="26">
+                                          <p:stCondLst>
+                                            <p:cond delay="650"/>
+                                          </p:stCondLst>
+                                        </p:cTn>
+                                        <p:tgtEl>
+                                          <p:spTgt spid="4"/>
+                                        </p:tgtEl>
+                                      </p:cBhvr>
+                                      <p:to x="100000" y="60000"/>
+                                    </p:animScale>
+                                    <p:animScale>
+                                      <p:cBhvr>
+                                        <p:cTn id="14" dur="166" decel="50000">
+                                          <p:stCondLst>
+                                            <p:cond delay="676"/>
+                                          </p:stCondLst>
+                                        </p:cTn>
+                                        <p:tgtEl>
+                                          <p:spTgt spid="4"/>
+                                        </p:tgtEl>
+                                      </p:cBhvr>
+                                      <p:to x="100000" y="100000"/>
+                                    </p:animScale>
+                                    <p:animScale>
+                                      <p:cBhvr>
+                                        <p:cTn id="15" dur="26">
+                                          <p:stCondLst>
+                                            <p:cond delay="1312"/>
+                                          </p:stCondLst>
+                                        </p:cTn>
+                                        <p:tgtEl>
+                                          <p:spTgt spid="4"/>
+                                        </p:tgtEl>
+                                      </p:cBhvr>
+                                      <p:to x="100000" y="80000"/>
+                                    </p:animScale>
+                                    <p:animScale>
+                                      <p:cBhvr>
+                                        <p:cTn id="16" dur="166" decel="50000">
+                                          <p:stCondLst>
+                                            <p:cond delay="1338"/>
+                                          </p:stCondLst>
+                                        </p:cTn>
+                                        <p:tgtEl>
+                                          <p:spTgt spid="4"/>
+                                        </p:tgtEl>
+                                      </p:cBhvr>
+                                      <p:to x="100000" y="100000"/>
+                                    </p:animScale>
+                                    <p:animScale>
+                                      <p:cBhvr>
+                                        <p:cTn id="17" dur="26">
+                                          <p:stCondLst>
+                                            <p:cond delay="1642"/>
+                                          </p:stCondLst>
+                                        </p:cTn>
+                                        <p:tgtEl>
+                                          <p:spTgt spid="4"/>
+                                        </p:tgtEl>
+                                      </p:cBhvr>
+                                      <p:to x="100000" y="90000"/>
+                                    </p:animScale>
+                                    <p:animScale>
+                                      <p:cBhvr>
+                                        <p:cTn id="18" dur="166" decel="50000">
+                                          <p:stCondLst>
+                                            <p:cond delay="1668"/>
+                                          </p:stCondLst>
+                                        </p:cTn>
+                                        <p:tgtEl>
+                                          <p:spTgt spid="4"/>
+                                        </p:tgtEl>
+                                      </p:cBhvr>
+                                      <p:to x="100000" y="100000"/>
+                                    </p:animScale>
+                                    <p:animScale>
+                                      <p:cBhvr>
+                                        <p:cTn id="19" dur="26">
+                                          <p:stCondLst>
+                                            <p:cond delay="1808"/>
+                                          </p:stCondLst>
+                                        </p:cTn>
+                                        <p:tgtEl>
+                                          <p:spTgt spid="4"/>
+                                        </p:tgtEl>
+                                      </p:cBhvr>
+                                      <p:to x="100000" y="95000"/>
+                                    </p:animScale>
+                                    <p:animScale>
+                                      <p:cBhvr>
+                                        <p:cTn id="20" dur="166" decel="50000">
+                                          <p:stCondLst>
+                                            <p:cond delay="1834"/>
+                                          </p:stCondLst>
+                                        </p:cTn>
+                                        <p:tgtEl>
+                                          <p:spTgt spid="4"/>
+                                        </p:tgtEl>
+                                      </p:cBhvr>
+                                      <p:to x="100000" y="100000"/>
+                                    </p:animScale>
+                                  </p:childTnLst>
+                                </p:cTn>
+                              </p:par>
+                            </p:childTnLst>
+                          </p:cTn>
+                        </p:par>
+                      </p:childTnLst>
+                    </p:cTn>
+                  </p:par>
+                </p:childTnLst>
+              </p:cTn>
+              <p:prevCondLst>
+                <p:cond evt="onPrev" delay="0">
+                  <p:tgtEl>
+                    <p:sldTgt/>
+                  </p:tgtEl>
+                </p:cond>
+              </p:prevCondLst>
+              <p:nextCondLst>
+                <p:cond evt="onNext" delay="0">
+                  <p:tgtEl>
+                    <p:sldTgt/>
+                  </p:tgtEl>
+                </p:cond>
+              </p:nextCondLst>
+            </p:seq>
+          </p:childTnLst>
+        </p:cTn>
+      </p:par>
+    </p:tnLst>
+  </p:timing>
 </p:sld>
 </file>
 
@@ -20416,6 +21021,207 @@
   <p:clrMapOvr>
     <a:masterClrMapping/>
   </p:clrMapOvr>
+  <p:timing>
+    <p:tnLst>
+      <p:par>
+        <p:cTn id="1" dur="indefinite" restart="never" nodeType="tmRoot">
+          <p:childTnLst>
+            <p:seq concurrent="1" nextAc="seek">
+              <p:cTn id="2" dur="indefinite" nodeType="mainSeq">
+                <p:childTnLst>
+                  <p:par>
+                    <p:cTn id="3" fill="hold">
+                      <p:stCondLst>
+                        <p:cond delay="indefinite"/>
+                        <p:cond evt="onBegin" delay="0">
+                          <p:tn val="2"/>
+                        </p:cond>
+                      </p:stCondLst>
+                      <p:childTnLst>
+                        <p:par>
+                          <p:cTn id="4" fill="hold">
+                            <p:stCondLst>
+                              <p:cond delay="0"/>
+                            </p:stCondLst>
+                            <p:childTnLst>
+                              <p:par>
+                                <p:cTn id="5" presetID="10" presetClass="entr" presetSubtype="0" fill="hold" grpId="0" nodeType="afterEffect">
+                                  <p:stCondLst>
+                                    <p:cond delay="0"/>
+                                  </p:stCondLst>
+                                  <p:childTnLst>
+                                    <p:set>
+                                      <p:cBhvr>
+                                        <p:cTn id="6" dur="1" fill="hold">
+                                          <p:stCondLst>
+                                            <p:cond delay="0"/>
+                                          </p:stCondLst>
+                                        </p:cTn>
+                                        <p:tgtEl>
+                                          <p:spTgt spid="3">
+                                            <p:txEl>
+                                              <p:pRg st="0" end="0"/>
+                                            </p:txEl>
+                                          </p:spTgt>
+                                        </p:tgtEl>
+                                        <p:attrNameLst>
+                                          <p:attrName>style.visibility</p:attrName>
+                                        </p:attrNameLst>
+                                      </p:cBhvr>
+                                      <p:to>
+                                        <p:strVal val="visible"/>
+                                      </p:to>
+                                    </p:set>
+                                    <p:animEffect transition="in" filter="fade">
+                                      <p:cBhvr>
+                                        <p:cTn id="7" dur="1000"/>
+                                        <p:tgtEl>
+                                          <p:spTgt spid="3">
+                                            <p:txEl>
+                                              <p:pRg st="0" end="0"/>
+                                            </p:txEl>
+                                          </p:spTgt>
+                                        </p:tgtEl>
+                                      </p:cBhvr>
+                                    </p:animEffect>
+                                  </p:childTnLst>
+                                </p:cTn>
+                              </p:par>
+                            </p:childTnLst>
+                          </p:cTn>
+                        </p:par>
+                        <p:par>
+                          <p:cTn id="8" fill="hold">
+                            <p:stCondLst>
+                              <p:cond delay="1000"/>
+                            </p:stCondLst>
+                            <p:childTnLst>
+                              <p:par>
+                                <p:cTn id="9" presetID="10" presetClass="entr" presetSubtype="0" fill="hold" grpId="0" nodeType="afterEffect">
+                                  <p:stCondLst>
+                                    <p:cond delay="0"/>
+                                  </p:stCondLst>
+                                  <p:childTnLst>
+                                    <p:set>
+                                      <p:cBhvr>
+                                        <p:cTn id="10" dur="1" fill="hold">
+                                          <p:stCondLst>
+                                            <p:cond delay="0"/>
+                                          </p:stCondLst>
+                                        </p:cTn>
+                                        <p:tgtEl>
+                                          <p:spTgt spid="3">
+                                            <p:txEl>
+                                              <p:pRg st="1" end="1"/>
+                                            </p:txEl>
+                                          </p:spTgt>
+                                        </p:tgtEl>
+                                        <p:attrNameLst>
+                                          <p:attrName>style.visibility</p:attrName>
+                                        </p:attrNameLst>
+                                      </p:cBhvr>
+                                      <p:to>
+                                        <p:strVal val="visible"/>
+                                      </p:to>
+                                    </p:set>
+                                    <p:animEffect transition="in" filter="fade">
+                                      <p:cBhvr>
+                                        <p:cTn id="11" dur="1000"/>
+                                        <p:tgtEl>
+                                          <p:spTgt spid="3">
+                                            <p:txEl>
+                                              <p:pRg st="1" end="1"/>
+                                            </p:txEl>
+                                          </p:spTgt>
+                                        </p:tgtEl>
+                                      </p:cBhvr>
+                                    </p:animEffect>
+                                  </p:childTnLst>
+                                </p:cTn>
+                              </p:par>
+                            </p:childTnLst>
+                          </p:cTn>
+                        </p:par>
+                        <p:par>
+                          <p:cTn id="12" fill="hold">
+                            <p:stCondLst>
+                              <p:cond delay="2000"/>
+                            </p:stCondLst>
+                            <p:childTnLst>
+                              <p:par>
+                                <p:cTn id="13" presetID="10" presetClass="entr" presetSubtype="0" fill="hold" grpId="0" nodeType="afterEffect">
+                                  <p:stCondLst>
+                                    <p:cond delay="0"/>
+                                  </p:stCondLst>
+                                  <p:childTnLst>
+                                    <p:set>
+                                      <p:cBhvr>
+                                        <p:cTn id="14" dur="1" fill="hold">
+                                          <p:stCondLst>
+                                            <p:cond delay="0"/>
+                                          </p:stCondLst>
+                                        </p:cTn>
+                                        <p:tgtEl>
+                                          <p:spTgt spid="3">
+                                            <p:txEl>
+                                              <p:pRg st="2" end="2"/>
+                                            </p:txEl>
+                                          </p:spTgt>
+                                        </p:tgtEl>
+                                        <p:attrNameLst>
+                                          <p:attrName>style.visibility</p:attrName>
+                                        </p:attrNameLst>
+                                      </p:cBhvr>
+                                      <p:to>
+                                        <p:strVal val="visible"/>
+                                      </p:to>
+                                    </p:set>
+                                    <p:animEffect transition="in" filter="fade">
+                                      <p:cBhvr>
+                                        <p:cTn id="15" dur="1000"/>
+                                        <p:tgtEl>
+                                          <p:spTgt spid="3">
+                                            <p:txEl>
+                                              <p:pRg st="2" end="2"/>
+                                            </p:txEl>
+                                          </p:spTgt>
+                                        </p:tgtEl>
+                                      </p:cBhvr>
+                                    </p:animEffect>
+                                  </p:childTnLst>
+                                </p:cTn>
+                              </p:par>
+                            </p:childTnLst>
+                          </p:cTn>
+                        </p:par>
+                      </p:childTnLst>
+                    </p:cTn>
+                  </p:par>
+                </p:childTnLst>
+              </p:cTn>
+              <p:prevCondLst>
+                <p:cond evt="onPrev" delay="0">
+                  <p:tgtEl>
+                    <p:sldTgt/>
+                  </p:tgtEl>
+                </p:cond>
+              </p:prevCondLst>
+              <p:nextCondLst>
+                <p:cond evt="onNext" delay="0">
+                  <p:tgtEl>
+                    <p:sldTgt/>
+                  </p:tgtEl>
+                </p:cond>
+              </p:nextCondLst>
+            </p:seq>
+          </p:childTnLst>
+        </p:cTn>
+      </p:par>
+    </p:tnLst>
+    <p:bldLst>
+      <p:bldP spid="3" grpId="0" build="p"/>
+    </p:bldLst>
+  </p:timing>
 </p:sld>
 </file>
 
@@ -20494,8 +21300,8 @@
           <a:lstStyle/>
           <a:p>
             <a:pPr marL="342900" indent="-342900">
-              <a:buFont typeface="Courier New" panose="02070309020205020404" pitchFamily="49" charset="0"/>
-              <a:buChar char="o"/>
+              <a:buFont typeface="Arial" panose="020B0604020202020204" pitchFamily="34" charset="0"/>
+              <a:buChar char="•"/>
             </a:pPr>
             <a:r>
               <a:rPr lang="es-ES" dirty="0"/>
@@ -20504,8 +21310,8 @@
           </a:p>
           <a:p>
             <a:pPr marL="342900" indent="-342900" rtl="0">
-              <a:buFont typeface="Courier New" panose="02070309020205020404" pitchFamily="49" charset="0"/>
-              <a:buChar char="o"/>
+              <a:buFont typeface="Arial" panose="020B0604020202020204" pitchFamily="34" charset="0"/>
+              <a:buChar char="•"/>
             </a:pPr>
             <a:r>
               <a:rPr lang="es-ES" dirty="0"/>
@@ -20514,8 +21320,8 @@
           </a:p>
           <a:p>
             <a:pPr marL="342900" indent="-342900" rtl="0">
-              <a:buFont typeface="Courier New" panose="02070309020205020404" pitchFamily="49" charset="0"/>
-              <a:buChar char="o"/>
+              <a:buFont typeface="Arial" panose="020B0604020202020204" pitchFamily="34" charset="0"/>
+              <a:buChar char="•"/>
             </a:pPr>
             <a:r>
               <a:rPr lang="es-ES" dirty="0"/>
@@ -20524,8 +21330,8 @@
           </a:p>
           <a:p>
             <a:pPr marL="342900" indent="-342900" rtl="0">
-              <a:buFont typeface="Courier New" panose="02070309020205020404" pitchFamily="49" charset="0"/>
-              <a:buChar char="o"/>
+              <a:buFont typeface="Arial" panose="020B0604020202020204" pitchFamily="34" charset="0"/>
+              <a:buChar char="•"/>
             </a:pPr>
             <a:r>
               <a:rPr lang="es-ES" dirty="0"/>
@@ -20738,6 +21544,487 @@
   <p:clrMapOvr>
     <a:masterClrMapping/>
   </p:clrMapOvr>
+  <mc:AlternateContent xmlns:mc="http://schemas.openxmlformats.org/markup-compatibility/2006">
+    <mc:Choice xmlns:p14="http://schemas.microsoft.com/office/powerpoint/2010/main" Requires="p14">
+      <p:transition spd="slow" p14:dur="1250">
+        <p14:reveal/>
+      </p:transition>
+    </mc:Choice>
+    <mc:Fallback>
+      <p:transition spd="slow">
+        <p:fade/>
+      </p:transition>
+    </mc:Fallback>
+  </mc:AlternateContent>
+  <p:timing>
+    <p:tnLst>
+      <p:par>
+        <p:cTn id="1" dur="indefinite" restart="never" nodeType="tmRoot">
+          <p:childTnLst>
+            <p:seq concurrent="1" nextAc="seek">
+              <p:cTn id="2" dur="indefinite" nodeType="mainSeq">
+                <p:childTnLst>
+                  <p:par>
+                    <p:cTn id="3" fill="hold">
+                      <p:stCondLst>
+                        <p:cond delay="indefinite"/>
+                        <p:cond evt="onBegin" delay="0">
+                          <p:tn val="2"/>
+                        </p:cond>
+                      </p:stCondLst>
+                      <p:childTnLst>
+                        <p:par>
+                          <p:cTn id="4" fill="hold">
+                            <p:stCondLst>
+                              <p:cond delay="0"/>
+                            </p:stCondLst>
+                            <p:childTnLst>
+                              <p:par>
+                                <p:cTn id="5" presetID="42" presetClass="entr" presetSubtype="0" fill="hold" grpId="0" nodeType="afterEffect">
+                                  <p:stCondLst>
+                                    <p:cond delay="0"/>
+                                  </p:stCondLst>
+                                  <p:childTnLst>
+                                    <p:set>
+                                      <p:cBhvr>
+                                        <p:cTn id="6" dur="1" fill="hold">
+                                          <p:stCondLst>
+                                            <p:cond delay="0"/>
+                                          </p:stCondLst>
+                                        </p:cTn>
+                                        <p:tgtEl>
+                                          <p:spTgt spid="5">
+                                            <p:txEl>
+                                              <p:pRg st="0" end="0"/>
+                                            </p:txEl>
+                                          </p:spTgt>
+                                        </p:tgtEl>
+                                        <p:attrNameLst>
+                                          <p:attrName>style.visibility</p:attrName>
+                                        </p:attrNameLst>
+                                      </p:cBhvr>
+                                      <p:to>
+                                        <p:strVal val="visible"/>
+                                      </p:to>
+                                    </p:set>
+                                    <p:animEffect transition="in" filter="fade">
+                                      <p:cBhvr>
+                                        <p:cTn id="7" dur="500"/>
+                                        <p:tgtEl>
+                                          <p:spTgt spid="5">
+                                            <p:txEl>
+                                              <p:pRg st="0" end="0"/>
+                                            </p:txEl>
+                                          </p:spTgt>
+                                        </p:tgtEl>
+                                      </p:cBhvr>
+                                    </p:animEffect>
+                                    <p:anim calcmode="lin" valueType="num">
+                                      <p:cBhvr>
+                                        <p:cTn id="8" dur="500" fill="hold"/>
+                                        <p:tgtEl>
+                                          <p:spTgt spid="5">
+                                            <p:txEl>
+                                              <p:pRg st="0" end="0"/>
+                                            </p:txEl>
+                                          </p:spTgt>
+                                        </p:tgtEl>
+                                        <p:attrNameLst>
+                                          <p:attrName>ppt_x</p:attrName>
+                                        </p:attrNameLst>
+                                      </p:cBhvr>
+                                      <p:tavLst>
+                                        <p:tav tm="0">
+                                          <p:val>
+                                            <p:strVal val="#ppt_x"/>
+                                          </p:val>
+                                        </p:tav>
+                                        <p:tav tm="100000">
+                                          <p:val>
+                                            <p:strVal val="#ppt_x"/>
+                                          </p:val>
+                                        </p:tav>
+                                      </p:tavLst>
+                                    </p:anim>
+                                    <p:anim calcmode="lin" valueType="num">
+                                      <p:cBhvr>
+                                        <p:cTn id="9" dur="500" fill="hold"/>
+                                        <p:tgtEl>
+                                          <p:spTgt spid="5">
+                                            <p:txEl>
+                                              <p:pRg st="0" end="0"/>
+                                            </p:txEl>
+                                          </p:spTgt>
+                                        </p:tgtEl>
+                                        <p:attrNameLst>
+                                          <p:attrName>ppt_y</p:attrName>
+                                        </p:attrNameLst>
+                                      </p:cBhvr>
+                                      <p:tavLst>
+                                        <p:tav tm="0">
+                                          <p:val>
+                                            <p:strVal val="#ppt_y+.1"/>
+                                          </p:val>
+                                        </p:tav>
+                                        <p:tav tm="100000">
+                                          <p:val>
+                                            <p:strVal val="#ppt_y"/>
+                                          </p:val>
+                                        </p:tav>
+                                      </p:tavLst>
+                                    </p:anim>
+                                  </p:childTnLst>
+                                </p:cTn>
+                              </p:par>
+                            </p:childTnLst>
+                          </p:cTn>
+                        </p:par>
+                        <p:par>
+                          <p:cTn id="10" fill="hold">
+                            <p:stCondLst>
+                              <p:cond delay="500"/>
+                            </p:stCondLst>
+                            <p:childTnLst>
+                              <p:par>
+                                <p:cTn id="11" presetID="42" presetClass="entr" presetSubtype="0" fill="hold" grpId="0" nodeType="afterEffect">
+                                  <p:stCondLst>
+                                    <p:cond delay="0"/>
+                                  </p:stCondLst>
+                                  <p:childTnLst>
+                                    <p:set>
+                                      <p:cBhvr>
+                                        <p:cTn id="12" dur="1" fill="hold">
+                                          <p:stCondLst>
+                                            <p:cond delay="0"/>
+                                          </p:stCondLst>
+                                        </p:cTn>
+                                        <p:tgtEl>
+                                          <p:spTgt spid="5">
+                                            <p:txEl>
+                                              <p:pRg st="1" end="1"/>
+                                            </p:txEl>
+                                          </p:spTgt>
+                                        </p:tgtEl>
+                                        <p:attrNameLst>
+                                          <p:attrName>style.visibility</p:attrName>
+                                        </p:attrNameLst>
+                                      </p:cBhvr>
+                                      <p:to>
+                                        <p:strVal val="visible"/>
+                                      </p:to>
+                                    </p:set>
+                                    <p:animEffect transition="in" filter="fade">
+                                      <p:cBhvr>
+                                        <p:cTn id="13" dur="500"/>
+                                        <p:tgtEl>
+                                          <p:spTgt spid="5">
+                                            <p:txEl>
+                                              <p:pRg st="1" end="1"/>
+                                            </p:txEl>
+                                          </p:spTgt>
+                                        </p:tgtEl>
+                                      </p:cBhvr>
+                                    </p:animEffect>
+                                    <p:anim calcmode="lin" valueType="num">
+                                      <p:cBhvr>
+                                        <p:cTn id="14" dur="500" fill="hold"/>
+                                        <p:tgtEl>
+                                          <p:spTgt spid="5">
+                                            <p:txEl>
+                                              <p:pRg st="1" end="1"/>
+                                            </p:txEl>
+                                          </p:spTgt>
+                                        </p:tgtEl>
+                                        <p:attrNameLst>
+                                          <p:attrName>ppt_x</p:attrName>
+                                        </p:attrNameLst>
+                                      </p:cBhvr>
+                                      <p:tavLst>
+                                        <p:tav tm="0">
+                                          <p:val>
+                                            <p:strVal val="#ppt_x"/>
+                                          </p:val>
+                                        </p:tav>
+                                        <p:tav tm="100000">
+                                          <p:val>
+                                            <p:strVal val="#ppt_x"/>
+                                          </p:val>
+                                        </p:tav>
+                                      </p:tavLst>
+                                    </p:anim>
+                                    <p:anim calcmode="lin" valueType="num">
+                                      <p:cBhvr>
+                                        <p:cTn id="15" dur="500" fill="hold"/>
+                                        <p:tgtEl>
+                                          <p:spTgt spid="5">
+                                            <p:txEl>
+                                              <p:pRg st="1" end="1"/>
+                                            </p:txEl>
+                                          </p:spTgt>
+                                        </p:tgtEl>
+                                        <p:attrNameLst>
+                                          <p:attrName>ppt_y</p:attrName>
+                                        </p:attrNameLst>
+                                      </p:cBhvr>
+                                      <p:tavLst>
+                                        <p:tav tm="0">
+                                          <p:val>
+                                            <p:strVal val="#ppt_y+.1"/>
+                                          </p:val>
+                                        </p:tav>
+                                        <p:tav tm="100000">
+                                          <p:val>
+                                            <p:strVal val="#ppt_y"/>
+                                          </p:val>
+                                        </p:tav>
+                                      </p:tavLst>
+                                    </p:anim>
+                                  </p:childTnLst>
+                                </p:cTn>
+                              </p:par>
+                            </p:childTnLst>
+                          </p:cTn>
+                        </p:par>
+                        <p:par>
+                          <p:cTn id="16" fill="hold">
+                            <p:stCondLst>
+                              <p:cond delay="1000"/>
+                            </p:stCondLst>
+                            <p:childTnLst>
+                              <p:par>
+                                <p:cTn id="17" presetID="42" presetClass="entr" presetSubtype="0" fill="hold" grpId="0" nodeType="afterEffect">
+                                  <p:stCondLst>
+                                    <p:cond delay="0"/>
+                                  </p:stCondLst>
+                                  <p:childTnLst>
+                                    <p:set>
+                                      <p:cBhvr>
+                                        <p:cTn id="18" dur="1" fill="hold">
+                                          <p:stCondLst>
+                                            <p:cond delay="0"/>
+                                          </p:stCondLst>
+                                        </p:cTn>
+                                        <p:tgtEl>
+                                          <p:spTgt spid="5">
+                                            <p:txEl>
+                                              <p:pRg st="2" end="2"/>
+                                            </p:txEl>
+                                          </p:spTgt>
+                                        </p:tgtEl>
+                                        <p:attrNameLst>
+                                          <p:attrName>style.visibility</p:attrName>
+                                        </p:attrNameLst>
+                                      </p:cBhvr>
+                                      <p:to>
+                                        <p:strVal val="visible"/>
+                                      </p:to>
+                                    </p:set>
+                                    <p:animEffect transition="in" filter="fade">
+                                      <p:cBhvr>
+                                        <p:cTn id="19" dur="500"/>
+                                        <p:tgtEl>
+                                          <p:spTgt spid="5">
+                                            <p:txEl>
+                                              <p:pRg st="2" end="2"/>
+                                            </p:txEl>
+                                          </p:spTgt>
+                                        </p:tgtEl>
+                                      </p:cBhvr>
+                                    </p:animEffect>
+                                    <p:anim calcmode="lin" valueType="num">
+                                      <p:cBhvr>
+                                        <p:cTn id="20" dur="500" fill="hold"/>
+                                        <p:tgtEl>
+                                          <p:spTgt spid="5">
+                                            <p:txEl>
+                                              <p:pRg st="2" end="2"/>
+                                            </p:txEl>
+                                          </p:spTgt>
+                                        </p:tgtEl>
+                                        <p:attrNameLst>
+                                          <p:attrName>ppt_x</p:attrName>
+                                        </p:attrNameLst>
+                                      </p:cBhvr>
+                                      <p:tavLst>
+                                        <p:tav tm="0">
+                                          <p:val>
+                                            <p:strVal val="#ppt_x"/>
+                                          </p:val>
+                                        </p:tav>
+                                        <p:tav tm="100000">
+                                          <p:val>
+                                            <p:strVal val="#ppt_x"/>
+                                          </p:val>
+                                        </p:tav>
+                                      </p:tavLst>
+                                    </p:anim>
+                                    <p:anim calcmode="lin" valueType="num">
+                                      <p:cBhvr>
+                                        <p:cTn id="21" dur="500" fill="hold"/>
+                                        <p:tgtEl>
+                                          <p:spTgt spid="5">
+                                            <p:txEl>
+                                              <p:pRg st="2" end="2"/>
+                                            </p:txEl>
+                                          </p:spTgt>
+                                        </p:tgtEl>
+                                        <p:attrNameLst>
+                                          <p:attrName>ppt_y</p:attrName>
+                                        </p:attrNameLst>
+                                      </p:cBhvr>
+                                      <p:tavLst>
+                                        <p:tav tm="0">
+                                          <p:val>
+                                            <p:strVal val="#ppt_y+.1"/>
+                                          </p:val>
+                                        </p:tav>
+                                        <p:tav tm="100000">
+                                          <p:val>
+                                            <p:strVal val="#ppt_y"/>
+                                          </p:val>
+                                        </p:tav>
+                                      </p:tavLst>
+                                    </p:anim>
+                                  </p:childTnLst>
+                                </p:cTn>
+                              </p:par>
+                            </p:childTnLst>
+                          </p:cTn>
+                        </p:par>
+                        <p:par>
+                          <p:cTn id="22" fill="hold">
+                            <p:stCondLst>
+                              <p:cond delay="1500"/>
+                            </p:stCondLst>
+                            <p:childTnLst>
+                              <p:par>
+                                <p:cTn id="23" presetID="42" presetClass="entr" presetSubtype="0" fill="hold" grpId="0" nodeType="afterEffect">
+                                  <p:stCondLst>
+                                    <p:cond delay="0"/>
+                                  </p:stCondLst>
+                                  <p:childTnLst>
+                                    <p:set>
+                                      <p:cBhvr>
+                                        <p:cTn id="24" dur="1" fill="hold">
+                                          <p:stCondLst>
+                                            <p:cond delay="0"/>
+                                          </p:stCondLst>
+                                        </p:cTn>
+                                        <p:tgtEl>
+                                          <p:spTgt spid="5">
+                                            <p:txEl>
+                                              <p:pRg st="3" end="3"/>
+                                            </p:txEl>
+                                          </p:spTgt>
+                                        </p:tgtEl>
+                                        <p:attrNameLst>
+                                          <p:attrName>style.visibility</p:attrName>
+                                        </p:attrNameLst>
+                                      </p:cBhvr>
+                                      <p:to>
+                                        <p:strVal val="visible"/>
+                                      </p:to>
+                                    </p:set>
+                                    <p:animEffect transition="in" filter="fade">
+                                      <p:cBhvr>
+                                        <p:cTn id="25" dur="500"/>
+                                        <p:tgtEl>
+                                          <p:spTgt spid="5">
+                                            <p:txEl>
+                                              <p:pRg st="3" end="3"/>
+                                            </p:txEl>
+                                          </p:spTgt>
+                                        </p:tgtEl>
+                                      </p:cBhvr>
+                                    </p:animEffect>
+                                    <p:anim calcmode="lin" valueType="num">
+                                      <p:cBhvr>
+                                        <p:cTn id="26" dur="500" fill="hold"/>
+                                        <p:tgtEl>
+                                          <p:spTgt spid="5">
+                                            <p:txEl>
+                                              <p:pRg st="3" end="3"/>
+                                            </p:txEl>
+                                          </p:spTgt>
+                                        </p:tgtEl>
+                                        <p:attrNameLst>
+                                          <p:attrName>ppt_x</p:attrName>
+                                        </p:attrNameLst>
+                                      </p:cBhvr>
+                                      <p:tavLst>
+                                        <p:tav tm="0">
+                                          <p:val>
+                                            <p:strVal val="#ppt_x"/>
+                                          </p:val>
+                                        </p:tav>
+                                        <p:tav tm="100000">
+                                          <p:val>
+                                            <p:strVal val="#ppt_x"/>
+                                          </p:val>
+                                        </p:tav>
+                                      </p:tavLst>
+                                    </p:anim>
+                                    <p:anim calcmode="lin" valueType="num">
+                                      <p:cBhvr>
+                                        <p:cTn id="27" dur="500" fill="hold"/>
+                                        <p:tgtEl>
+                                          <p:spTgt spid="5">
+                                            <p:txEl>
+                                              <p:pRg st="3" end="3"/>
+                                            </p:txEl>
+                                          </p:spTgt>
+                                        </p:tgtEl>
+                                        <p:attrNameLst>
+                                          <p:attrName>ppt_y</p:attrName>
+                                        </p:attrNameLst>
+                                      </p:cBhvr>
+                                      <p:tavLst>
+                                        <p:tav tm="0">
+                                          <p:val>
+                                            <p:strVal val="#ppt_y+.1"/>
+                                          </p:val>
+                                        </p:tav>
+                                        <p:tav tm="100000">
+                                          <p:val>
+                                            <p:strVal val="#ppt_y"/>
+                                          </p:val>
+                                        </p:tav>
+                                      </p:tavLst>
+                                    </p:anim>
+                                  </p:childTnLst>
+                                </p:cTn>
+                              </p:par>
+                            </p:childTnLst>
+                          </p:cTn>
+                        </p:par>
+                      </p:childTnLst>
+                    </p:cTn>
+                  </p:par>
+                </p:childTnLst>
+              </p:cTn>
+              <p:prevCondLst>
+                <p:cond evt="onPrev" delay="0">
+                  <p:tgtEl>
+                    <p:sldTgt/>
+                  </p:tgtEl>
+                </p:cond>
+              </p:prevCondLst>
+              <p:nextCondLst>
+                <p:cond evt="onNext" delay="0">
+                  <p:tgtEl>
+                    <p:sldTgt/>
+                  </p:tgtEl>
+                </p:cond>
+              </p:nextCondLst>
+            </p:seq>
+          </p:childTnLst>
+        </p:cTn>
+      </p:par>
+    </p:tnLst>
+    <p:bldLst>
+      <p:bldP spid="5" grpId="0" build="p"/>
+    </p:bldLst>
+  </p:timing>
 </p:sld>
 </file>
 
@@ -20803,13 +22090,13 @@
             <p:ph idx="1"/>
             <p:extLst>
               <p:ext uri="{D42A27DB-BD31-4B8C-83A1-F6EECF244321}">
-                <p14:modId xmlns:p14="http://schemas.microsoft.com/office/powerpoint/2010/main" val="3578111973"/>
+                <p14:modId xmlns:p14="http://schemas.microsoft.com/office/powerpoint/2010/main" val="580919142"/>
               </p:ext>
             </p:extLst>
           </p:nvPr>
         </p:nvGraphicFramePr>
         <p:xfrm>
-          <a:off x="996696" y="1581912"/>
+          <a:off x="998220" y="2055813"/>
           <a:ext cx="10195560" cy="3675888"/>
         </p:xfrm>
         <a:graphic>
@@ -20913,10 +22200,10 @@
       </p:sp>
       <p:sp>
         <p:nvSpPr>
-          <p:cNvPr id="3" name="Rectángulo: esquinas redondeadas 2">
+          <p:cNvPr id="5" name="Rectángulo 4">
             <a:extLst>
               <a:ext uri="{FF2B5EF4-FFF2-40B4-BE49-F238E27FC236}">
-                <a16:creationId xmlns:a16="http://schemas.microsoft.com/office/drawing/2014/main" id="{37AED317-E59F-4BAD-9D0D-C7C94F16E93B}"/>
+                <a16:creationId xmlns:a16="http://schemas.microsoft.com/office/drawing/2014/main" id="{BF70FFDE-3893-4F47-9FEF-05C1A53B7595}"/>
               </a:ext>
             </a:extLst>
           </p:cNvPr>
@@ -20925,24 +22212,32 @@
         </p:nvSpPr>
         <p:spPr>
           <a:xfrm>
-            <a:off x="656948" y="1278384"/>
-            <a:ext cx="2272683" cy="62144"/>
+            <a:off x="8874" y="5589272"/>
+            <a:ext cx="2467993" cy="1268728"/>
           </a:xfrm>
-          <a:prstGeom prst="roundRect">
+          <a:prstGeom prst="rect">
             <a:avLst/>
           </a:prstGeom>
+          <a:solidFill>
+            <a:schemeClr val="bg1"/>
+          </a:solidFill>
+          <a:ln>
+            <a:solidFill>
+              <a:schemeClr val="bg1"/>
+            </a:solidFill>
+          </a:ln>
         </p:spPr>
         <p:style>
           <a:lnRef idx="2">
-            <a:schemeClr val="accent4">
+            <a:schemeClr val="accent1">
               <a:shade val="50000"/>
             </a:schemeClr>
           </a:lnRef>
           <a:fillRef idx="1">
-            <a:schemeClr val="accent4"/>
+            <a:schemeClr val="accent1"/>
           </a:fillRef>
           <a:effectRef idx="0">
-            <a:schemeClr val="accent4"/>
+            <a:schemeClr val="accent1"/>
           </a:effectRef>
           <a:fontRef idx="minor">
             <a:schemeClr val="lt1"/>
@@ -20957,6 +22252,111 @@
           </a:p>
         </p:txBody>
       </p:sp>
+      <p:sp>
+        <p:nvSpPr>
+          <p:cNvPr id="9" name="Rectángulo 8">
+            <a:extLst>
+              <a:ext uri="{FF2B5EF4-FFF2-40B4-BE49-F238E27FC236}">
+                <a16:creationId xmlns:a16="http://schemas.microsoft.com/office/drawing/2014/main" id="{75EE59E9-8574-49C4-AB85-D4489B1A2AEE}"/>
+              </a:ext>
+            </a:extLst>
+          </p:cNvPr>
+          <p:cNvSpPr/>
+          <p:nvPr/>
+        </p:nvSpPr>
+        <p:spPr>
+          <a:xfrm>
+            <a:off x="9420688" y="0"/>
+            <a:ext cx="2539014" cy="1433744"/>
+          </a:xfrm>
+          <a:prstGeom prst="rect">
+            <a:avLst/>
+          </a:prstGeom>
+          <a:solidFill>
+            <a:schemeClr val="bg1"/>
+          </a:solidFill>
+          <a:ln>
+            <a:solidFill>
+              <a:schemeClr val="bg1"/>
+            </a:solidFill>
+          </a:ln>
+        </p:spPr>
+        <p:style>
+          <a:lnRef idx="2">
+            <a:schemeClr val="accent1">
+              <a:shade val="50000"/>
+            </a:schemeClr>
+          </a:lnRef>
+          <a:fillRef idx="1">
+            <a:schemeClr val="accent1"/>
+          </a:fillRef>
+          <a:effectRef idx="0">
+            <a:schemeClr val="accent1"/>
+          </a:effectRef>
+          <a:fontRef idx="minor">
+            <a:schemeClr val="lt1"/>
+          </a:fontRef>
+        </p:style>
+        <p:txBody>
+          <a:bodyPr rtlCol="0" anchor="ctr"/>
+          <a:lstStyle/>
+          <a:p>
+            <a:pPr algn="ctr"/>
+            <a:endParaRPr lang="es-ES"/>
+          </a:p>
+        </p:txBody>
+      </p:sp>
+      <p:sp>
+        <p:nvSpPr>
+          <p:cNvPr id="10" name="Rectángulo 9">
+            <a:extLst>
+              <a:ext uri="{FF2B5EF4-FFF2-40B4-BE49-F238E27FC236}">
+                <a16:creationId xmlns:a16="http://schemas.microsoft.com/office/drawing/2014/main" id="{6E95841F-098E-4082-8770-760813762C51}"/>
+              </a:ext>
+            </a:extLst>
+          </p:cNvPr>
+          <p:cNvSpPr/>
+          <p:nvPr/>
+        </p:nvSpPr>
+        <p:spPr>
+          <a:xfrm>
+            <a:off x="674707" y="1268728"/>
+            <a:ext cx="2272682" cy="71800"/>
+          </a:xfrm>
+          <a:prstGeom prst="rect">
+            <a:avLst/>
+          </a:prstGeom>
+        </p:spPr>
+        <p:style>
+          <a:lnRef idx="1">
+            <a:schemeClr val="accent1">
+              <a:hueOff val="0"/>
+              <a:satOff val="0"/>
+              <a:lumOff val="0"/>
+              <a:alphaOff val="0"/>
+            </a:schemeClr>
+          </a:lnRef>
+          <a:fillRef idx="3">
+            <a:schemeClr val="accent1">
+              <a:hueOff val="0"/>
+              <a:satOff val="0"/>
+              <a:lumOff val="0"/>
+              <a:alphaOff val="0"/>
+            </a:schemeClr>
+          </a:fillRef>
+          <a:effectRef idx="3">
+            <a:schemeClr val="accent1">
+              <a:hueOff val="0"/>
+              <a:satOff val="0"/>
+              <a:lumOff val="0"/>
+              <a:alphaOff val="0"/>
+            </a:schemeClr>
+          </a:effectRef>
+          <a:fontRef idx="minor">
+            <a:schemeClr val="lt1"/>
+          </a:fontRef>
+        </p:style>
+      </p:sp>
     </p:spTree>
     <p:extLst>
       <p:ext uri="{BB962C8B-B14F-4D97-AF65-F5344CB8AC3E}">
@@ -20967,6 +22367,18 @@
   <p:clrMapOvr>
     <a:masterClrMapping/>
   </p:clrMapOvr>
+  <mc:AlternateContent xmlns:mc="http://schemas.openxmlformats.org/markup-compatibility/2006">
+    <mc:Choice xmlns:p14="http://schemas.microsoft.com/office/powerpoint/2010/main" Requires="p14">
+      <p:transition spd="slow" p14:dur="1250">
+        <p14:reveal/>
+      </p:transition>
+    </mc:Choice>
+    <mc:Fallback>
+      <p:transition spd="slow">
+        <p:fade/>
+      </p:transition>
+    </mc:Fallback>
+  </mc:AlternateContent>
 </p:sld>
 </file>
 
@@ -21032,7 +22444,7 @@
             <p:ph idx="1"/>
             <p:extLst>
               <p:ext uri="{D42A27DB-BD31-4B8C-83A1-F6EECF244321}">
-                <p14:modId xmlns:p14="http://schemas.microsoft.com/office/powerpoint/2010/main" val="697591754"/>
+                <p14:modId xmlns:p14="http://schemas.microsoft.com/office/powerpoint/2010/main" val="461957042"/>
               </p:ext>
             </p:extLst>
           </p:nvPr>
@@ -21142,10 +22554,10 @@
       </p:sp>
       <p:sp>
         <p:nvSpPr>
-          <p:cNvPr id="9" name="Rectángulo: esquinas redondeadas 8">
+          <p:cNvPr id="6" name="Rectángulo 5">
             <a:extLst>
               <a:ext uri="{FF2B5EF4-FFF2-40B4-BE49-F238E27FC236}">
-                <a16:creationId xmlns:a16="http://schemas.microsoft.com/office/drawing/2014/main" id="{C13FD316-1ACA-46A2-98D8-C7727EDEB3AB}"/>
+                <a16:creationId xmlns:a16="http://schemas.microsoft.com/office/drawing/2014/main" id="{62180492-6404-4E6F-8927-1B9374268356}"/>
               </a:ext>
             </a:extLst>
           </p:cNvPr>
@@ -21154,37 +22566,42 @@
         </p:nvSpPr>
         <p:spPr>
           <a:xfrm>
-            <a:off x="656948" y="1278384"/>
-            <a:ext cx="2210539" cy="62144"/>
+            <a:off x="665831" y="1278312"/>
+            <a:ext cx="2210539" cy="62216"/>
           </a:xfrm>
-          <a:prstGeom prst="roundRect">
+          <a:prstGeom prst="rect">
             <a:avLst/>
           </a:prstGeom>
         </p:spPr>
         <p:style>
-          <a:lnRef idx="2">
+          <a:lnRef idx="1">
             <a:schemeClr val="accent4">
-              <a:shade val="50000"/>
+              <a:hueOff val="0"/>
+              <a:satOff val="0"/>
+              <a:lumOff val="0"/>
+              <a:alphaOff val="0"/>
             </a:schemeClr>
           </a:lnRef>
-          <a:fillRef idx="1">
-            <a:schemeClr val="accent4"/>
+          <a:fillRef idx="3">
+            <a:schemeClr val="accent4">
+              <a:hueOff val="0"/>
+              <a:satOff val="0"/>
+              <a:lumOff val="0"/>
+              <a:alphaOff val="0"/>
+            </a:schemeClr>
           </a:fillRef>
-          <a:effectRef idx="0">
-            <a:schemeClr val="accent4"/>
+          <a:effectRef idx="3">
+            <a:schemeClr val="accent4">
+              <a:hueOff val="0"/>
+              <a:satOff val="0"/>
+              <a:lumOff val="0"/>
+              <a:alphaOff val="0"/>
+            </a:schemeClr>
           </a:effectRef>
           <a:fontRef idx="minor">
             <a:schemeClr val="lt1"/>
           </a:fontRef>
         </p:style>
-        <p:txBody>
-          <a:bodyPr rtlCol="0" anchor="ctr"/>
-          <a:lstStyle/>
-          <a:p>
-            <a:pPr algn="ctr"/>
-            <a:endParaRPr lang="es-ES"/>
-          </a:p>
-        </p:txBody>
       </p:sp>
     </p:spTree>
     <p:extLst>
@@ -21196,6 +22613,18 @@
   <p:clrMapOvr>
     <a:masterClrMapping/>
   </p:clrMapOvr>
+  <mc:AlternateContent xmlns:mc="http://schemas.openxmlformats.org/markup-compatibility/2006">
+    <mc:Choice xmlns:p14="http://schemas.microsoft.com/office/powerpoint/2010/main" Requires="p14">
+      <p:transition spd="slow" p14:dur="1500">
+        <p14:flythrough/>
+      </p:transition>
+    </mc:Choice>
+    <mc:Fallback>
+      <p:transition spd="slow">
+        <p:fade/>
+      </p:transition>
+    </mc:Fallback>
+  </mc:AlternateContent>
 </p:sld>
 </file>
 
@@ -21232,7 +22661,12 @@
             <p:ph type="title"/>
           </p:nvPr>
         </p:nvSpPr>
-        <p:spPr/>
+        <p:spPr>
+          <a:xfrm>
+            <a:off x="710214" y="834501"/>
+            <a:ext cx="4616388" cy="4625266"/>
+          </a:xfrm>
+        </p:spPr>
         <p:txBody>
           <a:bodyPr rtlCol="0"/>
           <a:lstStyle/>
@@ -21286,6 +22720,176 @@
   <p:clrMapOvr>
     <a:masterClrMapping/>
   </p:clrMapOvr>
+  <mc:AlternateContent xmlns:mc="http://schemas.openxmlformats.org/markup-compatibility/2006">
+    <mc:Choice xmlns:p14="http://schemas.microsoft.com/office/powerpoint/2010/main" Requires="p14">
+      <p:transition spd="slow" p14:dur="1500">
+        <p14:ferris dir="l"/>
+      </p:transition>
+    </mc:Choice>
+    <mc:Fallback>
+      <p:transition spd="slow">
+        <p:fade/>
+      </p:transition>
+    </mc:Fallback>
+  </mc:AlternateContent>
+  <p:timing>
+    <p:tnLst>
+      <p:par>
+        <p:cTn id="1" dur="indefinite" restart="never" nodeType="tmRoot">
+          <p:childTnLst>
+            <p:seq concurrent="1" nextAc="seek">
+              <p:cTn id="2" dur="indefinite" nodeType="mainSeq">
+                <p:childTnLst>
+                  <p:par>
+                    <p:cTn id="3" fill="hold">
+                      <p:stCondLst>
+                        <p:cond delay="indefinite"/>
+                        <p:cond evt="onBegin" delay="0">
+                          <p:tn val="2"/>
+                        </p:cond>
+                      </p:stCondLst>
+                      <p:childTnLst>
+                        <p:par>
+                          <p:cTn id="4" fill="hold">
+                            <p:stCondLst>
+                              <p:cond delay="0"/>
+                            </p:stCondLst>
+                            <p:childTnLst>
+                              <p:par>
+                                <p:cTn id="5" presetID="31" presetClass="entr" presetSubtype="0" fill="hold" grpId="0" nodeType="withEffect">
+                                  <p:stCondLst>
+                                    <p:cond delay="0"/>
+                                  </p:stCondLst>
+                                  <p:childTnLst>
+                                    <p:set>
+                                      <p:cBhvr>
+                                        <p:cTn id="6" dur="1" fill="hold">
+                                          <p:stCondLst>
+                                            <p:cond delay="0"/>
+                                          </p:stCondLst>
+                                        </p:cTn>
+                                        <p:tgtEl>
+                                          <p:spTgt spid="2"/>
+                                        </p:tgtEl>
+                                        <p:attrNameLst>
+                                          <p:attrName>style.visibility</p:attrName>
+                                        </p:attrNameLst>
+                                      </p:cBhvr>
+                                      <p:to>
+                                        <p:strVal val="visible"/>
+                                      </p:to>
+                                    </p:set>
+                                    <p:anim calcmode="lin" valueType="num">
+                                      <p:cBhvr>
+                                        <p:cTn id="7" dur="500" fill="hold"/>
+                                        <p:tgtEl>
+                                          <p:spTgt spid="2"/>
+                                        </p:tgtEl>
+                                        <p:attrNameLst>
+                                          <p:attrName>ppt_w</p:attrName>
+                                        </p:attrNameLst>
+                                      </p:cBhvr>
+                                      <p:tavLst>
+                                        <p:tav tm="0">
+                                          <p:val>
+                                            <p:fltVal val="0"/>
+                                          </p:val>
+                                        </p:tav>
+                                        <p:tav tm="100000">
+                                          <p:val>
+                                            <p:strVal val="#ppt_w"/>
+                                          </p:val>
+                                        </p:tav>
+                                      </p:tavLst>
+                                    </p:anim>
+                                    <p:anim calcmode="lin" valueType="num">
+                                      <p:cBhvr>
+                                        <p:cTn id="8" dur="500" fill="hold"/>
+                                        <p:tgtEl>
+                                          <p:spTgt spid="2"/>
+                                        </p:tgtEl>
+                                        <p:attrNameLst>
+                                          <p:attrName>ppt_h</p:attrName>
+                                        </p:attrNameLst>
+                                      </p:cBhvr>
+                                      <p:tavLst>
+                                        <p:tav tm="0">
+                                          <p:val>
+                                            <p:fltVal val="0"/>
+                                          </p:val>
+                                        </p:tav>
+                                        <p:tav tm="100000">
+                                          <p:val>
+                                            <p:strVal val="#ppt_h"/>
+                                          </p:val>
+                                        </p:tav>
+                                      </p:tavLst>
+                                    </p:anim>
+                                    <p:anim calcmode="lin" valueType="num">
+                                      <p:cBhvr>
+                                        <p:cTn id="9" dur="500" fill="hold"/>
+                                        <p:tgtEl>
+                                          <p:spTgt spid="2"/>
+                                        </p:tgtEl>
+                                        <p:attrNameLst>
+                                          <p:attrName>style.rotation</p:attrName>
+                                        </p:attrNameLst>
+                                      </p:cBhvr>
+                                      <p:tavLst>
+                                        <p:tav tm="0">
+                                          <p:val>
+                                            <p:fltVal val="90"/>
+                                          </p:val>
+                                        </p:tav>
+                                        <p:tav tm="100000">
+                                          <p:val>
+                                            <p:fltVal val="0"/>
+                                          </p:val>
+                                        </p:tav>
+                                      </p:tavLst>
+                                    </p:anim>
+                                    <p:animEffect transition="in" filter="fade">
+                                      <p:cBhvr>
+                                        <p:cTn id="10" dur="500"/>
+                                        <p:tgtEl>
+                                          <p:spTgt spid="2"/>
+                                        </p:tgtEl>
+                                      </p:cBhvr>
+                                    </p:animEffect>
+                                  </p:childTnLst>
+                                </p:cTn>
+                              </p:par>
+                            </p:childTnLst>
+                          </p:cTn>
+                        </p:par>
+                      </p:childTnLst>
+                    </p:cTn>
+                  </p:par>
+                </p:childTnLst>
+              </p:cTn>
+              <p:prevCondLst>
+                <p:cond evt="onPrev" delay="0">
+                  <p:tgtEl>
+                    <p:sldTgt/>
+                  </p:tgtEl>
+                </p:cond>
+              </p:prevCondLst>
+              <p:nextCondLst>
+                <p:cond evt="onNext" delay="0">
+                  <p:tgtEl>
+                    <p:sldTgt/>
+                  </p:tgtEl>
+                </p:cond>
+              </p:nextCondLst>
+            </p:seq>
+          </p:childTnLst>
+        </p:cTn>
+      </p:par>
+    </p:tnLst>
+    <p:bldLst>
+      <p:bldP spid="2" grpId="0"/>
+    </p:bldLst>
+  </p:timing>
 </p:sld>
 </file>
 
@@ -22081,24 +23685,6 @@
 </file>
 
 <file path=customXml/item1.xml><?xml version="1.0" encoding="utf-8"?>
-<?mso-contentType ?>
-<FormTemplates xmlns="http://schemas.microsoft.com/sharepoint/v3/contenttype/forms">
-  <Display>DocumentLibraryForm</Display>
-  <Edit>DocumentLibraryForm</Edit>
-  <New>DocumentLibraryForm</New>
-</FormTemplates>
-</file>
-
-<file path=customXml/item2.xml><?xml version="1.0" encoding="utf-8"?>
-<p:properties xmlns:p="http://schemas.microsoft.com/office/2006/metadata/properties" xmlns:xsi="http://www.w3.org/2001/XMLSchema-instance" xmlns:pc="http://schemas.microsoft.com/office/infopath/2007/PartnerControls">
-  <documentManagement>
-    <Status xmlns="71af3243-3dd4-4a8d-8c0d-dd76da1f02a5">Not started</Status>
-    <MediaServiceKeyPoints xmlns="71af3243-3dd4-4a8d-8c0d-dd76da1f02a5" xsi:nil="true"/>
-  </documentManagement>
-</p:properties>
-</file>
-
-<file path=customXml/item3.xml><?xml version="1.0" encoding="utf-8"?>
 <ct:contentTypeSchema xmlns:ct="http://schemas.microsoft.com/office/2006/metadata/contentType" xmlns:ma="http://schemas.microsoft.com/office/2006/metadata/properties/metaAttributes" ct:_="" ma:_="" ma:contentTypeName="Document" ma:contentTypeID="0x01010079F111ED35F8CC479449609E8A0923A6" ma:contentTypeVersion="12" ma:contentTypeDescription="Create a new document." ma:contentTypeScope="" ma:versionID="426e97fa315356fffbdcd9876fe988c2">
   <xsd:schema xmlns:xsd="http://www.w3.org/2001/XMLSchema" xmlns:xs="http://www.w3.org/2001/XMLSchema" xmlns:p="http://schemas.microsoft.com/office/2006/metadata/properties" xmlns:ns2="71af3243-3dd4-4a8d-8c0d-dd76da1f02a5" xmlns:ns3="16c05727-aa75-4e4a-9b5f-8a80a1165891" targetNamespace="http://schemas.microsoft.com/office/2006/metadata/properties" ma:root="true" ma:fieldsID="14b8f0def80e6d70ce3def20c90759ae" ns2:_="" ns3:_="">
     <xsd:import namespace="71af3243-3dd4-4a8d-8c0d-dd76da1f02a5"/>
@@ -22319,25 +23905,25 @@
 </ct:contentTypeSchema>
 </file>
 
-<file path=customXml/itemProps1.xml><?xml version="1.0" encoding="utf-8"?>
-<ds:datastoreItem xmlns:ds="http://schemas.openxmlformats.org/officeDocument/2006/customXml" ds:itemID="{1A449C04-64B3-4403-94B7-8D2284C38D1B}">
-  <ds:schemaRefs>
-    <ds:schemaRef ds:uri="http://schemas.microsoft.com/sharepoint/v3/contenttype/forms"/>
-  </ds:schemaRefs>
-</ds:datastoreItem>
+<file path=customXml/item2.xml><?xml version="1.0" encoding="utf-8"?>
+<p:properties xmlns:p="http://schemas.microsoft.com/office/2006/metadata/properties" xmlns:xsi="http://www.w3.org/2001/XMLSchema-instance" xmlns:pc="http://schemas.microsoft.com/office/infopath/2007/PartnerControls">
+  <documentManagement>
+    <Status xmlns="71af3243-3dd4-4a8d-8c0d-dd76da1f02a5">Not started</Status>
+    <MediaServiceKeyPoints xmlns="71af3243-3dd4-4a8d-8c0d-dd76da1f02a5" xsi:nil="true"/>
+  </documentManagement>
+</p:properties>
 </file>
 
-<file path=customXml/itemProps2.xml><?xml version="1.0" encoding="utf-8"?>
-<ds:datastoreItem xmlns:ds="http://schemas.openxmlformats.org/officeDocument/2006/customXml" ds:itemID="{FBDEF148-1770-458F-8F5B-C3D0A278AA97}">
-  <ds:schemaRefs>
-    <ds:schemaRef ds:uri="http://schemas.microsoft.com/office/2006/metadata/properties"/>
-    <ds:schemaRef ds:uri="http://schemas.microsoft.com/office/infopath/2007/PartnerControls"/>
-    <ds:schemaRef ds:uri="71af3243-3dd4-4a8d-8c0d-dd76da1f02a5"/>
-  </ds:schemaRefs>
-</ds:datastoreItem>
+<file path=customXml/item3.xml><?xml version="1.0" encoding="utf-8"?>
+<?mso-contentType ?>
+<FormTemplates xmlns="http://schemas.microsoft.com/sharepoint/v3/contenttype/forms">
+  <Display>DocumentLibraryForm</Display>
+  <Edit>DocumentLibraryForm</Edit>
+  <New>DocumentLibraryForm</New>
+</FormTemplates>
 </file>
 
-<file path=customXml/itemProps3.xml><?xml version="1.0" encoding="utf-8"?>
+<file path=customXml/itemProps1.xml><?xml version="1.0" encoding="utf-8"?>
 <ds:datastoreItem xmlns:ds="http://schemas.openxmlformats.org/officeDocument/2006/customXml" ds:itemID="{8413533D-8C39-401E-8B75-B1AEEEC56B93}">
   <ds:schemaRefs>
     <ds:schemaRef ds:uri="http://schemas.microsoft.com/office/2006/metadata/contentType"/>
@@ -22354,4 +23940,22 @@
     <ds:schemaRef ds:uri="http://schemas.microsoft.com/internal/obd"/>
   </ds:schemaRefs>
 </ds:datastoreItem>
+</file>
+
+<file path=customXml/itemProps2.xml><?xml version="1.0" encoding="utf-8"?>
+<ds:datastoreItem xmlns:ds="http://schemas.openxmlformats.org/officeDocument/2006/customXml" ds:itemID="{FBDEF148-1770-458F-8F5B-C3D0A278AA97}">
+  <ds:schemaRefs>
+    <ds:schemaRef ds:uri="http://schemas.microsoft.com/office/2006/metadata/properties"/>
+    <ds:schemaRef ds:uri="http://schemas.microsoft.com/office/infopath/2007/PartnerControls"/>
+    <ds:schemaRef ds:uri="71af3243-3dd4-4a8d-8c0d-dd76da1f02a5"/>
+  </ds:schemaRefs>
+</ds:datastoreItem>
+</file>
+
+<file path=customXml/itemProps3.xml><?xml version="1.0" encoding="utf-8"?>
+<ds:datastoreItem xmlns:ds="http://schemas.openxmlformats.org/officeDocument/2006/customXml" ds:itemID="{1A449C04-64B3-4403-94B7-8D2284C38D1B}">
+  <ds:schemaRefs>
+    <ds:schemaRef ds:uri="http://schemas.microsoft.com/sharepoint/v3/contenttype/forms"/>
+  </ds:schemaRefs>
+</ds:datastoreItem>
 </file>
--- a/Presentación Proyecto.pptx
+++ b/Presentación Proyecto.pptx
@@ -7491,7 +7491,7 @@
           <a:p>
             <a:fld id="{86412843-E4DF-409D-B381-08D9B0CEB225}" type="datetime1">
               <a:rPr lang="es-ES" smtClean="0"/>
-              <a:t>10/10/2020</a:t>
+              <a:t>26/10/2020</a:t>
             </a:fld>
             <a:endParaRPr lang="es-ES" dirty="0"/>
           </a:p>
@@ -7671,7 +7671,7 @@
             <a:fld id="{E49A0D20-FBC3-42BB-85EB-DAC7A2C5FD7C}" type="datetime1">
               <a:rPr lang="es-ES" smtClean="0"/>
               <a:pPr/>
-              <a:t>10/10/2020</a:t>
+              <a:t>26/10/2020</a:t>
             </a:fld>
             <a:endParaRPr lang="es-ES" dirty="0"/>
           </a:p>
@@ -21305,7 +21305,7 @@
             </a:pPr>
             <a:r>
               <a:rPr lang="es-ES" dirty="0"/>
-              <a:t>Fundado en -.</a:t>
+              <a:t>La empresa fue fundada en 2004.</a:t>
             </a:r>
           </a:p>
           <a:p>
@@ -21335,7 +21335,15 @@
             </a:pPr>
             <a:r>
               <a:rPr lang="es-ES" dirty="0"/>
-              <a:t>Cuenta con 15 empleados.</a:t>
+              <a:t>Cuenta </a:t>
+            </a:r>
+            <a:r>
+              <a:rPr lang="es-ES"/>
+              <a:t>con 10 </a:t>
+            </a:r>
+            <a:r>
+              <a:rPr lang="es-ES" dirty="0"/>
+              <a:t>empleados.</a:t>
             </a:r>
           </a:p>
         </p:txBody>
@@ -21544,13 +21552,13 @@
   <p:clrMapOvr>
     <a:masterClrMapping/>
   </p:clrMapOvr>
-  <mc:AlternateContent xmlns:mc="http://schemas.openxmlformats.org/markup-compatibility/2006">
-    <mc:Choice xmlns:p14="http://schemas.microsoft.com/office/powerpoint/2010/main" Requires="p14">
+  <mc:AlternateContent xmlns:mc="http://schemas.openxmlformats.org/markup-compatibility/2006" xmlns:p14="http://schemas.microsoft.com/office/powerpoint/2010/main">
+    <mc:Choice Requires="p14">
       <p:transition spd="slow" p14:dur="1250">
         <p14:reveal/>
       </p:transition>
     </mc:Choice>
-    <mc:Fallback>
+    <mc:Fallback xmlns="">
       <p:transition spd="slow">
         <p:fade/>
       </p:transition>
@@ -22367,13 +22375,13 @@
   <p:clrMapOvr>
     <a:masterClrMapping/>
   </p:clrMapOvr>
-  <mc:AlternateContent xmlns:mc="http://schemas.openxmlformats.org/markup-compatibility/2006">
-    <mc:Choice xmlns:p14="http://schemas.microsoft.com/office/powerpoint/2010/main" Requires="p14">
+  <mc:AlternateContent xmlns:mc="http://schemas.openxmlformats.org/markup-compatibility/2006" xmlns:p14="http://schemas.microsoft.com/office/powerpoint/2010/main">
+    <mc:Choice Requires="p14">
       <p:transition spd="slow" p14:dur="1250">
         <p14:reveal/>
       </p:transition>
     </mc:Choice>
-    <mc:Fallback>
+    <mc:Fallback xmlns="">
       <p:transition spd="slow">
         <p:fade/>
       </p:transition>
@@ -22613,13 +22621,13 @@
   <p:clrMapOvr>
     <a:masterClrMapping/>
   </p:clrMapOvr>
-  <mc:AlternateContent xmlns:mc="http://schemas.openxmlformats.org/markup-compatibility/2006">
-    <mc:Choice xmlns:p14="http://schemas.microsoft.com/office/powerpoint/2010/main" Requires="p14">
+  <mc:AlternateContent xmlns:mc="http://schemas.openxmlformats.org/markup-compatibility/2006" xmlns:p14="http://schemas.microsoft.com/office/powerpoint/2010/main">
+    <mc:Choice Requires="p14">
       <p:transition spd="slow" p14:dur="1500">
         <p14:flythrough/>
       </p:transition>
     </mc:Choice>
-    <mc:Fallback>
+    <mc:Fallback xmlns="">
       <p:transition spd="slow">
         <p:fade/>
       </p:transition>
@@ -22720,13 +22728,13 @@
   <p:clrMapOvr>
     <a:masterClrMapping/>
   </p:clrMapOvr>
-  <mc:AlternateContent xmlns:mc="http://schemas.openxmlformats.org/markup-compatibility/2006">
-    <mc:Choice xmlns:p14="http://schemas.microsoft.com/office/powerpoint/2010/main" Requires="p14">
+  <mc:AlternateContent xmlns:mc="http://schemas.openxmlformats.org/markup-compatibility/2006" xmlns:p14="http://schemas.microsoft.com/office/powerpoint/2010/main">
+    <mc:Choice Requires="p14">
       <p:transition spd="slow" p14:dur="1500">
         <p14:ferris dir="l"/>
       </p:transition>
     </mc:Choice>
-    <mc:Fallback>
+    <mc:Fallback xmlns="">
       <p:transition spd="slow">
         <p:fade/>
       </p:transition>
@@ -23685,6 +23693,24 @@
 </file>
 
 <file path=customXml/item1.xml><?xml version="1.0" encoding="utf-8"?>
+<?mso-contentType ?>
+<FormTemplates xmlns="http://schemas.microsoft.com/sharepoint/v3/contenttype/forms">
+  <Display>DocumentLibraryForm</Display>
+  <Edit>DocumentLibraryForm</Edit>
+  <New>DocumentLibraryForm</New>
+</FormTemplates>
+</file>
+
+<file path=customXml/item2.xml><?xml version="1.0" encoding="utf-8"?>
+<p:properties xmlns:p="http://schemas.microsoft.com/office/2006/metadata/properties" xmlns:xsi="http://www.w3.org/2001/XMLSchema-instance" xmlns:pc="http://schemas.microsoft.com/office/infopath/2007/PartnerControls">
+  <documentManagement>
+    <Status xmlns="71af3243-3dd4-4a8d-8c0d-dd76da1f02a5">Not started</Status>
+    <MediaServiceKeyPoints xmlns="71af3243-3dd4-4a8d-8c0d-dd76da1f02a5" xsi:nil="true"/>
+  </documentManagement>
+</p:properties>
+</file>
+
+<file path=customXml/item3.xml><?xml version="1.0" encoding="utf-8"?>
 <ct:contentTypeSchema xmlns:ct="http://schemas.microsoft.com/office/2006/metadata/contentType" xmlns:ma="http://schemas.microsoft.com/office/2006/metadata/properties/metaAttributes" ct:_="" ma:_="" ma:contentTypeName="Document" ma:contentTypeID="0x01010079F111ED35F8CC479449609E8A0923A6" ma:contentTypeVersion="12" ma:contentTypeDescription="Create a new document." ma:contentTypeScope="" ma:versionID="426e97fa315356fffbdcd9876fe988c2">
   <xsd:schema xmlns:xsd="http://www.w3.org/2001/XMLSchema" xmlns:xs="http://www.w3.org/2001/XMLSchema" xmlns:p="http://schemas.microsoft.com/office/2006/metadata/properties" xmlns:ns2="71af3243-3dd4-4a8d-8c0d-dd76da1f02a5" xmlns:ns3="16c05727-aa75-4e4a-9b5f-8a80a1165891" targetNamespace="http://schemas.microsoft.com/office/2006/metadata/properties" ma:root="true" ma:fieldsID="14b8f0def80e6d70ce3def20c90759ae" ns2:_="" ns3:_="">
     <xsd:import namespace="71af3243-3dd4-4a8d-8c0d-dd76da1f02a5"/>
@@ -23905,25 +23931,25 @@
 </ct:contentTypeSchema>
 </file>
 
-<file path=customXml/item2.xml><?xml version="1.0" encoding="utf-8"?>
-<p:properties xmlns:p="http://schemas.microsoft.com/office/2006/metadata/properties" xmlns:xsi="http://www.w3.org/2001/XMLSchema-instance" xmlns:pc="http://schemas.microsoft.com/office/infopath/2007/PartnerControls">
-  <documentManagement>
-    <Status xmlns="71af3243-3dd4-4a8d-8c0d-dd76da1f02a5">Not started</Status>
-    <MediaServiceKeyPoints xmlns="71af3243-3dd4-4a8d-8c0d-dd76da1f02a5" xsi:nil="true"/>
-  </documentManagement>
-</p:properties>
+<file path=customXml/itemProps1.xml><?xml version="1.0" encoding="utf-8"?>
+<ds:datastoreItem xmlns:ds="http://schemas.openxmlformats.org/officeDocument/2006/customXml" ds:itemID="{1A449C04-64B3-4403-94B7-8D2284C38D1B}">
+  <ds:schemaRefs>
+    <ds:schemaRef ds:uri="http://schemas.microsoft.com/sharepoint/v3/contenttype/forms"/>
+  </ds:schemaRefs>
+</ds:datastoreItem>
 </file>
 
-<file path=customXml/item3.xml><?xml version="1.0" encoding="utf-8"?>
-<?mso-contentType ?>
-<FormTemplates xmlns="http://schemas.microsoft.com/sharepoint/v3/contenttype/forms">
-  <Display>DocumentLibraryForm</Display>
-  <Edit>DocumentLibraryForm</Edit>
-  <New>DocumentLibraryForm</New>
-</FormTemplates>
+<file path=customXml/itemProps2.xml><?xml version="1.0" encoding="utf-8"?>
+<ds:datastoreItem xmlns:ds="http://schemas.openxmlformats.org/officeDocument/2006/customXml" ds:itemID="{FBDEF148-1770-458F-8F5B-C3D0A278AA97}">
+  <ds:schemaRefs>
+    <ds:schemaRef ds:uri="http://schemas.microsoft.com/office/2006/metadata/properties"/>
+    <ds:schemaRef ds:uri="http://schemas.microsoft.com/office/infopath/2007/PartnerControls"/>
+    <ds:schemaRef ds:uri="71af3243-3dd4-4a8d-8c0d-dd76da1f02a5"/>
+  </ds:schemaRefs>
+</ds:datastoreItem>
 </file>
 
-<file path=customXml/itemProps1.xml><?xml version="1.0" encoding="utf-8"?>
+<file path=customXml/itemProps3.xml><?xml version="1.0" encoding="utf-8"?>
 <ds:datastoreItem xmlns:ds="http://schemas.openxmlformats.org/officeDocument/2006/customXml" ds:itemID="{8413533D-8C39-401E-8B75-B1AEEEC56B93}">
   <ds:schemaRefs>
     <ds:schemaRef ds:uri="http://schemas.microsoft.com/office/2006/metadata/contentType"/>
@@ -23940,22 +23966,4 @@
     <ds:schemaRef ds:uri="http://schemas.microsoft.com/internal/obd"/>
   </ds:schemaRefs>
 </ds:datastoreItem>
-</file>
-
-<file path=customXml/itemProps2.xml><?xml version="1.0" encoding="utf-8"?>
-<ds:datastoreItem xmlns:ds="http://schemas.openxmlformats.org/officeDocument/2006/customXml" ds:itemID="{FBDEF148-1770-458F-8F5B-C3D0A278AA97}">
-  <ds:schemaRefs>
-    <ds:schemaRef ds:uri="http://schemas.microsoft.com/office/2006/metadata/properties"/>
-    <ds:schemaRef ds:uri="http://schemas.microsoft.com/office/infopath/2007/PartnerControls"/>
-    <ds:schemaRef ds:uri="71af3243-3dd4-4a8d-8c0d-dd76da1f02a5"/>
-  </ds:schemaRefs>
-</ds:datastoreItem>
-</file>
-
-<file path=customXml/itemProps3.xml><?xml version="1.0" encoding="utf-8"?>
-<ds:datastoreItem xmlns:ds="http://schemas.openxmlformats.org/officeDocument/2006/customXml" ds:itemID="{1A449C04-64B3-4403-94B7-8D2284C38D1B}">
-  <ds:schemaRefs>
-    <ds:schemaRef ds:uri="http://schemas.microsoft.com/sharepoint/v3/contenttype/forms"/>
-  </ds:schemaRefs>
-</ds:datastoreItem>
 </file>